--- a/ASWC/Presentations/ASWC_Day0_Intro.pptx
+++ b/ASWC/Presentations/ASWC_Day0_Intro.pptx
@@ -29,47 +29,50 @@
     <p:sldId id="276" r:id="rId23"/>
     <p:sldId id="277" r:id="rId24"/>
     <p:sldId id="318" r:id="rId25"/>
-    <p:sldId id="279" r:id="rId26"/>
-    <p:sldId id="289" r:id="rId27"/>
-    <p:sldId id="280" r:id="rId28"/>
-    <p:sldId id="288" r:id="rId29"/>
-    <p:sldId id="299" r:id="rId30"/>
-    <p:sldId id="300" r:id="rId31"/>
-    <p:sldId id="281" r:id="rId32"/>
-    <p:sldId id="283" r:id="rId33"/>
-    <p:sldId id="284" r:id="rId34"/>
-    <p:sldId id="285" r:id="rId35"/>
-    <p:sldId id="286" r:id="rId36"/>
-    <p:sldId id="287" r:id="rId37"/>
-    <p:sldId id="290" r:id="rId38"/>
-    <p:sldId id="291" r:id="rId39"/>
-    <p:sldId id="292" r:id="rId40"/>
-    <p:sldId id="293" r:id="rId41"/>
-    <p:sldId id="294" r:id="rId42"/>
-    <p:sldId id="295" r:id="rId43"/>
-    <p:sldId id="296" r:id="rId44"/>
-    <p:sldId id="297" r:id="rId45"/>
-    <p:sldId id="298" r:id="rId46"/>
-    <p:sldId id="302" r:id="rId47"/>
-    <p:sldId id="303" r:id="rId48"/>
-    <p:sldId id="301" r:id="rId49"/>
-    <p:sldId id="304" r:id="rId50"/>
-    <p:sldId id="305" r:id="rId51"/>
-    <p:sldId id="306" r:id="rId52"/>
-    <p:sldId id="312" r:id="rId53"/>
-    <p:sldId id="307" r:id="rId54"/>
-    <p:sldId id="308" r:id="rId55"/>
-    <p:sldId id="309" r:id="rId56"/>
-    <p:sldId id="310" r:id="rId57"/>
-    <p:sldId id="311" r:id="rId58"/>
-    <p:sldId id="316" r:id="rId59"/>
-    <p:sldId id="320" r:id="rId60"/>
-    <p:sldId id="313" r:id="rId61"/>
-    <p:sldId id="322" r:id="rId62"/>
-    <p:sldId id="321" r:id="rId63"/>
-    <p:sldId id="323" r:id="rId64"/>
-    <p:sldId id="315" r:id="rId65"/>
-    <p:sldId id="317" r:id="rId66"/>
+    <p:sldId id="324" r:id="rId26"/>
+    <p:sldId id="325" r:id="rId27"/>
+    <p:sldId id="326" r:id="rId28"/>
+    <p:sldId id="327" r:id="rId29"/>
+    <p:sldId id="328" r:id="rId30"/>
+    <p:sldId id="329" r:id="rId31"/>
+    <p:sldId id="330" r:id="rId32"/>
+    <p:sldId id="331" r:id="rId33"/>
+    <p:sldId id="332" r:id="rId34"/>
+    <p:sldId id="279" r:id="rId35"/>
+    <p:sldId id="289" r:id="rId36"/>
+    <p:sldId id="280" r:id="rId37"/>
+    <p:sldId id="288" r:id="rId38"/>
+    <p:sldId id="299" r:id="rId39"/>
+    <p:sldId id="300" r:id="rId40"/>
+    <p:sldId id="281" r:id="rId41"/>
+    <p:sldId id="283" r:id="rId42"/>
+    <p:sldId id="284" r:id="rId43"/>
+    <p:sldId id="285" r:id="rId44"/>
+    <p:sldId id="286" r:id="rId45"/>
+    <p:sldId id="287" r:id="rId46"/>
+    <p:sldId id="290" r:id="rId47"/>
+    <p:sldId id="291" r:id="rId48"/>
+    <p:sldId id="292" r:id="rId49"/>
+    <p:sldId id="293" r:id="rId50"/>
+    <p:sldId id="294" r:id="rId51"/>
+    <p:sldId id="295" r:id="rId52"/>
+    <p:sldId id="296" r:id="rId53"/>
+    <p:sldId id="297" r:id="rId54"/>
+    <p:sldId id="298" r:id="rId55"/>
+    <p:sldId id="302" r:id="rId56"/>
+    <p:sldId id="303" r:id="rId57"/>
+    <p:sldId id="301" r:id="rId58"/>
+    <p:sldId id="304" r:id="rId59"/>
+    <p:sldId id="334" r:id="rId60"/>
+    <p:sldId id="320" r:id="rId61"/>
+    <p:sldId id="313" r:id="rId62"/>
+    <p:sldId id="333" r:id="rId63"/>
+    <p:sldId id="322" r:id="rId64"/>
+    <p:sldId id="321" r:id="rId65"/>
+    <p:sldId id="323" r:id="rId66"/>
+    <p:sldId id="315" r:id="rId67"/>
+    <p:sldId id="335" r:id="rId68"/>
+    <p:sldId id="317" r:id="rId69"/>
   </p:sldIdLst>
   <p:sldSz cx="12192000" cy="6858000"/>
   <p:notesSz cx="6858000" cy="9144000"/>
@@ -168,6 +171,11 @@
       </a:defRPr>
     </a:lvl9pPr>
   </p:defaultTextStyle>
+  <p:extLst>
+    <p:ext uri="{EFAFB233-063F-42B5-8137-9DF3F51BA10A}">
+      <p15:sldGuideLst xmlns:p15="http://schemas.microsoft.com/office/powerpoint/2012/main"/>
+    </p:ext>
+  </p:extLst>
 </p:presentation>
 </file>
 
@@ -302,7 +310,7 @@
           <a:p>
             <a:fld id="{04527E70-C461-477F-BF52-CFCF7D612977}" type="datetimeFigureOut">
               <a:rPr lang="da-DK" smtClean="0"/>
-              <a:t>07-12-2018</a:t>
+              <a:t>29-01-2019</a:t>
             </a:fld>
             <a:endParaRPr lang="da-DK"/>
           </a:p>
@@ -472,7 +480,7 @@
           <a:p>
             <a:fld id="{04527E70-C461-477F-BF52-CFCF7D612977}" type="datetimeFigureOut">
               <a:rPr lang="da-DK" smtClean="0"/>
-              <a:t>07-12-2018</a:t>
+              <a:t>29-01-2019</a:t>
             </a:fld>
             <a:endParaRPr lang="da-DK"/>
           </a:p>
@@ -652,7 +660,7 @@
           <a:p>
             <a:fld id="{04527E70-C461-477F-BF52-CFCF7D612977}" type="datetimeFigureOut">
               <a:rPr lang="da-DK" smtClean="0"/>
-              <a:t>07-12-2018</a:t>
+              <a:t>29-01-2019</a:t>
             </a:fld>
             <a:endParaRPr lang="da-DK"/>
           </a:p>
@@ -822,7 +830,7 @@
           <a:p>
             <a:fld id="{04527E70-C461-477F-BF52-CFCF7D612977}" type="datetimeFigureOut">
               <a:rPr lang="da-DK" smtClean="0"/>
-              <a:t>07-12-2018</a:t>
+              <a:t>29-01-2019</a:t>
             </a:fld>
             <a:endParaRPr lang="da-DK"/>
           </a:p>
@@ -1068,7 +1076,7 @@
           <a:p>
             <a:fld id="{04527E70-C461-477F-BF52-CFCF7D612977}" type="datetimeFigureOut">
               <a:rPr lang="da-DK" smtClean="0"/>
-              <a:t>07-12-2018</a:t>
+              <a:t>29-01-2019</a:t>
             </a:fld>
             <a:endParaRPr lang="da-DK"/>
           </a:p>
@@ -1300,7 +1308,7 @@
           <a:p>
             <a:fld id="{04527E70-C461-477F-BF52-CFCF7D612977}" type="datetimeFigureOut">
               <a:rPr lang="da-DK" smtClean="0"/>
-              <a:t>07-12-2018</a:t>
+              <a:t>29-01-2019</a:t>
             </a:fld>
             <a:endParaRPr lang="da-DK"/>
           </a:p>
@@ -1667,7 +1675,7 @@
           <a:p>
             <a:fld id="{04527E70-C461-477F-BF52-CFCF7D612977}" type="datetimeFigureOut">
               <a:rPr lang="da-DK" smtClean="0"/>
-              <a:t>07-12-2018</a:t>
+              <a:t>29-01-2019</a:t>
             </a:fld>
             <a:endParaRPr lang="da-DK"/>
           </a:p>
@@ -1785,7 +1793,7 @@
           <a:p>
             <a:fld id="{04527E70-C461-477F-BF52-CFCF7D612977}" type="datetimeFigureOut">
               <a:rPr lang="da-DK" smtClean="0"/>
-              <a:t>07-12-2018</a:t>
+              <a:t>29-01-2019</a:t>
             </a:fld>
             <a:endParaRPr lang="da-DK"/>
           </a:p>
@@ -1880,7 +1888,7 @@
           <a:p>
             <a:fld id="{04527E70-C461-477F-BF52-CFCF7D612977}" type="datetimeFigureOut">
               <a:rPr lang="da-DK" smtClean="0"/>
-              <a:t>07-12-2018</a:t>
+              <a:t>29-01-2019</a:t>
             </a:fld>
             <a:endParaRPr lang="da-DK"/>
           </a:p>
@@ -2157,7 +2165,7 @@
           <a:p>
             <a:fld id="{04527E70-C461-477F-BF52-CFCF7D612977}" type="datetimeFigureOut">
               <a:rPr lang="da-DK" smtClean="0"/>
-              <a:t>07-12-2018</a:t>
+              <a:t>29-01-2019</a:t>
             </a:fld>
             <a:endParaRPr lang="da-DK"/>
           </a:p>
@@ -2410,7 +2418,7 @@
           <a:p>
             <a:fld id="{04527E70-C461-477F-BF52-CFCF7D612977}" type="datetimeFigureOut">
               <a:rPr lang="da-DK" smtClean="0"/>
-              <a:t>07-12-2018</a:t>
+              <a:t>29-01-2019</a:t>
             </a:fld>
             <a:endParaRPr lang="da-DK"/>
           </a:p>
@@ -2623,7 +2631,7 @@
           <a:p>
             <a:fld id="{04527E70-C461-477F-BF52-CFCF7D612977}" type="datetimeFigureOut">
               <a:rPr lang="da-DK" smtClean="0"/>
-              <a:t>07-12-2018</a:t>
+              <a:t>29-01-2019</a:t>
             </a:fld>
             <a:endParaRPr lang="da-DK"/>
           </a:p>
@@ -3625,7 +3633,7 @@
         <p:spPr>
           <a:xfrm>
             <a:off x="1524000" y="345989"/>
-            <a:ext cx="9144000" cy="4454612"/>
+            <a:ext cx="9144000" cy="2645405"/>
           </a:xfrm>
         </p:spPr>
         <p:txBody>
@@ -3645,16 +3653,55 @@
               <a:rPr lang="en-US" sz="7200" b="1" smtClean="0"/>
               <a:t>Design/Code?</a:t>
             </a:r>
-            <a:br>
-              <a:rPr lang="en-US" sz="7200" b="1" smtClean="0"/>
-            </a:br>
-            <a:r>
-              <a:rPr lang="en-US" sz="7200" b="1" smtClean="0"/>
-              <a:t/>
-            </a:r>
-            <a:br>
-              <a:rPr lang="en-US" sz="7200" b="1" smtClean="0"/>
-            </a:br>
+            <a:endParaRPr lang="da-DK" b="1" i="1">
+              <a:solidFill>
+                <a:srgbClr val="FF0000"/>
+              </a:solidFill>
+            </a:endParaRPr>
+          </a:p>
+        </p:txBody>
+      </p:sp>
+      <p:sp>
+        <p:nvSpPr>
+          <p:cNvPr id="3" name="Titel 1"/>
+          <p:cNvSpPr txBox="1">
+            <a:spLocks/>
+          </p:cNvSpPr>
+          <p:nvPr/>
+        </p:nvSpPr>
+        <p:spPr>
+          <a:xfrm>
+            <a:off x="1578428" y="3905794"/>
+            <a:ext cx="9144000" cy="1197429"/>
+          </a:xfrm>
+          <a:prstGeom prst="rect">
+            <a:avLst/>
+          </a:prstGeom>
+        </p:spPr>
+        <p:txBody>
+          <a:bodyPr vert="horz" lIns="91440" tIns="45720" rIns="91440" bIns="45720" rtlCol="0" anchor="b">
+            <a:noAutofit/>
+          </a:bodyPr>
+          <a:lstStyle>
+            <a:lvl1pPr algn="ctr" defTabSz="914400" rtl="0" eaLnBrk="1" latinLnBrk="0" hangingPunct="1">
+              <a:lnSpc>
+                <a:spcPct val="90000"/>
+              </a:lnSpc>
+              <a:spcBef>
+                <a:spcPct val="0"/>
+              </a:spcBef>
+              <a:buNone/>
+              <a:defRPr sz="6000" kern="1200">
+                <a:solidFill>
+                  <a:schemeClr val="tx1"/>
+                </a:solidFill>
+                <a:latin typeface="+mj-lt"/>
+                <a:ea typeface="+mj-ea"/>
+                <a:cs typeface="+mj-cs"/>
+              </a:defRPr>
+            </a:lvl1pPr>
+          </a:lstStyle>
+          <a:p>
             <a:r>
               <a:rPr lang="en-US" b="1" i="1" smtClean="0">
                 <a:solidFill>
@@ -3681,13 +3728,13 @@
   <p:clrMapOvr>
     <a:masterClrMapping/>
   </p:clrMapOvr>
-  <mc:AlternateContent xmlns:mc="http://schemas.openxmlformats.org/markup-compatibility/2006">
-    <mc:Choice xmlns:p14="http://schemas.microsoft.com/office/powerpoint/2010/main" Requires="p14">
+  <mc:AlternateContent xmlns:mc="http://schemas.openxmlformats.org/markup-compatibility/2006" xmlns:p14="http://schemas.microsoft.com/office/powerpoint/2010/main">
+    <mc:Choice Requires="p14">
       <p:transition spd="med" p14:dur="700">
         <p:fade/>
       </p:transition>
     </mc:Choice>
-    <mc:Fallback>
+    <mc:Fallback xmlns="">
       <p:transition spd="med">
         <p:fade/>
       </p:transition>
@@ -3696,7 +3743,91 @@
   <p:timing>
     <p:tnLst>
       <p:par>
-        <p:cTn id="1" dur="indefinite" restart="never" nodeType="tmRoot"/>
+        <p:cTn id="1" dur="indefinite" restart="never" nodeType="tmRoot">
+          <p:childTnLst>
+            <p:seq concurrent="1" nextAc="seek">
+              <p:cTn id="2" dur="indefinite" nodeType="mainSeq">
+                <p:childTnLst>
+                  <p:par>
+                    <p:cTn id="3" fill="hold">
+                      <p:stCondLst>
+                        <p:cond delay="indefinite"/>
+                      </p:stCondLst>
+                      <p:childTnLst>
+                        <p:par>
+                          <p:cTn id="4" fill="hold">
+                            <p:stCondLst>
+                              <p:cond delay="0"/>
+                            </p:stCondLst>
+                            <p:childTnLst>
+                              <p:par>
+                                <p:cTn id="5" presetID="10" presetClass="entr" presetSubtype="0" fill="hold" nodeType="clickEffect">
+                                  <p:stCondLst>
+                                    <p:cond delay="0"/>
+                                  </p:stCondLst>
+                                  <p:childTnLst>
+                                    <p:set>
+                                      <p:cBhvr>
+                                        <p:cTn id="6" dur="1" fill="hold">
+                                          <p:stCondLst>
+                                            <p:cond delay="0"/>
+                                          </p:stCondLst>
+                                        </p:cTn>
+                                        <p:tgtEl>
+                                          <p:spTgt spid="3">
+                                            <p:txEl>
+                                              <p:pRg st="0" end="0"/>
+                                            </p:txEl>
+                                          </p:spTgt>
+                                        </p:tgtEl>
+                                        <p:attrNameLst>
+                                          <p:attrName>style.visibility</p:attrName>
+                                        </p:attrNameLst>
+                                      </p:cBhvr>
+                                      <p:to>
+                                        <p:strVal val="visible"/>
+                                      </p:to>
+                                    </p:set>
+                                    <p:animEffect transition="in" filter="fade">
+                                      <p:cBhvr>
+                                        <p:cTn id="7" dur="500"/>
+                                        <p:tgtEl>
+                                          <p:spTgt spid="3">
+                                            <p:txEl>
+                                              <p:pRg st="0" end="0"/>
+                                            </p:txEl>
+                                          </p:spTgt>
+                                        </p:tgtEl>
+                                      </p:cBhvr>
+                                    </p:animEffect>
+                                  </p:childTnLst>
+                                </p:cTn>
+                              </p:par>
+                            </p:childTnLst>
+                          </p:cTn>
+                        </p:par>
+                      </p:childTnLst>
+                    </p:cTn>
+                  </p:par>
+                </p:childTnLst>
+              </p:cTn>
+              <p:prevCondLst>
+                <p:cond evt="onPrev" delay="0">
+                  <p:tgtEl>
+                    <p:sldTgt/>
+                  </p:tgtEl>
+                </p:cond>
+              </p:prevCondLst>
+              <p:nextCondLst>
+                <p:cond evt="onNext" delay="0">
+                  <p:tgtEl>
+                    <p:sldTgt/>
+                  </p:tgtEl>
+                </p:cond>
+              </p:nextCondLst>
+            </p:seq>
+          </p:childTnLst>
+        </p:cTn>
       </p:par>
     </p:tnLst>
   </p:timing>
@@ -3849,13 +3980,13 @@
   <p:clrMapOvr>
     <a:masterClrMapping/>
   </p:clrMapOvr>
-  <mc:AlternateContent xmlns:mc="http://schemas.openxmlformats.org/markup-compatibility/2006">
-    <mc:Choice xmlns:p14="http://schemas.microsoft.com/office/powerpoint/2010/main" Requires="p14">
+  <mc:AlternateContent xmlns:mc="http://schemas.openxmlformats.org/markup-compatibility/2006" xmlns:p14="http://schemas.microsoft.com/office/powerpoint/2010/main">
+    <mc:Choice Requires="p14">
       <p:transition spd="med" p14:dur="700">
         <p:fade/>
       </p:transition>
     </mc:Choice>
-    <mc:Fallback>
+    <mc:Fallback xmlns="">
       <p:transition spd="med">
         <p:fade/>
       </p:transition>
@@ -3980,13 +4111,13 @@
   <p:clrMapOvr>
     <a:masterClrMapping/>
   </p:clrMapOvr>
-  <mc:AlternateContent xmlns:mc="http://schemas.openxmlformats.org/markup-compatibility/2006">
-    <mc:Choice xmlns:p14="http://schemas.microsoft.com/office/powerpoint/2010/main" Requires="p14">
+  <mc:AlternateContent xmlns:mc="http://schemas.openxmlformats.org/markup-compatibility/2006" xmlns:p14="http://schemas.microsoft.com/office/powerpoint/2010/main">
+    <mc:Choice Requires="p14">
       <p:transition spd="med" p14:dur="700">
         <p:fade/>
       </p:transition>
     </mc:Choice>
-    <mc:Fallback>
+    <mc:Fallback xmlns="">
       <p:transition spd="med">
         <p:fade/>
       </p:transition>
@@ -4146,13 +4277,13 @@
   <p:clrMapOvr>
     <a:masterClrMapping/>
   </p:clrMapOvr>
-  <mc:AlternateContent xmlns:mc="http://schemas.openxmlformats.org/markup-compatibility/2006">
-    <mc:Choice xmlns:p14="http://schemas.microsoft.com/office/powerpoint/2010/main" Requires="p14">
+  <mc:AlternateContent xmlns:mc="http://schemas.openxmlformats.org/markup-compatibility/2006" xmlns:p14="http://schemas.microsoft.com/office/powerpoint/2010/main">
+    <mc:Choice Requires="p14">
       <p:transition spd="med" p14:dur="700">
         <p:fade/>
       </p:transition>
     </mc:Choice>
-    <mc:Fallback>
+    <mc:Fallback xmlns="">
       <p:transition spd="med">
         <p:fade/>
       </p:transition>
@@ -4247,13 +4378,13 @@
   <p:clrMapOvr>
     <a:masterClrMapping/>
   </p:clrMapOvr>
-  <mc:AlternateContent xmlns:mc="http://schemas.openxmlformats.org/markup-compatibility/2006">
-    <mc:Choice xmlns:p14="http://schemas.microsoft.com/office/powerpoint/2010/main" Requires="p14">
+  <mc:AlternateContent xmlns:mc="http://schemas.openxmlformats.org/markup-compatibility/2006" xmlns:p14="http://schemas.microsoft.com/office/powerpoint/2010/main">
+    <mc:Choice Requires="p14">
       <p:transition spd="med" p14:dur="700">
         <p:fade/>
       </p:transition>
     </mc:Choice>
-    <mc:Fallback>
+    <mc:Fallback xmlns="">
       <p:transition spd="med">
         <p:fade/>
       </p:transition>
@@ -4516,7 +4647,12 @@
             <p:ph idx="1"/>
           </p:nvPr>
         </p:nvSpPr>
-        <p:spPr/>
+        <p:spPr>
+          <a:xfrm>
+            <a:off x="838200" y="1825625"/>
+            <a:ext cx="10515600" cy="4587532"/>
+          </a:xfrm>
+        </p:spPr>
         <p:txBody>
           <a:bodyPr>
             <a:normAutofit/>
@@ -4585,11 +4721,27 @@
                   <a:srgbClr val="FF0000"/>
                 </a:solidFill>
               </a:rPr>
-              <a:t>xxx@ 0900</a:t>
+              <a:t>Wednesday, January 30</a:t>
+            </a:r>
+            <a:r>
+              <a:rPr lang="da-DK" sz="3200" b="1" baseline="30000" smtClean="0">
+                <a:solidFill>
+                  <a:srgbClr val="FF0000"/>
+                </a:solidFill>
+              </a:rPr>
+              <a:t>th</a:t>
+            </a:r>
+            <a:r>
+              <a:rPr lang="da-DK" sz="3200" b="1" smtClean="0">
+                <a:solidFill>
+                  <a:srgbClr val="FF0000"/>
+                </a:solidFill>
+              </a:rPr>
+              <a:t>@ 0900</a:t>
             </a:r>
             <a:r>
               <a:rPr lang="da-DK" sz="3200" smtClean="0"/>
-              <a:t>; this is the time the course starts every xxx</a:t>
+              <a:t>; this is the time the course starts every Wednesday (except Week 10)</a:t>
             </a:r>
           </a:p>
           <a:p>
@@ -4601,14 +4753,32 @@
               <a:rPr lang="da-DK" sz="3200" smtClean="0"/>
               <a:t>for the course is here: </a:t>
             </a:r>
-            <a:r>
-              <a:rPr lang="da-DK" sz="3200" b="1" smtClean="0">
-                <a:solidFill>
-                  <a:srgbClr val="FF0000"/>
-                </a:solidFill>
+          </a:p>
+          <a:p>
+            <a:pPr lvl="1"/>
+            <a:r>
+              <a:rPr lang="da-DK" sz="2800" smtClean="0">
+                <a:hlinkClick r:id="rId2"/>
               </a:rPr>
-              <a:t>perl-easj.dk/ASWCF19</a:t>
-            </a:r>
+              <a:t>http</a:t>
+            </a:r>
+            <a:r>
+              <a:rPr lang="da-DK" sz="2800">
+                <a:hlinkClick r:id="rId2"/>
+              </a:rPr>
+              <a:t>://</a:t>
+            </a:r>
+            <a:r>
+              <a:rPr lang="da-DK" sz="2800" smtClean="0">
+                <a:hlinkClick r:id="rId2"/>
+              </a:rPr>
+              <a:t>perl-easj.dk/ASWC4SemDatF19.html</a:t>
+            </a:r>
+            <a:endParaRPr lang="da-DK" sz="2800" b="1" smtClean="0">
+              <a:solidFill>
+                <a:srgbClr val="FF0000"/>
+              </a:solidFill>
+            </a:endParaRPr>
           </a:p>
           <a:p>
             <a:r>
@@ -4968,13 +5138,13 @@
   <p:clrMapOvr>
     <a:masterClrMapping/>
   </p:clrMapOvr>
-  <mc:AlternateContent xmlns:mc="http://schemas.openxmlformats.org/markup-compatibility/2006">
-    <mc:Choice xmlns:p14="http://schemas.microsoft.com/office/powerpoint/2010/main" Requires="p14">
+  <mc:AlternateContent xmlns:mc="http://schemas.openxmlformats.org/markup-compatibility/2006" xmlns:p14="http://schemas.microsoft.com/office/powerpoint/2010/main">
+    <mc:Choice Requires="p14">
       <p:transition spd="med" p14:dur="700">
         <p:fade/>
       </p:transition>
     </mc:Choice>
-    <mc:Fallback>
+    <mc:Fallback xmlns="">
       <p:transition spd="med">
         <p:fade/>
       </p:transition>
@@ -5085,7 +5255,7 @@
             <a:pPr lvl="1"/>
             <a:r>
               <a:rPr lang="da-DK" sz="2800" smtClean="0"/>
-              <a:t>Quality measures is </a:t>
+              <a:t>Quality measures are </a:t>
             </a:r>
             <a:r>
               <a:rPr lang="da-DK" sz="2800" u="sng" smtClean="0"/>
@@ -5237,13 +5407,13 @@
   <p:clrMapOvr>
     <a:masterClrMapping/>
   </p:clrMapOvr>
-  <mc:AlternateContent xmlns:mc="http://schemas.openxmlformats.org/markup-compatibility/2006">
-    <mc:Choice xmlns:p14="http://schemas.microsoft.com/office/powerpoint/2010/main" Requires="p14">
+  <mc:AlternateContent xmlns:mc="http://schemas.openxmlformats.org/markup-compatibility/2006" xmlns:p14="http://schemas.microsoft.com/office/powerpoint/2010/main">
+    <mc:Choice Requires="p14">
       <p:transition spd="med" p14:dur="700">
         <p:fade/>
       </p:transition>
     </mc:Choice>
-    <mc:Fallback>
+    <mc:Fallback xmlns="">
       <p:transition spd="med">
         <p:fade/>
       </p:transition>
@@ -5334,6 +5504,16 @@
           </a:p>
           <a:p>
             <a:r>
+              <a:rPr lang="da-DK" sz="3200" b="1"/>
+              <a:t>SOLID </a:t>
+            </a:r>
+            <a:r>
+              <a:rPr lang="da-DK" sz="3200" b="1" smtClean="0"/>
+              <a:t>Principles</a:t>
+            </a:r>
+          </a:p>
+          <a:p>
+            <a:r>
               <a:rPr lang="da-DK" sz="3200" b="1" smtClean="0"/>
               <a:t>Design Patterns</a:t>
             </a:r>
@@ -5343,13 +5523,6 @@
               <a:rPr lang="da-DK" sz="3200" b="1" smtClean="0"/>
               <a:t>Refactoring (towards Design Patterns)</a:t>
             </a:r>
-          </a:p>
-          <a:p>
-            <a:r>
-              <a:rPr lang="da-DK" sz="3200" b="1" smtClean="0"/>
-              <a:t>SOLID Principles</a:t>
-            </a:r>
-            <a:endParaRPr lang="da-DK" sz="2400" b="1" smtClean="0"/>
           </a:p>
         </p:txBody>
       </p:sp>
@@ -5495,13 +5668,13 @@
   <p:clrMapOvr>
     <a:masterClrMapping/>
   </p:clrMapOvr>
-  <mc:AlternateContent xmlns:mc="http://schemas.openxmlformats.org/markup-compatibility/2006">
-    <mc:Choice xmlns:p14="http://schemas.microsoft.com/office/powerpoint/2010/main" Requires="p14">
+  <mc:AlternateContent xmlns:mc="http://schemas.openxmlformats.org/markup-compatibility/2006" xmlns:p14="http://schemas.microsoft.com/office/powerpoint/2010/main">
+    <mc:Choice Requires="p14">
       <p:transition spd="med" p14:dur="700">
         <p:fade/>
       </p:transition>
     </mc:Choice>
-    <mc:Fallback>
+    <mc:Fallback xmlns="">
       <p:transition spd="med">
         <p:fade/>
       </p:transition>
@@ -5558,11 +5731,7 @@
           <a:p>
             <a:r>
               <a:rPr lang="da-DK" sz="9600" b="1" smtClean="0"/>
-              <a:t>What is a </a:t>
-            </a:r>
-            <a:r>
-              <a:rPr lang="da-DK" sz="9600" b="1" smtClean="0"/>
-              <a:t/>
+              <a:t>What are the </a:t>
             </a:r>
             <a:br>
               <a:rPr lang="da-DK" sz="9600" b="1" smtClean="0"/>
@@ -5573,41 +5742,32 @@
                   <a:srgbClr val="FF0000"/>
                 </a:solidFill>
               </a:rPr>
-              <a:t>Design </a:t>
-            </a:r>
-            <a:r>
-              <a:rPr lang="da-DK" sz="9600" b="1" smtClean="0">
-                <a:solidFill>
-                  <a:srgbClr val="FF0000"/>
-                </a:solidFill>
-              </a:rPr>
-              <a:t>Pattern</a:t>
-            </a:r>
-            <a:r>
-              <a:rPr lang="da-DK" sz="9600" b="1" smtClean="0"/>
-              <a:t>?</a:t>
-            </a:r>
-            <a:endParaRPr lang="da-DK" sz="9600" i="1"/>
+              <a:t>SOLID </a:t>
+            </a:r>
+            <a:r>
+              <a:rPr lang="da-DK" sz="9600" b="1"/>
+              <a:t>principles?</a:t>
+            </a:r>
           </a:p>
         </p:txBody>
       </p:sp>
     </p:spTree>
     <p:extLst>
       <p:ext uri="{BB962C8B-B14F-4D97-AF65-F5344CB8AC3E}">
-        <p14:creationId xmlns:p14="http://schemas.microsoft.com/office/powerpoint/2010/main" val="2470412195"/>
+        <p14:creationId xmlns:p14="http://schemas.microsoft.com/office/powerpoint/2010/main" val="445366139"/>
       </p:ext>
     </p:extLst>
   </p:cSld>
   <p:clrMapOvr>
     <a:masterClrMapping/>
   </p:clrMapOvr>
-  <mc:AlternateContent xmlns:mc="http://schemas.openxmlformats.org/markup-compatibility/2006">
-    <mc:Choice xmlns:p14="http://schemas.microsoft.com/office/powerpoint/2010/main" Requires="p14">
+  <mc:AlternateContent xmlns:mc="http://schemas.openxmlformats.org/markup-compatibility/2006" xmlns:p14="http://schemas.microsoft.com/office/powerpoint/2010/main">
+    <mc:Choice Requires="p14">
       <p:transition spd="med" p14:dur="700">
         <p:fade/>
       </p:transition>
     </mc:Choice>
-    <mc:Fallback>
+    <mc:Fallback xmlns="">
       <p:transition spd="med">
         <p:fade/>
       </p:transition>
@@ -5640,64 +5800,126 @@
           <a:chExt cx="0" cy="0"/>
         </a:xfrm>
       </p:grpSpPr>
-      <p:pic>
-        <p:nvPicPr>
-          <p:cNvPr id="3074" name="Picture 2" descr="Billedresultat for fingertapning"/>
-          <p:cNvPicPr>
-            <a:picLocks noChangeAspect="1" noChangeArrowheads="1"/>
-          </p:cNvPicPr>
-          <p:nvPr/>
-        </p:nvPicPr>
-        <p:blipFill>
-          <a:blip r:embed="rId2">
-            <a:extLst>
-              <a:ext uri="{28A0092B-C50C-407E-A947-70E740481C1C}">
-                <a14:useLocalDpi xmlns:a14="http://schemas.microsoft.com/office/drawing/2010/main" val="0"/>
-              </a:ext>
-            </a:extLst>
-          </a:blip>
-          <a:srcRect/>
-          <a:stretch>
-            <a:fillRect/>
-          </a:stretch>
-        </p:blipFill>
-        <p:spPr bwMode="auto">
+      <p:sp>
+        <p:nvSpPr>
+          <p:cNvPr id="2" name="Titel 1"/>
+          <p:cNvSpPr>
+            <a:spLocks noGrp="1"/>
+          </p:cNvSpPr>
+          <p:nvPr>
+            <p:ph type="ctrTitle"/>
+          </p:nvPr>
+        </p:nvSpPr>
+        <p:spPr>
           <a:xfrm>
-            <a:off x="359460" y="233148"/>
-            <a:ext cx="11419601" cy="6266506"/>
+            <a:off x="547438" y="481264"/>
+            <a:ext cx="11534274" cy="6154152"/>
           </a:xfrm>
-          <a:prstGeom prst="rect">
-            <a:avLst/>
-          </a:prstGeom>
-          <a:noFill/>
-          <a:extLst>
-            <a:ext uri="{909E8E84-426E-40DD-AFC4-6F175D3DCCD1}">
-              <a14:hiddenFill xmlns:a14="http://schemas.microsoft.com/office/drawing/2010/main">
-                <a:solidFill>
-                  <a:srgbClr val="FFFFFF"/>
-                </a:solidFill>
-              </a14:hiddenFill>
-            </a:ext>
-          </a:extLst>
         </p:spPr>
-      </p:pic>
+        <p:txBody>
+          <a:bodyPr anchor="t">
+            <a:normAutofit/>
+          </a:bodyPr>
+          <a:lstStyle/>
+          <a:p>
+            <a:pPr algn="l"/>
+            <a:r>
+              <a:rPr lang="en-US" sz="7200" b="1" smtClean="0">
+                <a:solidFill>
+                  <a:srgbClr val="FF0000"/>
+                </a:solidFill>
+              </a:rPr>
+              <a:t>S</a:t>
+            </a:r>
+            <a:r>
+              <a:rPr lang="en-US" sz="7200" b="1" smtClean="0"/>
+              <a:t>ingle responsibility</a:t>
+            </a:r>
+            <a:br>
+              <a:rPr lang="en-US" sz="7200" b="1" smtClean="0"/>
+            </a:br>
+            <a:r>
+              <a:rPr lang="en-US" sz="7200" b="1" smtClean="0">
+                <a:solidFill>
+                  <a:srgbClr val="FF0000"/>
+                </a:solidFill>
+              </a:rPr>
+              <a:t>O</a:t>
+            </a:r>
+            <a:r>
+              <a:rPr lang="en-US" sz="7200" b="1" smtClean="0"/>
+              <a:t>pen/Closed</a:t>
+            </a:r>
+            <a:br>
+              <a:rPr lang="en-US" sz="7200" b="1" smtClean="0"/>
+            </a:br>
+            <a:r>
+              <a:rPr lang="en-US" sz="7200" b="1" smtClean="0">
+                <a:solidFill>
+                  <a:srgbClr val="FF0000"/>
+                </a:solidFill>
+              </a:rPr>
+              <a:t>L</a:t>
+            </a:r>
+            <a:r>
+              <a:rPr lang="en-US" sz="7200" b="1" smtClean="0"/>
+              <a:t>iskov Substitution</a:t>
+            </a:r>
+            <a:br>
+              <a:rPr lang="en-US" sz="7200" b="1" smtClean="0"/>
+            </a:br>
+            <a:r>
+              <a:rPr lang="en-US" sz="7200" b="1" smtClean="0">
+                <a:solidFill>
+                  <a:srgbClr val="FF0000"/>
+                </a:solidFill>
+              </a:rPr>
+              <a:t>I</a:t>
+            </a:r>
+            <a:r>
+              <a:rPr lang="en-US" sz="7200" b="1" smtClean="0"/>
+              <a:t>nterface Segregation</a:t>
+            </a:r>
+            <a:br>
+              <a:rPr lang="en-US" sz="7200" b="1" smtClean="0"/>
+            </a:br>
+            <a:r>
+              <a:rPr lang="en-US" sz="7200" b="1" smtClean="0">
+                <a:solidFill>
+                  <a:srgbClr val="FF0000"/>
+                </a:solidFill>
+              </a:rPr>
+              <a:t>D</a:t>
+            </a:r>
+            <a:r>
+              <a:rPr lang="en-US" sz="7200" b="1" smtClean="0"/>
+              <a:t>edendency Injection</a:t>
+            </a:r>
+            <a:endParaRPr lang="da-DK" sz="7200" i="1">
+              <a:solidFill>
+                <a:srgbClr val="FF0000"/>
+              </a:solidFill>
+            </a:endParaRPr>
+          </a:p>
+        </p:txBody>
+      </p:sp>
     </p:spTree>
     <p:extLst>
       <p:ext uri="{BB962C8B-B14F-4D97-AF65-F5344CB8AC3E}">
-        <p14:creationId xmlns:p14="http://schemas.microsoft.com/office/powerpoint/2010/main" val="3769832004"/>
+        <p14:creationId xmlns:p14="http://schemas.microsoft.com/office/powerpoint/2010/main" val="1223046977"/>
       </p:ext>
     </p:extLst>
   </p:cSld>
   <p:clrMapOvr>
     <a:masterClrMapping/>
   </p:clrMapOvr>
-  <mc:AlternateContent xmlns:mc="http://schemas.openxmlformats.org/markup-compatibility/2006">
-    <mc:Choice xmlns:p14="http://schemas.microsoft.com/office/powerpoint/2010/main" Requires="p14">
+  <mc:AlternateContent xmlns:mc="http://schemas.openxmlformats.org/markup-compatibility/2006" xmlns:p14="http://schemas.microsoft.com/office/powerpoint/2010/main">
+    <mc:Choice Requires="p14">
       <p:transition spd="med" p14:dur="700">
         <p:fade/>
       </p:transition>
     </mc:Choice>
-    <mc:Fallback>
+    <mc:Fallback xmlns="">
       <p:transition spd="med">
         <p:fade/>
       </p:transition>
@@ -5752,7 +5974,7 @@
           <a:p>
             <a:r>
               <a:rPr lang="da-DK" b="1" smtClean="0"/>
-              <a:t>What is a </a:t>
+              <a:t>What are the </a:t>
             </a:r>
             <a:r>
               <a:rPr lang="da-DK" b="1" smtClean="0">
@@ -5760,11 +5982,11 @@
                   <a:srgbClr val="FF0000"/>
                 </a:solidFill>
               </a:rPr>
-              <a:t>Design Pattern</a:t>
+              <a:t>SOLID</a:t>
             </a:r>
             <a:r>
               <a:rPr lang="da-DK" b="1" smtClean="0"/>
-              <a:t>?</a:t>
+              <a:t> principles?</a:t>
             </a:r>
             <a:endParaRPr lang="da-DK" b="1"/>
           </a:p>
@@ -5783,7 +6005,7 @@
         <p:spPr>
           <a:xfrm>
             <a:off x="838200" y="1825625"/>
-            <a:ext cx="10078995" cy="4754348"/>
+            <a:ext cx="7830065" cy="4754348"/>
           </a:xfrm>
         </p:spPr>
         <p:txBody>
@@ -5794,181 +6016,40 @@
           <a:p>
             <a:r>
               <a:rPr lang="en-US" sz="3200" smtClean="0"/>
-              <a:t>From </a:t>
+              <a:t>Also a distilled version of Best-Practices</a:t>
+            </a:r>
+          </a:p>
+          <a:p>
+            <a:r>
+              <a:rPr lang="en-US" sz="3200" smtClean="0"/>
+              <a:t>More general than Design Patterns – do not solve one specific problem</a:t>
+            </a:r>
+          </a:p>
+          <a:p>
+            <a:r>
+              <a:rPr lang="en-US" sz="3200"/>
+              <a:t>M</a:t>
+            </a:r>
+            <a:r>
+              <a:rPr lang="en-US" sz="3200" smtClean="0"/>
+              <a:t>any Design Patterns are “instances” of following the </a:t>
             </a:r>
             <a:r>
               <a:rPr lang="en-US" sz="3200" b="1" smtClean="0"/>
-              <a:t>Wikipedia</a:t>
+              <a:t>SOLID</a:t>
             </a:r>
             <a:r>
               <a:rPr lang="en-US" sz="3200" smtClean="0"/>
-              <a:t>:</a:t>
-            </a:r>
-          </a:p>
-          <a:p>
-            <a:pPr lvl="1"/>
-            <a:r>
-              <a:rPr lang="en-US" sz="2800" smtClean="0"/>
-              <a:t>A </a:t>
-            </a:r>
-            <a:r>
-              <a:rPr lang="en-US" sz="2800" smtClean="0">
-                <a:solidFill>
-                  <a:srgbClr val="FF0000"/>
-                </a:solidFill>
-              </a:rPr>
-              <a:t>general</a:t>
-            </a:r>
-            <a:r>
-              <a:rPr lang="en-US" sz="2800" smtClean="0"/>
-              <a:t>, </a:t>
-            </a:r>
-            <a:r>
-              <a:rPr lang="en-US" sz="2800" smtClean="0">
-                <a:solidFill>
-                  <a:srgbClr val="FF0000"/>
-                </a:solidFill>
-              </a:rPr>
-              <a:t>reusable</a:t>
-            </a:r>
-            <a:r>
-              <a:rPr lang="en-US" sz="2800" smtClean="0"/>
-              <a:t> solution </a:t>
-            </a:r>
-            <a:r>
-              <a:rPr lang="en-US" sz="2800"/>
-              <a:t>to </a:t>
-            </a:r>
-            <a:r>
-              <a:rPr lang="en-US" sz="2800">
-                <a:solidFill>
-                  <a:srgbClr val="FF0000"/>
-                </a:solidFill>
-              </a:rPr>
-              <a:t>a commonly occurring </a:t>
-            </a:r>
-            <a:r>
-              <a:rPr lang="en-US" sz="2800"/>
-              <a:t>problem within a given context </a:t>
-            </a:r>
-            <a:r>
-              <a:rPr lang="en-US" sz="2800" smtClean="0"/>
-              <a:t>in Software Design.</a:t>
-            </a:r>
-          </a:p>
-          <a:p>
-            <a:pPr lvl="1"/>
-            <a:r>
-              <a:rPr lang="en-US" sz="2800" smtClean="0"/>
-              <a:t>It </a:t>
-            </a:r>
-            <a:r>
-              <a:rPr lang="en-US" sz="2800"/>
-              <a:t>is </a:t>
-            </a:r>
-            <a:r>
-              <a:rPr lang="en-US" sz="2800">
-                <a:solidFill>
-                  <a:srgbClr val="FF0000"/>
-                </a:solidFill>
-              </a:rPr>
-              <a:t>not a finished design </a:t>
-            </a:r>
-            <a:r>
-              <a:rPr lang="en-US" sz="2800"/>
-              <a:t>that can be transformed </a:t>
-            </a:r>
-            <a:r>
-              <a:rPr lang="en-US" sz="2800" smtClean="0"/>
-              <a:t>directly into code.</a:t>
-            </a:r>
-          </a:p>
-          <a:p>
-            <a:pPr lvl="1"/>
-            <a:r>
-              <a:rPr lang="en-US" sz="2800" smtClean="0"/>
-              <a:t>It </a:t>
-            </a:r>
-            <a:r>
-              <a:rPr lang="en-US" sz="2800"/>
-              <a:t>is a </a:t>
-            </a:r>
-            <a:r>
-              <a:rPr lang="en-US" sz="2800">
-                <a:solidFill>
-                  <a:srgbClr val="FF0000"/>
-                </a:solidFill>
-              </a:rPr>
-              <a:t>description</a:t>
-            </a:r>
-            <a:r>
-              <a:rPr lang="en-US" sz="2800"/>
-              <a:t> or </a:t>
-            </a:r>
-            <a:r>
-              <a:rPr lang="en-US" sz="2800">
-                <a:solidFill>
-                  <a:srgbClr val="FF0000"/>
-                </a:solidFill>
-              </a:rPr>
-              <a:t>template</a:t>
-            </a:r>
-            <a:r>
-              <a:rPr lang="en-US" sz="2800"/>
-              <a:t> for how to solve a problem that can be used in many different situations. Design patterns are </a:t>
-            </a:r>
-            <a:r>
-              <a:rPr lang="en-US" sz="2800" smtClean="0"/>
-              <a:t>formalized</a:t>
-            </a:r>
-            <a:r>
-              <a:rPr lang="en-US" sz="2800"/>
-              <a:t> </a:t>
-            </a:r>
-            <a:r>
-              <a:rPr lang="en-US" sz="2800" smtClean="0">
-                <a:solidFill>
-                  <a:srgbClr val="FF0000"/>
-                </a:solidFill>
-              </a:rPr>
-              <a:t>best practices </a:t>
-            </a:r>
-            <a:r>
-              <a:rPr lang="en-US" sz="2800" smtClean="0"/>
-              <a:t>that </a:t>
-            </a:r>
-            <a:r>
-              <a:rPr lang="en-US" sz="2800"/>
-              <a:t>the programmer can use to solve </a:t>
-            </a:r>
-            <a:r>
-              <a:rPr lang="en-US" sz="2800">
-                <a:solidFill>
-                  <a:srgbClr val="FF0000"/>
-                </a:solidFill>
-              </a:rPr>
-              <a:t>common problems </a:t>
-            </a:r>
-            <a:r>
-              <a:rPr lang="en-US" sz="2800"/>
-              <a:t>when designing an </a:t>
-            </a:r>
-            <a:r>
-              <a:rPr lang="en-US" sz="2800" smtClean="0"/>
-              <a:t>application </a:t>
-            </a:r>
-            <a:r>
-              <a:rPr lang="en-US" sz="2800"/>
-              <a:t>or system.</a:t>
-            </a:r>
-            <a:endParaRPr lang="da-DK" sz="2800"/>
+              <a:t> principles.</a:t>
+            </a:r>
+            <a:endParaRPr lang="en-US" smtClean="0"/>
           </a:p>
         </p:txBody>
       </p:sp>
     </p:spTree>
     <p:extLst>
       <p:ext uri="{BB962C8B-B14F-4D97-AF65-F5344CB8AC3E}">
-        <p14:creationId xmlns:p14="http://schemas.microsoft.com/office/powerpoint/2010/main" val="895577871"/>
+        <p14:creationId xmlns:p14="http://schemas.microsoft.com/office/powerpoint/2010/main" val="1358529346"/>
       </p:ext>
     </p:extLst>
   </p:cSld>
@@ -6012,31 +6093,22 @@
             <p:ph type="title"/>
           </p:nvPr>
         </p:nvSpPr>
-        <p:spPr>
-          <a:xfrm>
-            <a:off x="838200" y="407236"/>
-            <a:ext cx="10515600" cy="1325563"/>
-          </a:xfrm>
-        </p:spPr>
+        <p:spPr/>
         <p:txBody>
           <a:bodyPr/>
           <a:lstStyle/>
           <a:p>
             <a:r>
+              <a:rPr lang="da-DK" b="1" smtClean="0">
+                <a:solidFill>
+                  <a:srgbClr val="FF0000"/>
+                </a:solidFill>
+              </a:rPr>
+              <a:t>S</a:t>
+            </a:r>
+            <a:r>
               <a:rPr lang="da-DK" b="1" smtClean="0"/>
-              <a:t>What is a </a:t>
-            </a:r>
-            <a:r>
-              <a:rPr lang="da-DK" b="1" smtClean="0">
-                <a:solidFill>
-                  <a:srgbClr val="FF0000"/>
-                </a:solidFill>
-              </a:rPr>
-              <a:t>Design Pattern</a:t>
-            </a:r>
-            <a:r>
-              <a:rPr lang="da-DK" b="1" smtClean="0"/>
-              <a:t>?</a:t>
+              <a:t>ingle Responsibility</a:t>
             </a:r>
             <a:endParaRPr lang="da-DK" b="1"/>
           </a:p>
@@ -6055,62 +6127,944 @@
         <p:spPr>
           <a:xfrm>
             <a:off x="838200" y="1825625"/>
-            <a:ext cx="10078995" cy="4754348"/>
+            <a:ext cx="6344653" cy="4351338"/>
           </a:xfrm>
         </p:spPr>
         <p:txBody>
-          <a:bodyPr>
-            <a:normAutofit/>
-          </a:bodyPr>
-          <a:lstStyle/>
-          <a:p>
-            <a:r>
-              <a:rPr lang="en-US" sz="3200" smtClean="0"/>
-              <a:t>But also:</a:t>
-            </a:r>
-            <a:endParaRPr lang="en-US" sz="3200" smtClean="0"/>
-          </a:p>
-          <a:p>
-            <a:pPr lvl="1"/>
-            <a:r>
-              <a:rPr lang="en-US" sz="2800" smtClean="0"/>
-              <a:t>A “language” by which we can talk about design</a:t>
-            </a:r>
-          </a:p>
-          <a:p>
-            <a:pPr lvl="1"/>
-            <a:r>
-              <a:rPr lang="en-US" sz="2800" smtClean="0"/>
-              <a:t>A shared definition of structures in design/code</a:t>
-            </a:r>
-          </a:p>
-          <a:p>
-            <a:pPr lvl="1"/>
-            <a:r>
-              <a:rPr lang="en-US" sz="2800" smtClean="0"/>
-              <a:t>Structures help us manage complexity!</a:t>
-            </a:r>
-            <a:endParaRPr lang="da-DK" sz="2800"/>
+          <a:bodyPr/>
+          <a:lstStyle/>
+          <a:p>
+            <a:r>
+              <a:rPr lang="da-DK" sz="3200" smtClean="0"/>
+              <a:t>Classes should only have </a:t>
+            </a:r>
+            <a:r>
+              <a:rPr lang="da-DK" sz="3200" b="1" smtClean="0"/>
+              <a:t>one</a:t>
+            </a:r>
+            <a:r>
+              <a:rPr lang="da-DK" sz="3200" smtClean="0"/>
+              <a:t> main responsibility</a:t>
+            </a:r>
+          </a:p>
+          <a:p>
+            <a:r>
+              <a:rPr lang="da-DK" sz="3200" smtClean="0"/>
+              <a:t>=&gt; classes should only have </a:t>
+            </a:r>
+            <a:r>
+              <a:rPr lang="da-DK" sz="3200" b="1" smtClean="0"/>
+              <a:t>one</a:t>
+            </a:r>
+            <a:r>
+              <a:rPr lang="da-DK" sz="3200" smtClean="0"/>
+              <a:t> reason to change</a:t>
+            </a:r>
+          </a:p>
+          <a:p>
+            <a:r>
+              <a:rPr lang="da-DK" sz="3200" smtClean="0"/>
+              <a:t>Keep classes small, focused and abstract</a:t>
+            </a:r>
+            <a:endParaRPr lang="da-DK" sz="3200"/>
           </a:p>
         </p:txBody>
       </p:sp>
     </p:spTree>
     <p:extLst>
       <p:ext uri="{BB962C8B-B14F-4D97-AF65-F5344CB8AC3E}">
-        <p14:creationId xmlns:p14="http://schemas.microsoft.com/office/powerpoint/2010/main" val="1458430682"/>
+        <p14:creationId xmlns:p14="http://schemas.microsoft.com/office/powerpoint/2010/main" val="3574635316"/>
       </p:ext>
     </p:extLst>
   </p:cSld>
   <p:clrMapOvr>
     <a:masterClrMapping/>
   </p:clrMapOvr>
-  <mc:AlternateContent xmlns:mc="http://schemas.openxmlformats.org/markup-compatibility/2006">
-    <mc:Choice xmlns:p14="http://schemas.microsoft.com/office/powerpoint/2010/main" Requires="p14">
+  <p:timing>
+    <p:tnLst>
+      <p:par>
+        <p:cTn id="1" dur="indefinite" restart="never" nodeType="tmRoot"/>
+      </p:par>
+    </p:tnLst>
+  </p:timing>
+</p:sld>
+</file>
+
+<file path=ppt/slides/slide29.xml><?xml version="1.0" encoding="utf-8"?>
+<p:sld xmlns:a="http://schemas.openxmlformats.org/drawingml/2006/main" xmlns:r="http://schemas.openxmlformats.org/officeDocument/2006/relationships" xmlns:p="http://schemas.openxmlformats.org/presentationml/2006/main">
+  <p:cSld>
+    <p:spTree>
+      <p:nvGrpSpPr>
+        <p:cNvPr id="1" name=""/>
+        <p:cNvGrpSpPr/>
+        <p:nvPr/>
+      </p:nvGrpSpPr>
+      <p:grpSpPr>
+        <a:xfrm>
+          <a:off x="0" y="0"/>
+          <a:ext cx="0" cy="0"/>
+          <a:chOff x="0" y="0"/>
+          <a:chExt cx="0" cy="0"/>
+        </a:xfrm>
+      </p:grpSpPr>
+      <p:sp>
+        <p:nvSpPr>
+          <p:cNvPr id="2" name="Titel 1"/>
+          <p:cNvSpPr>
+            <a:spLocks noGrp="1"/>
+          </p:cNvSpPr>
+          <p:nvPr>
+            <p:ph type="title"/>
+          </p:nvPr>
+        </p:nvSpPr>
+        <p:spPr/>
+        <p:txBody>
+          <a:bodyPr/>
+          <a:lstStyle/>
+          <a:p>
+            <a:r>
+              <a:rPr lang="da-DK" b="1" smtClean="0">
+                <a:solidFill>
+                  <a:srgbClr val="FF0000"/>
+                </a:solidFill>
+              </a:rPr>
+              <a:t>O</a:t>
+            </a:r>
+            <a:r>
+              <a:rPr lang="da-DK" b="1" smtClean="0"/>
+              <a:t>pen/Closed</a:t>
+            </a:r>
+            <a:endParaRPr lang="da-DK" b="1"/>
+          </a:p>
+        </p:txBody>
+      </p:sp>
+      <p:sp>
+        <p:nvSpPr>
+          <p:cNvPr id="3" name="Pladsholder til indhold 2"/>
+          <p:cNvSpPr>
+            <a:spLocks noGrp="1"/>
+          </p:cNvSpPr>
+          <p:nvPr>
+            <p:ph idx="1"/>
+          </p:nvPr>
+        </p:nvSpPr>
+        <p:spPr>
+          <a:xfrm>
+            <a:off x="838200" y="1825625"/>
+            <a:ext cx="7162800" cy="4351338"/>
+          </a:xfrm>
+        </p:spPr>
+        <p:txBody>
+          <a:bodyPr/>
+          <a:lstStyle/>
+          <a:p>
+            <a:r>
+              <a:rPr lang="da-DK" sz="3200" smtClean="0"/>
+              <a:t>Software entities should be </a:t>
+            </a:r>
+            <a:r>
+              <a:rPr lang="da-DK" sz="3200" b="1" smtClean="0"/>
+              <a:t>open</a:t>
+            </a:r>
+            <a:r>
+              <a:rPr lang="da-DK" sz="3200" smtClean="0"/>
+              <a:t> for </a:t>
+            </a:r>
+            <a:r>
+              <a:rPr lang="da-DK" sz="3200" b="1" smtClean="0"/>
+              <a:t>extension</a:t>
+            </a:r>
+            <a:r>
+              <a:rPr lang="da-DK" sz="3200" smtClean="0"/>
+              <a:t>, but </a:t>
+            </a:r>
+            <a:r>
+              <a:rPr lang="da-DK" sz="3200" b="1" smtClean="0"/>
+              <a:t>closed</a:t>
+            </a:r>
+            <a:r>
+              <a:rPr lang="da-DK" sz="3200" smtClean="0"/>
+              <a:t> for </a:t>
+            </a:r>
+            <a:r>
+              <a:rPr lang="da-DK" sz="3200" b="1" smtClean="0"/>
+              <a:t>modification</a:t>
+            </a:r>
+            <a:r>
+              <a:rPr lang="da-DK" sz="3200" smtClean="0"/>
+              <a:t>.</a:t>
+            </a:r>
+          </a:p>
+          <a:p>
+            <a:r>
+              <a:rPr lang="da-DK" sz="3200" smtClean="0"/>
+              <a:t>Open for extension: behavior can be extended with new behaviors</a:t>
+            </a:r>
+          </a:p>
+          <a:p>
+            <a:r>
+              <a:rPr lang="da-DK" sz="3200" smtClean="0"/>
+              <a:t>Closed for modification: Extension does </a:t>
+            </a:r>
+            <a:r>
+              <a:rPr lang="da-DK" sz="3200" u="sng" smtClean="0"/>
+              <a:t>not</a:t>
+            </a:r>
+            <a:r>
+              <a:rPr lang="da-DK" sz="3200" smtClean="0"/>
+              <a:t> require change in the source code for the entity</a:t>
+            </a:r>
+            <a:endParaRPr lang="da-DK" sz="3200"/>
+          </a:p>
+        </p:txBody>
+      </p:sp>
+    </p:spTree>
+    <p:extLst>
+      <p:ext uri="{BB962C8B-B14F-4D97-AF65-F5344CB8AC3E}">
+        <p14:creationId xmlns:p14="http://schemas.microsoft.com/office/powerpoint/2010/main" val="1972051288"/>
+      </p:ext>
+    </p:extLst>
+  </p:cSld>
+  <p:clrMapOvr>
+    <a:masterClrMapping/>
+  </p:clrMapOvr>
+  <p:timing>
+    <p:tnLst>
+      <p:par>
+        <p:cTn id="1" dur="indefinite" restart="never" nodeType="tmRoot"/>
+      </p:par>
+    </p:tnLst>
+  </p:timing>
+</p:sld>
+</file>
+
+<file path=ppt/slides/slide3.xml><?xml version="1.0" encoding="utf-8"?>
+<p:sld xmlns:a="http://schemas.openxmlformats.org/drawingml/2006/main" xmlns:r="http://schemas.openxmlformats.org/officeDocument/2006/relationships" xmlns:p="http://schemas.openxmlformats.org/presentationml/2006/main">
+  <p:cSld>
+    <p:spTree>
+      <p:nvGrpSpPr>
+        <p:cNvPr id="1" name=""/>
+        <p:cNvGrpSpPr/>
+        <p:nvPr/>
+      </p:nvGrpSpPr>
+      <p:grpSpPr>
+        <a:xfrm>
+          <a:off x="0" y="0"/>
+          <a:ext cx="0" cy="0"/>
+          <a:chOff x="0" y="0"/>
+          <a:chExt cx="0" cy="0"/>
+        </a:xfrm>
+      </p:grpSpPr>
+      <p:sp>
+        <p:nvSpPr>
+          <p:cNvPr id="2" name="Titel 1"/>
+          <p:cNvSpPr>
+            <a:spLocks noGrp="1"/>
+          </p:cNvSpPr>
+          <p:nvPr>
+            <p:ph type="title"/>
+          </p:nvPr>
+        </p:nvSpPr>
+        <p:spPr/>
+        <p:txBody>
+          <a:bodyPr/>
+          <a:lstStyle/>
+          <a:p>
+            <a:r>
+              <a:rPr lang="da-DK" b="1" smtClean="0"/>
+              <a:t>Touchdown!</a:t>
+            </a:r>
+            <a:endParaRPr lang="da-DK" b="1"/>
+          </a:p>
+        </p:txBody>
+      </p:sp>
+      <p:sp>
+        <p:nvSpPr>
+          <p:cNvPr id="3" name="Pladsholder til indhold 2"/>
+          <p:cNvSpPr>
+            <a:spLocks noGrp="1"/>
+          </p:cNvSpPr>
+          <p:nvPr>
+            <p:ph idx="1"/>
+          </p:nvPr>
+        </p:nvSpPr>
+        <p:spPr>
+          <a:xfrm>
+            <a:off x="838200" y="1825625"/>
+            <a:ext cx="7014519" cy="4351338"/>
+          </a:xfrm>
+        </p:spPr>
+        <p:txBody>
+          <a:bodyPr>
+            <a:normAutofit/>
+          </a:bodyPr>
+          <a:lstStyle/>
+          <a:p>
+            <a:r>
+              <a:rPr lang="da-DK" sz="3200" b="1" smtClean="0"/>
+              <a:t>I am </a:t>
+            </a:r>
+            <a:r>
+              <a:rPr lang="da-DK" sz="3200" b="1" smtClean="0">
+                <a:solidFill>
+                  <a:srgbClr val="FF0000"/>
+                </a:solidFill>
+              </a:rPr>
+              <a:t>Per Laursen</a:t>
+            </a:r>
+            <a:r>
+              <a:rPr lang="da-DK" sz="3200" smtClean="0"/>
+              <a:t>, and I will be teaching this course</a:t>
+            </a:r>
+          </a:p>
+          <a:p>
+            <a:r>
+              <a:rPr lang="da-DK" sz="3200" b="1" smtClean="0"/>
+              <a:t>Website</a:t>
+            </a:r>
+            <a:r>
+              <a:rPr lang="da-DK" sz="3200" smtClean="0"/>
+              <a:t>: </a:t>
+            </a:r>
+            <a:r>
+              <a:rPr lang="da-DK" sz="3200" b="1" smtClean="0">
+                <a:solidFill>
+                  <a:srgbClr val="FF0000"/>
+                </a:solidFill>
+              </a:rPr>
+              <a:t>perl-easj.dk</a:t>
+            </a:r>
+          </a:p>
+          <a:p>
+            <a:r>
+              <a:rPr lang="da-DK" sz="3200" b="1" smtClean="0"/>
+              <a:t>GitHub</a:t>
+            </a:r>
+            <a:r>
+              <a:rPr lang="da-DK" sz="3200" smtClean="0"/>
+              <a:t>: </a:t>
+            </a:r>
+            <a:r>
+              <a:rPr lang="da-DK" sz="3200" b="1" smtClean="0">
+                <a:solidFill>
+                  <a:srgbClr val="FF0000"/>
+                </a:solidFill>
+              </a:rPr>
+              <a:t>github.com/perl-easj</a:t>
+            </a:r>
+          </a:p>
+          <a:p>
+            <a:r>
+              <a:rPr lang="da-DK" sz="3200" smtClean="0"/>
+              <a:t>Sorry, I’m not changing from EASJ to Zealand right now…</a:t>
+            </a:r>
+          </a:p>
+        </p:txBody>
+      </p:sp>
+      <p:pic>
+        <p:nvPicPr>
+          <p:cNvPr id="4" name="Billede 3"/>
+          <p:cNvPicPr>
+            <a:picLocks noChangeAspect="1"/>
+          </p:cNvPicPr>
+          <p:nvPr/>
+        </p:nvPicPr>
+        <p:blipFill>
+          <a:blip r:embed="rId2" cstate="print">
+            <a:extLst>
+              <a:ext uri="{28A0092B-C50C-407E-A947-70E740481C1C}">
+                <a14:useLocalDpi xmlns:a14="http://schemas.microsoft.com/office/drawing/2010/main" val="0"/>
+              </a:ext>
+            </a:extLst>
+          </a:blip>
+          <a:stretch>
+            <a:fillRect/>
+          </a:stretch>
+        </p:blipFill>
+        <p:spPr>
+          <a:xfrm>
+            <a:off x="9722604" y="1690689"/>
+            <a:ext cx="2003827" cy="2362328"/>
+          </a:xfrm>
+          <a:prstGeom prst="rect">
+            <a:avLst/>
+          </a:prstGeom>
+        </p:spPr>
+      </p:pic>
+    </p:spTree>
+    <p:extLst>
+      <p:ext uri="{BB962C8B-B14F-4D97-AF65-F5344CB8AC3E}">
+        <p14:creationId xmlns:p14="http://schemas.microsoft.com/office/powerpoint/2010/main" val="4017938413"/>
+      </p:ext>
+    </p:extLst>
+  </p:cSld>
+  <p:clrMapOvr>
+    <a:masterClrMapping/>
+  </p:clrMapOvr>
+  <p:timing>
+    <p:tnLst>
+      <p:par>
+        <p:cTn id="1" dur="indefinite" restart="never" nodeType="tmRoot"/>
+      </p:par>
+    </p:tnLst>
+  </p:timing>
+</p:sld>
+</file>
+
+<file path=ppt/slides/slide30.xml><?xml version="1.0" encoding="utf-8"?>
+<p:sld xmlns:a="http://schemas.openxmlformats.org/drawingml/2006/main" xmlns:r="http://schemas.openxmlformats.org/officeDocument/2006/relationships" xmlns:p="http://schemas.openxmlformats.org/presentationml/2006/main">
+  <p:cSld>
+    <p:spTree>
+      <p:nvGrpSpPr>
+        <p:cNvPr id="1" name=""/>
+        <p:cNvGrpSpPr/>
+        <p:nvPr/>
+      </p:nvGrpSpPr>
+      <p:grpSpPr>
+        <a:xfrm>
+          <a:off x="0" y="0"/>
+          <a:ext cx="0" cy="0"/>
+          <a:chOff x="0" y="0"/>
+          <a:chExt cx="0" cy="0"/>
+        </a:xfrm>
+      </p:grpSpPr>
+      <p:sp>
+        <p:nvSpPr>
+          <p:cNvPr id="2" name="Titel 1"/>
+          <p:cNvSpPr>
+            <a:spLocks noGrp="1"/>
+          </p:cNvSpPr>
+          <p:nvPr>
+            <p:ph type="title"/>
+          </p:nvPr>
+        </p:nvSpPr>
+        <p:spPr/>
+        <p:txBody>
+          <a:bodyPr/>
+          <a:lstStyle/>
+          <a:p>
+            <a:r>
+              <a:rPr lang="da-DK" b="1">
+                <a:solidFill>
+                  <a:srgbClr val="FF0000"/>
+                </a:solidFill>
+              </a:rPr>
+              <a:t>L</a:t>
+            </a:r>
+            <a:r>
+              <a:rPr lang="da-DK" b="1" smtClean="0"/>
+              <a:t>iskov Substitution</a:t>
+            </a:r>
+            <a:endParaRPr lang="da-DK" b="1"/>
+          </a:p>
+        </p:txBody>
+      </p:sp>
+      <p:sp>
+        <p:nvSpPr>
+          <p:cNvPr id="3" name="Pladsholder til indhold 2"/>
+          <p:cNvSpPr>
+            <a:spLocks noGrp="1"/>
+          </p:cNvSpPr>
+          <p:nvPr>
+            <p:ph idx="1"/>
+          </p:nvPr>
+        </p:nvSpPr>
+        <p:spPr>
+          <a:xfrm>
+            <a:off x="838200" y="1825625"/>
+            <a:ext cx="8441724" cy="4351338"/>
+          </a:xfrm>
+        </p:spPr>
+        <p:txBody>
+          <a:bodyPr/>
+          <a:lstStyle/>
+          <a:p>
+            <a:r>
+              <a:rPr lang="da-DK" sz="3200" smtClean="0"/>
+              <a:t>Principle relating to how to create inheritance hierarchies</a:t>
+            </a:r>
+          </a:p>
+          <a:p>
+            <a:r>
+              <a:rPr lang="da-DK" sz="3200" smtClean="0"/>
+              <a:t>Ensures that a client can create and use sub-classes of provided classes without changing the expected behavior</a:t>
+            </a:r>
+          </a:p>
+          <a:p>
+            <a:r>
+              <a:rPr lang="da-DK" sz="3200" smtClean="0"/>
+              <a:t>Inheritance should not break the original code…</a:t>
+            </a:r>
+          </a:p>
+        </p:txBody>
+      </p:sp>
+    </p:spTree>
+    <p:extLst>
+      <p:ext uri="{BB962C8B-B14F-4D97-AF65-F5344CB8AC3E}">
+        <p14:creationId xmlns:p14="http://schemas.microsoft.com/office/powerpoint/2010/main" val="508890534"/>
+      </p:ext>
+    </p:extLst>
+  </p:cSld>
+  <p:clrMapOvr>
+    <a:masterClrMapping/>
+  </p:clrMapOvr>
+  <p:timing>
+    <p:tnLst>
+      <p:par>
+        <p:cTn id="1" dur="indefinite" restart="never" nodeType="tmRoot"/>
+      </p:par>
+    </p:tnLst>
+  </p:timing>
+</p:sld>
+</file>
+
+<file path=ppt/slides/slide31.xml><?xml version="1.0" encoding="utf-8"?>
+<p:sld xmlns:a="http://schemas.openxmlformats.org/drawingml/2006/main" xmlns:r="http://schemas.openxmlformats.org/officeDocument/2006/relationships" xmlns:p="http://schemas.openxmlformats.org/presentationml/2006/main">
+  <p:cSld>
+    <p:spTree>
+      <p:nvGrpSpPr>
+        <p:cNvPr id="1" name=""/>
+        <p:cNvGrpSpPr/>
+        <p:nvPr/>
+      </p:nvGrpSpPr>
+      <p:grpSpPr>
+        <a:xfrm>
+          <a:off x="0" y="0"/>
+          <a:ext cx="0" cy="0"/>
+          <a:chOff x="0" y="0"/>
+          <a:chExt cx="0" cy="0"/>
+        </a:xfrm>
+      </p:grpSpPr>
+      <p:sp>
+        <p:nvSpPr>
+          <p:cNvPr id="2" name="Titel 1"/>
+          <p:cNvSpPr>
+            <a:spLocks noGrp="1"/>
+          </p:cNvSpPr>
+          <p:nvPr>
+            <p:ph type="title"/>
+          </p:nvPr>
+        </p:nvSpPr>
+        <p:spPr/>
+        <p:txBody>
+          <a:bodyPr/>
+          <a:lstStyle/>
+          <a:p>
+            <a:r>
+              <a:rPr lang="da-DK" b="1" smtClean="0">
+                <a:solidFill>
+                  <a:srgbClr val="FF0000"/>
+                </a:solidFill>
+              </a:rPr>
+              <a:t>I</a:t>
+            </a:r>
+            <a:r>
+              <a:rPr lang="da-DK" b="1" smtClean="0"/>
+              <a:t>nterface Segregation</a:t>
+            </a:r>
+            <a:endParaRPr lang="da-DK" b="1"/>
+          </a:p>
+        </p:txBody>
+      </p:sp>
+      <p:sp>
+        <p:nvSpPr>
+          <p:cNvPr id="3" name="Pladsholder til indhold 2"/>
+          <p:cNvSpPr>
+            <a:spLocks noGrp="1"/>
+          </p:cNvSpPr>
+          <p:nvPr>
+            <p:ph idx="1"/>
+          </p:nvPr>
+        </p:nvSpPr>
+        <p:spPr>
+          <a:xfrm>
+            <a:off x="838199" y="1825625"/>
+            <a:ext cx="8492289" cy="4351338"/>
+          </a:xfrm>
+        </p:spPr>
+        <p:txBody>
+          <a:bodyPr/>
+          <a:lstStyle/>
+          <a:p>
+            <a:r>
+              <a:rPr lang="da-DK" sz="3200" b="1" smtClean="0"/>
+              <a:t>Interfaces</a:t>
+            </a:r>
+            <a:r>
+              <a:rPr lang="da-DK" sz="3200" smtClean="0"/>
+              <a:t>: abstract definitions of behavior</a:t>
+            </a:r>
+          </a:p>
+          <a:p>
+            <a:r>
+              <a:rPr lang="da-DK" sz="3200" smtClean="0"/>
+              <a:t>Clients should ”see” objects through interfaces</a:t>
+            </a:r>
+          </a:p>
+          <a:p>
+            <a:r>
+              <a:rPr lang="da-DK" sz="3200" smtClean="0"/>
+              <a:t>Smaller interfaces =&gt; </a:t>
+            </a:r>
+            <a:r>
+              <a:rPr lang="da-DK" sz="3200" b="1" smtClean="0"/>
+              <a:t>less dependency </a:t>
+            </a:r>
+            <a:r>
+              <a:rPr lang="da-DK" sz="3200" smtClean="0"/>
+              <a:t>between clients and objects</a:t>
+            </a:r>
+          </a:p>
+          <a:p>
+            <a:r>
+              <a:rPr lang="da-DK" sz="3200" b="1" smtClean="0"/>
+              <a:t>One</a:t>
+            </a:r>
+            <a:r>
+              <a:rPr lang="da-DK" sz="3200" smtClean="0"/>
+              <a:t> object may implement </a:t>
+            </a:r>
+            <a:r>
+              <a:rPr lang="da-DK" sz="3200" b="1" smtClean="0"/>
+              <a:t>many</a:t>
+            </a:r>
+            <a:r>
+              <a:rPr lang="da-DK" sz="3200" smtClean="0"/>
+              <a:t> interfaces</a:t>
+            </a:r>
+          </a:p>
+          <a:p>
+            <a:r>
+              <a:rPr lang="da-DK" sz="3200" smtClean="0"/>
+              <a:t>Keep interfaces </a:t>
+            </a:r>
+            <a:r>
+              <a:rPr lang="da-DK" sz="3200" b="1" smtClean="0"/>
+              <a:t>small</a:t>
+            </a:r>
+            <a:r>
+              <a:rPr lang="da-DK" sz="3200" smtClean="0"/>
+              <a:t> and </a:t>
+            </a:r>
+            <a:r>
+              <a:rPr lang="da-DK" sz="3200" b="1" smtClean="0"/>
+              <a:t>focused</a:t>
+            </a:r>
+            <a:endParaRPr lang="da-DK" sz="3200" b="1"/>
+          </a:p>
+        </p:txBody>
+      </p:sp>
+    </p:spTree>
+    <p:extLst>
+      <p:ext uri="{BB962C8B-B14F-4D97-AF65-F5344CB8AC3E}">
+        <p14:creationId xmlns:p14="http://schemas.microsoft.com/office/powerpoint/2010/main" val="1198938562"/>
+      </p:ext>
+    </p:extLst>
+  </p:cSld>
+  <p:clrMapOvr>
+    <a:masterClrMapping/>
+  </p:clrMapOvr>
+  <p:timing>
+    <p:tnLst>
+      <p:par>
+        <p:cTn id="1" dur="indefinite" restart="never" nodeType="tmRoot"/>
+      </p:par>
+    </p:tnLst>
+  </p:timing>
+</p:sld>
+</file>
+
+<file path=ppt/slides/slide32.xml><?xml version="1.0" encoding="utf-8"?>
+<p:sld xmlns:a="http://schemas.openxmlformats.org/drawingml/2006/main" xmlns:r="http://schemas.openxmlformats.org/officeDocument/2006/relationships" xmlns:p="http://schemas.openxmlformats.org/presentationml/2006/main">
+  <p:cSld>
+    <p:spTree>
+      <p:nvGrpSpPr>
+        <p:cNvPr id="1" name=""/>
+        <p:cNvGrpSpPr/>
+        <p:nvPr/>
+      </p:nvGrpSpPr>
+      <p:grpSpPr>
+        <a:xfrm>
+          <a:off x="0" y="0"/>
+          <a:ext cx="0" cy="0"/>
+          <a:chOff x="0" y="0"/>
+          <a:chExt cx="0" cy="0"/>
+        </a:xfrm>
+      </p:grpSpPr>
+      <p:sp>
+        <p:nvSpPr>
+          <p:cNvPr id="2" name="Titel 1"/>
+          <p:cNvSpPr>
+            <a:spLocks noGrp="1"/>
+          </p:cNvSpPr>
+          <p:nvPr>
+            <p:ph type="title"/>
+          </p:nvPr>
+        </p:nvSpPr>
+        <p:spPr/>
+        <p:txBody>
+          <a:bodyPr/>
+          <a:lstStyle/>
+          <a:p>
+            <a:r>
+              <a:rPr lang="da-DK" b="1" smtClean="0">
+                <a:solidFill>
+                  <a:srgbClr val="FF0000"/>
+                </a:solidFill>
+              </a:rPr>
+              <a:t>D</a:t>
+            </a:r>
+            <a:r>
+              <a:rPr lang="da-DK" b="1" smtClean="0"/>
+              <a:t>ependency Injection</a:t>
+            </a:r>
+            <a:endParaRPr lang="da-DK" b="1"/>
+          </a:p>
+        </p:txBody>
+      </p:sp>
+      <p:sp>
+        <p:nvSpPr>
+          <p:cNvPr id="3" name="Pladsholder til indhold 2"/>
+          <p:cNvSpPr>
+            <a:spLocks noGrp="1"/>
+          </p:cNvSpPr>
+          <p:nvPr>
+            <p:ph idx="1"/>
+          </p:nvPr>
+        </p:nvSpPr>
+        <p:spPr>
+          <a:xfrm>
+            <a:off x="838199" y="1825625"/>
+            <a:ext cx="8492289" cy="4351338"/>
+          </a:xfrm>
+        </p:spPr>
+        <p:txBody>
+          <a:bodyPr/>
+          <a:lstStyle/>
+          <a:p>
+            <a:r>
+              <a:rPr lang="da-DK" sz="3200" smtClean="0"/>
+              <a:t>A class should </a:t>
+            </a:r>
+            <a:r>
+              <a:rPr lang="da-DK" sz="3200" u="sng" smtClean="0"/>
+              <a:t>not</a:t>
+            </a:r>
+            <a:r>
+              <a:rPr lang="da-DK" sz="3200" smtClean="0"/>
+              <a:t> itself establish (too) tight dependencies to other classes</a:t>
+            </a:r>
+          </a:p>
+          <a:p>
+            <a:r>
+              <a:rPr lang="da-DK" sz="3200" smtClean="0"/>
+              <a:t>Dependencies should be </a:t>
+            </a:r>
+            <a:r>
+              <a:rPr lang="da-DK" sz="3200" b="1" smtClean="0"/>
+              <a:t>injected</a:t>
+            </a:r>
+            <a:r>
+              <a:rPr lang="da-DK" sz="3200" smtClean="0"/>
+              <a:t> by a third party, by means of </a:t>
+            </a:r>
+            <a:r>
+              <a:rPr lang="da-DK" sz="3200" b="1" smtClean="0"/>
+              <a:t>interfaces</a:t>
+            </a:r>
+          </a:p>
+          <a:p>
+            <a:r>
+              <a:rPr lang="da-DK" sz="3200" smtClean="0"/>
+              <a:t>Can also be applied at lower levels</a:t>
+            </a:r>
+          </a:p>
+          <a:p>
+            <a:r>
+              <a:rPr lang="da-DK" sz="3200" smtClean="0"/>
+              <a:t>Look for places in code where </a:t>
+            </a:r>
+            <a:r>
+              <a:rPr lang="da-DK" sz="3200" b="1" smtClean="0"/>
+              <a:t>variation</a:t>
+            </a:r>
+            <a:r>
+              <a:rPr lang="da-DK" sz="3200" smtClean="0"/>
+              <a:t> can occur, and turn them into </a:t>
+            </a:r>
+            <a:r>
+              <a:rPr lang="da-DK" sz="3200" b="1" smtClean="0"/>
+              <a:t>extension points</a:t>
+            </a:r>
+          </a:p>
+        </p:txBody>
+      </p:sp>
+    </p:spTree>
+    <p:extLst>
+      <p:ext uri="{BB962C8B-B14F-4D97-AF65-F5344CB8AC3E}">
+        <p14:creationId xmlns:p14="http://schemas.microsoft.com/office/powerpoint/2010/main" val="1066910168"/>
+      </p:ext>
+    </p:extLst>
+  </p:cSld>
+  <p:clrMapOvr>
+    <a:masterClrMapping/>
+  </p:clrMapOvr>
+  <p:timing>
+    <p:tnLst>
+      <p:par>
+        <p:cTn id="1" dur="indefinite" restart="never" nodeType="tmRoot"/>
+      </p:par>
+    </p:tnLst>
+  </p:timing>
+</p:sld>
+</file>
+
+<file path=ppt/slides/slide33.xml><?xml version="1.0" encoding="utf-8"?>
+<p:sld xmlns:a="http://schemas.openxmlformats.org/drawingml/2006/main" xmlns:r="http://schemas.openxmlformats.org/officeDocument/2006/relationships" xmlns:p="http://schemas.openxmlformats.org/presentationml/2006/main">
+  <p:cSld>
+    <p:spTree>
+      <p:nvGrpSpPr>
+        <p:cNvPr id="1" name=""/>
+        <p:cNvGrpSpPr/>
+        <p:nvPr/>
+      </p:nvGrpSpPr>
+      <p:grpSpPr>
+        <a:xfrm>
+          <a:off x="0" y="0"/>
+          <a:ext cx="0" cy="0"/>
+          <a:chOff x="0" y="0"/>
+          <a:chExt cx="0" cy="0"/>
+        </a:xfrm>
+      </p:grpSpPr>
+      <p:sp>
+        <p:nvSpPr>
+          <p:cNvPr id="2" name="Titel 1"/>
+          <p:cNvSpPr>
+            <a:spLocks noGrp="1"/>
+          </p:cNvSpPr>
+          <p:nvPr>
+            <p:ph type="title"/>
+          </p:nvPr>
+        </p:nvSpPr>
+        <p:spPr/>
+        <p:txBody>
+          <a:bodyPr/>
+          <a:lstStyle/>
+          <a:p>
+            <a:r>
+              <a:rPr lang="da-DK" b="1" smtClean="0"/>
+              <a:t>SOLID in this course</a:t>
+            </a:r>
+            <a:endParaRPr lang="da-DK" b="1"/>
+          </a:p>
+        </p:txBody>
+      </p:sp>
+      <p:sp>
+        <p:nvSpPr>
+          <p:cNvPr id="4" name="Pladsholder til indhold 3"/>
+          <p:cNvSpPr>
+            <a:spLocks noGrp="1"/>
+          </p:cNvSpPr>
+          <p:nvPr>
+            <p:ph idx="1"/>
+          </p:nvPr>
+        </p:nvSpPr>
+        <p:spPr>
+          <a:xfrm>
+            <a:off x="838200" y="1825625"/>
+            <a:ext cx="5544065" cy="4351338"/>
+          </a:xfrm>
+        </p:spPr>
+        <p:txBody>
+          <a:bodyPr/>
+          <a:lstStyle/>
+          <a:p>
+            <a:r>
+              <a:rPr lang="da-DK" smtClean="0"/>
+              <a:t>We will take a look at all five SOLID principles, BUT with some extra emphasis on:</a:t>
+            </a:r>
+          </a:p>
+          <a:p>
+            <a:pPr lvl="1"/>
+            <a:r>
+              <a:rPr lang="da-DK" smtClean="0"/>
+              <a:t>Dependency Injection</a:t>
+            </a:r>
+          </a:p>
+          <a:p>
+            <a:pPr lvl="1"/>
+            <a:r>
+              <a:rPr lang="da-DK" smtClean="0"/>
+              <a:t>Liskov Substitution</a:t>
+            </a:r>
+          </a:p>
+          <a:p>
+            <a:r>
+              <a:rPr lang="da-DK" smtClean="0"/>
+              <a:t>Mostly based on material from this sort-of-canonical book</a:t>
+            </a:r>
+            <a:endParaRPr lang="da-DK"/>
+          </a:p>
+        </p:txBody>
+      </p:sp>
+      <p:pic>
+        <p:nvPicPr>
+          <p:cNvPr id="3074" name="Picture 2" descr="https://images-na.ssl-images-amazon.com/images/I/51I13xOnnGL._SX408_BO1,204,203,200_.jpg"/>
+          <p:cNvPicPr>
+            <a:picLocks noChangeAspect="1" noChangeArrowheads="1"/>
+          </p:cNvPicPr>
+          <p:nvPr/>
+        </p:nvPicPr>
+        <p:blipFill>
+          <a:blip r:embed="rId2">
+            <a:extLst>
+              <a:ext uri="{28A0092B-C50C-407E-A947-70E740481C1C}">
+                <a14:useLocalDpi xmlns:a14="http://schemas.microsoft.com/office/drawing/2010/main" val="0"/>
+              </a:ext>
+            </a:extLst>
+          </a:blip>
+          <a:srcRect/>
+          <a:stretch>
+            <a:fillRect/>
+          </a:stretch>
+        </p:blipFill>
+        <p:spPr bwMode="auto">
+          <a:xfrm>
+            <a:off x="7747502" y="1027906"/>
+            <a:ext cx="3905250" cy="4762500"/>
+          </a:xfrm>
+          <a:prstGeom prst="rect">
+            <a:avLst/>
+          </a:prstGeom>
+          <a:noFill/>
+          <a:extLst>
+            <a:ext uri="{909E8E84-426E-40DD-AFC4-6F175D3DCCD1}">
+              <a14:hiddenFill xmlns:a14="http://schemas.microsoft.com/office/drawing/2010/main">
+                <a:solidFill>
+                  <a:srgbClr val="FFFFFF"/>
+                </a:solidFill>
+              </a14:hiddenFill>
+            </a:ext>
+          </a:extLst>
+        </p:spPr>
+      </p:pic>
+    </p:spTree>
+    <p:extLst>
+      <p:ext uri="{BB962C8B-B14F-4D97-AF65-F5344CB8AC3E}">
+        <p14:creationId xmlns:p14="http://schemas.microsoft.com/office/powerpoint/2010/main" val="735216831"/>
+      </p:ext>
+    </p:extLst>
+  </p:cSld>
+  <p:clrMapOvr>
+    <a:masterClrMapping/>
+  </p:clrMapOvr>
+  <mc:AlternateContent xmlns:mc="http://schemas.openxmlformats.org/markup-compatibility/2006" xmlns:p14="http://schemas.microsoft.com/office/powerpoint/2010/main">
+    <mc:Choice Requires="p14">
       <p:transition spd="med" p14:dur="700">
         <p:fade/>
       </p:transition>
     </mc:Choice>
-    <mc:Fallback>
+    <mc:Fallback xmlns="">
       <p:transition spd="med">
         <p:fade/>
       </p:transition>
@@ -6126,7 +7080,603 @@
 </p:sld>
 </file>
 
-<file path=ppt/slides/slide29.xml><?xml version="1.0" encoding="utf-8"?>
+<file path=ppt/slides/slide34.xml><?xml version="1.0" encoding="utf-8"?>
+<p:sld xmlns:a="http://schemas.openxmlformats.org/drawingml/2006/main" xmlns:r="http://schemas.openxmlformats.org/officeDocument/2006/relationships" xmlns:p="http://schemas.openxmlformats.org/presentationml/2006/main">
+  <p:cSld>
+    <p:spTree>
+      <p:nvGrpSpPr>
+        <p:cNvPr id="1" name=""/>
+        <p:cNvGrpSpPr/>
+        <p:nvPr/>
+      </p:nvGrpSpPr>
+      <p:grpSpPr>
+        <a:xfrm>
+          <a:off x="0" y="0"/>
+          <a:ext cx="0" cy="0"/>
+          <a:chOff x="0" y="0"/>
+          <a:chExt cx="0" cy="0"/>
+        </a:xfrm>
+      </p:grpSpPr>
+      <p:sp>
+        <p:nvSpPr>
+          <p:cNvPr id="2" name="Titel 1"/>
+          <p:cNvSpPr>
+            <a:spLocks noGrp="1"/>
+          </p:cNvSpPr>
+          <p:nvPr>
+            <p:ph type="ctrTitle"/>
+          </p:nvPr>
+        </p:nvSpPr>
+        <p:spPr>
+          <a:xfrm>
+            <a:off x="312822" y="171869"/>
+            <a:ext cx="11534274" cy="4995694"/>
+          </a:xfrm>
+        </p:spPr>
+        <p:txBody>
+          <a:bodyPr anchor="ctr">
+            <a:normAutofit/>
+          </a:bodyPr>
+          <a:lstStyle/>
+          <a:p>
+            <a:r>
+              <a:rPr lang="da-DK" sz="9600" b="1" smtClean="0"/>
+              <a:t>What is a </a:t>
+            </a:r>
+            <a:br>
+              <a:rPr lang="da-DK" sz="9600" b="1" smtClean="0"/>
+            </a:br>
+            <a:r>
+              <a:rPr lang="da-DK" sz="9600" b="1" smtClean="0">
+                <a:solidFill>
+                  <a:srgbClr val="FF0000"/>
+                </a:solidFill>
+              </a:rPr>
+              <a:t>Design Pattern</a:t>
+            </a:r>
+            <a:r>
+              <a:rPr lang="da-DK" sz="9600" b="1" smtClean="0"/>
+              <a:t>?</a:t>
+            </a:r>
+            <a:endParaRPr lang="da-DK" sz="9600" i="1"/>
+          </a:p>
+        </p:txBody>
+      </p:sp>
+    </p:spTree>
+    <p:extLst>
+      <p:ext uri="{BB962C8B-B14F-4D97-AF65-F5344CB8AC3E}">
+        <p14:creationId xmlns:p14="http://schemas.microsoft.com/office/powerpoint/2010/main" val="2470412195"/>
+      </p:ext>
+    </p:extLst>
+  </p:cSld>
+  <p:clrMapOvr>
+    <a:masterClrMapping/>
+  </p:clrMapOvr>
+  <mc:AlternateContent xmlns:mc="http://schemas.openxmlformats.org/markup-compatibility/2006" xmlns:p14="http://schemas.microsoft.com/office/powerpoint/2010/main">
+    <mc:Choice Requires="p14">
+      <p:transition spd="med" p14:dur="700">
+        <p:fade/>
+      </p:transition>
+    </mc:Choice>
+    <mc:Fallback xmlns="">
+      <p:transition spd="med">
+        <p:fade/>
+      </p:transition>
+    </mc:Fallback>
+  </mc:AlternateContent>
+  <p:timing>
+    <p:tnLst>
+      <p:par>
+        <p:cTn id="1" dur="indefinite" restart="never" nodeType="tmRoot"/>
+      </p:par>
+    </p:tnLst>
+  </p:timing>
+</p:sld>
+</file>
+
+<file path=ppt/slides/slide35.xml><?xml version="1.0" encoding="utf-8"?>
+<p:sld xmlns:a="http://schemas.openxmlformats.org/drawingml/2006/main" xmlns:r="http://schemas.openxmlformats.org/officeDocument/2006/relationships" xmlns:p="http://schemas.openxmlformats.org/presentationml/2006/main">
+  <p:cSld>
+    <p:spTree>
+      <p:nvGrpSpPr>
+        <p:cNvPr id="1" name=""/>
+        <p:cNvGrpSpPr/>
+        <p:nvPr/>
+      </p:nvGrpSpPr>
+      <p:grpSpPr>
+        <a:xfrm>
+          <a:off x="0" y="0"/>
+          <a:ext cx="0" cy="0"/>
+          <a:chOff x="0" y="0"/>
+          <a:chExt cx="0" cy="0"/>
+        </a:xfrm>
+      </p:grpSpPr>
+      <p:pic>
+        <p:nvPicPr>
+          <p:cNvPr id="1026" name="Picture 2" descr="Billedresultat for wood finger joints"/>
+          <p:cNvPicPr>
+            <a:picLocks noChangeAspect="1" noChangeArrowheads="1"/>
+          </p:cNvPicPr>
+          <p:nvPr/>
+        </p:nvPicPr>
+        <p:blipFill>
+          <a:blip r:embed="rId2">
+            <a:extLst>
+              <a:ext uri="{28A0092B-C50C-407E-A947-70E740481C1C}">
+                <a14:useLocalDpi xmlns:a14="http://schemas.microsoft.com/office/drawing/2010/main" val="0"/>
+              </a:ext>
+            </a:extLst>
+          </a:blip>
+          <a:srcRect/>
+          <a:stretch>
+            <a:fillRect/>
+          </a:stretch>
+        </p:blipFill>
+        <p:spPr bwMode="auto">
+          <a:xfrm>
+            <a:off x="176347" y="136735"/>
+            <a:ext cx="11681851" cy="6571042"/>
+          </a:xfrm>
+          <a:prstGeom prst="rect">
+            <a:avLst/>
+          </a:prstGeom>
+          <a:noFill/>
+          <a:extLst>
+            <a:ext uri="{909E8E84-426E-40DD-AFC4-6F175D3DCCD1}">
+              <a14:hiddenFill xmlns:a14="http://schemas.microsoft.com/office/drawing/2010/main">
+                <a:solidFill>
+                  <a:srgbClr val="FFFFFF"/>
+                </a:solidFill>
+              </a14:hiddenFill>
+            </a:ext>
+          </a:extLst>
+        </p:spPr>
+      </p:pic>
+    </p:spTree>
+    <p:extLst>
+      <p:ext uri="{BB962C8B-B14F-4D97-AF65-F5344CB8AC3E}">
+        <p14:creationId xmlns:p14="http://schemas.microsoft.com/office/powerpoint/2010/main" val="3769832004"/>
+      </p:ext>
+    </p:extLst>
+  </p:cSld>
+  <p:clrMapOvr>
+    <a:masterClrMapping/>
+  </p:clrMapOvr>
+  <mc:AlternateContent xmlns:mc="http://schemas.openxmlformats.org/markup-compatibility/2006" xmlns:p14="http://schemas.microsoft.com/office/powerpoint/2010/main">
+    <mc:Choice Requires="p14">
+      <p:transition spd="med" p14:dur="700">
+        <p:fade/>
+      </p:transition>
+    </mc:Choice>
+    <mc:Fallback xmlns="">
+      <p:transition spd="med">
+        <p:fade/>
+      </p:transition>
+    </mc:Fallback>
+  </mc:AlternateContent>
+  <p:timing>
+    <p:tnLst>
+      <p:par>
+        <p:cTn id="1" dur="indefinite" restart="never" nodeType="tmRoot"/>
+      </p:par>
+    </p:tnLst>
+  </p:timing>
+</p:sld>
+</file>
+
+<file path=ppt/slides/slide36.xml><?xml version="1.0" encoding="utf-8"?>
+<p:sld xmlns:a="http://schemas.openxmlformats.org/drawingml/2006/main" xmlns:r="http://schemas.openxmlformats.org/officeDocument/2006/relationships" xmlns:p="http://schemas.openxmlformats.org/presentationml/2006/main">
+  <p:cSld>
+    <p:spTree>
+      <p:nvGrpSpPr>
+        <p:cNvPr id="1" name=""/>
+        <p:cNvGrpSpPr/>
+        <p:nvPr/>
+      </p:nvGrpSpPr>
+      <p:grpSpPr>
+        <a:xfrm>
+          <a:off x="0" y="0"/>
+          <a:ext cx="0" cy="0"/>
+          <a:chOff x="0" y="0"/>
+          <a:chExt cx="0" cy="0"/>
+        </a:xfrm>
+      </p:grpSpPr>
+      <p:sp>
+        <p:nvSpPr>
+          <p:cNvPr id="2" name="Titel 1"/>
+          <p:cNvSpPr>
+            <a:spLocks noGrp="1"/>
+          </p:cNvSpPr>
+          <p:nvPr>
+            <p:ph type="title"/>
+          </p:nvPr>
+        </p:nvSpPr>
+        <p:spPr>
+          <a:xfrm>
+            <a:off x="838200" y="407236"/>
+            <a:ext cx="10515600" cy="1325563"/>
+          </a:xfrm>
+        </p:spPr>
+        <p:txBody>
+          <a:bodyPr/>
+          <a:lstStyle/>
+          <a:p>
+            <a:r>
+              <a:rPr lang="da-DK" b="1" smtClean="0"/>
+              <a:t>What is a </a:t>
+            </a:r>
+            <a:r>
+              <a:rPr lang="da-DK" b="1" smtClean="0">
+                <a:solidFill>
+                  <a:srgbClr val="FF0000"/>
+                </a:solidFill>
+              </a:rPr>
+              <a:t>Design Pattern</a:t>
+            </a:r>
+            <a:r>
+              <a:rPr lang="da-DK" b="1" smtClean="0"/>
+              <a:t>?</a:t>
+            </a:r>
+            <a:endParaRPr lang="da-DK" b="1"/>
+          </a:p>
+        </p:txBody>
+      </p:sp>
+      <p:sp>
+        <p:nvSpPr>
+          <p:cNvPr id="3" name="Pladsholder til indhold 2"/>
+          <p:cNvSpPr>
+            <a:spLocks noGrp="1"/>
+          </p:cNvSpPr>
+          <p:nvPr>
+            <p:ph idx="1"/>
+          </p:nvPr>
+        </p:nvSpPr>
+        <p:spPr>
+          <a:xfrm>
+            <a:off x="838200" y="1825625"/>
+            <a:ext cx="10078995" cy="4754348"/>
+          </a:xfrm>
+        </p:spPr>
+        <p:txBody>
+          <a:bodyPr>
+            <a:normAutofit/>
+          </a:bodyPr>
+          <a:lstStyle/>
+          <a:p>
+            <a:r>
+              <a:rPr lang="en-US" sz="3200" smtClean="0"/>
+              <a:t>From </a:t>
+            </a:r>
+            <a:r>
+              <a:rPr lang="en-US" sz="3200" b="1" smtClean="0"/>
+              <a:t>Wikipedia</a:t>
+            </a:r>
+            <a:r>
+              <a:rPr lang="en-US" sz="3200" smtClean="0"/>
+              <a:t>:</a:t>
+            </a:r>
+          </a:p>
+          <a:p>
+            <a:pPr lvl="1"/>
+            <a:r>
+              <a:rPr lang="en-US" sz="2800" smtClean="0"/>
+              <a:t>A </a:t>
+            </a:r>
+            <a:r>
+              <a:rPr lang="en-US" sz="2800" smtClean="0">
+                <a:solidFill>
+                  <a:srgbClr val="FF0000"/>
+                </a:solidFill>
+              </a:rPr>
+              <a:t>general</a:t>
+            </a:r>
+            <a:r>
+              <a:rPr lang="en-US" sz="2800" smtClean="0"/>
+              <a:t>, </a:t>
+            </a:r>
+            <a:r>
+              <a:rPr lang="en-US" sz="2800" smtClean="0">
+                <a:solidFill>
+                  <a:srgbClr val="FF0000"/>
+                </a:solidFill>
+              </a:rPr>
+              <a:t>reusable</a:t>
+            </a:r>
+            <a:r>
+              <a:rPr lang="en-US" sz="2800" smtClean="0"/>
+              <a:t> solution </a:t>
+            </a:r>
+            <a:r>
+              <a:rPr lang="en-US" sz="2800"/>
+              <a:t>to </a:t>
+            </a:r>
+            <a:r>
+              <a:rPr lang="en-US" sz="2800">
+                <a:solidFill>
+                  <a:srgbClr val="FF0000"/>
+                </a:solidFill>
+              </a:rPr>
+              <a:t>a commonly occurring </a:t>
+            </a:r>
+            <a:r>
+              <a:rPr lang="en-US" sz="2800"/>
+              <a:t>problem within a given context </a:t>
+            </a:r>
+            <a:r>
+              <a:rPr lang="en-US" sz="2800" smtClean="0"/>
+              <a:t>in Software Design.</a:t>
+            </a:r>
+          </a:p>
+          <a:p>
+            <a:pPr lvl="1"/>
+            <a:r>
+              <a:rPr lang="en-US" sz="2800" smtClean="0"/>
+              <a:t>It </a:t>
+            </a:r>
+            <a:r>
+              <a:rPr lang="en-US" sz="2800"/>
+              <a:t>is </a:t>
+            </a:r>
+            <a:r>
+              <a:rPr lang="en-US" sz="2800">
+                <a:solidFill>
+                  <a:srgbClr val="FF0000"/>
+                </a:solidFill>
+              </a:rPr>
+              <a:t>not a finished design </a:t>
+            </a:r>
+            <a:r>
+              <a:rPr lang="en-US" sz="2800"/>
+              <a:t>that can be transformed </a:t>
+            </a:r>
+            <a:r>
+              <a:rPr lang="en-US" sz="2800" smtClean="0"/>
+              <a:t>directly into code.</a:t>
+            </a:r>
+          </a:p>
+          <a:p>
+            <a:pPr lvl="1"/>
+            <a:r>
+              <a:rPr lang="en-US" sz="2800" smtClean="0"/>
+              <a:t>It </a:t>
+            </a:r>
+            <a:r>
+              <a:rPr lang="en-US" sz="2800"/>
+              <a:t>is a </a:t>
+            </a:r>
+            <a:r>
+              <a:rPr lang="en-US" sz="2800">
+                <a:solidFill>
+                  <a:srgbClr val="FF0000"/>
+                </a:solidFill>
+              </a:rPr>
+              <a:t>description</a:t>
+            </a:r>
+            <a:r>
+              <a:rPr lang="en-US" sz="2800"/>
+              <a:t> or </a:t>
+            </a:r>
+            <a:r>
+              <a:rPr lang="en-US" sz="2800">
+                <a:solidFill>
+                  <a:srgbClr val="FF0000"/>
+                </a:solidFill>
+              </a:rPr>
+              <a:t>template</a:t>
+            </a:r>
+            <a:r>
+              <a:rPr lang="en-US" sz="2800"/>
+              <a:t> for how to solve a problem that can be used in many different situations. Design patterns are </a:t>
+            </a:r>
+            <a:r>
+              <a:rPr lang="en-US" sz="2800" smtClean="0"/>
+              <a:t>formalized</a:t>
+            </a:r>
+            <a:r>
+              <a:rPr lang="en-US" sz="2800"/>
+              <a:t> </a:t>
+            </a:r>
+            <a:r>
+              <a:rPr lang="en-US" sz="2800" smtClean="0">
+                <a:solidFill>
+                  <a:srgbClr val="FF0000"/>
+                </a:solidFill>
+              </a:rPr>
+              <a:t>best practices </a:t>
+            </a:r>
+            <a:r>
+              <a:rPr lang="en-US" sz="2800" smtClean="0"/>
+              <a:t>that </a:t>
+            </a:r>
+            <a:r>
+              <a:rPr lang="en-US" sz="2800"/>
+              <a:t>the programmer can use to solve </a:t>
+            </a:r>
+            <a:r>
+              <a:rPr lang="en-US" sz="2800">
+                <a:solidFill>
+                  <a:srgbClr val="FF0000"/>
+                </a:solidFill>
+              </a:rPr>
+              <a:t>common problems </a:t>
+            </a:r>
+            <a:r>
+              <a:rPr lang="en-US" sz="2800"/>
+              <a:t>when designing an </a:t>
+            </a:r>
+            <a:r>
+              <a:rPr lang="en-US" sz="2800" smtClean="0"/>
+              <a:t>application </a:t>
+            </a:r>
+            <a:r>
+              <a:rPr lang="en-US" sz="2800"/>
+              <a:t>or system.</a:t>
+            </a:r>
+            <a:endParaRPr lang="da-DK" sz="2800"/>
+          </a:p>
+        </p:txBody>
+      </p:sp>
+    </p:spTree>
+    <p:extLst>
+      <p:ext uri="{BB962C8B-B14F-4D97-AF65-F5344CB8AC3E}">
+        <p14:creationId xmlns:p14="http://schemas.microsoft.com/office/powerpoint/2010/main" val="895577871"/>
+      </p:ext>
+    </p:extLst>
+  </p:cSld>
+  <p:clrMapOvr>
+    <a:masterClrMapping/>
+  </p:clrMapOvr>
+  <p:timing>
+    <p:tnLst>
+      <p:par>
+        <p:cTn id="1" dur="indefinite" restart="never" nodeType="tmRoot"/>
+      </p:par>
+    </p:tnLst>
+  </p:timing>
+</p:sld>
+</file>
+
+<file path=ppt/slides/slide37.xml><?xml version="1.0" encoding="utf-8"?>
+<p:sld xmlns:a="http://schemas.openxmlformats.org/drawingml/2006/main" xmlns:r="http://schemas.openxmlformats.org/officeDocument/2006/relationships" xmlns:p="http://schemas.openxmlformats.org/presentationml/2006/main">
+  <p:cSld>
+    <p:spTree>
+      <p:nvGrpSpPr>
+        <p:cNvPr id="1" name=""/>
+        <p:cNvGrpSpPr/>
+        <p:nvPr/>
+      </p:nvGrpSpPr>
+      <p:grpSpPr>
+        <a:xfrm>
+          <a:off x="0" y="0"/>
+          <a:ext cx="0" cy="0"/>
+          <a:chOff x="0" y="0"/>
+          <a:chExt cx="0" cy="0"/>
+        </a:xfrm>
+      </p:grpSpPr>
+      <p:sp>
+        <p:nvSpPr>
+          <p:cNvPr id="2" name="Titel 1"/>
+          <p:cNvSpPr>
+            <a:spLocks noGrp="1"/>
+          </p:cNvSpPr>
+          <p:nvPr>
+            <p:ph type="title"/>
+          </p:nvPr>
+        </p:nvSpPr>
+        <p:spPr>
+          <a:xfrm>
+            <a:off x="838200" y="407236"/>
+            <a:ext cx="10515600" cy="1325563"/>
+          </a:xfrm>
+        </p:spPr>
+        <p:txBody>
+          <a:bodyPr/>
+          <a:lstStyle/>
+          <a:p>
+            <a:r>
+              <a:rPr lang="da-DK" b="1" smtClean="0"/>
+              <a:t>What is a </a:t>
+            </a:r>
+            <a:r>
+              <a:rPr lang="da-DK" b="1" smtClean="0">
+                <a:solidFill>
+                  <a:srgbClr val="FF0000"/>
+                </a:solidFill>
+              </a:rPr>
+              <a:t>Design Pattern</a:t>
+            </a:r>
+            <a:r>
+              <a:rPr lang="da-DK" b="1" smtClean="0"/>
+              <a:t>?</a:t>
+            </a:r>
+            <a:endParaRPr lang="da-DK" b="1"/>
+          </a:p>
+        </p:txBody>
+      </p:sp>
+      <p:sp>
+        <p:nvSpPr>
+          <p:cNvPr id="3" name="Pladsholder til indhold 2"/>
+          <p:cNvSpPr>
+            <a:spLocks noGrp="1"/>
+          </p:cNvSpPr>
+          <p:nvPr>
+            <p:ph idx="1"/>
+          </p:nvPr>
+        </p:nvSpPr>
+        <p:spPr>
+          <a:xfrm>
+            <a:off x="838200" y="1825625"/>
+            <a:ext cx="10078995" cy="4754348"/>
+          </a:xfrm>
+        </p:spPr>
+        <p:txBody>
+          <a:bodyPr>
+            <a:normAutofit/>
+          </a:bodyPr>
+          <a:lstStyle/>
+          <a:p>
+            <a:r>
+              <a:rPr lang="en-US" sz="3200" smtClean="0"/>
+              <a:t>But also:</a:t>
+            </a:r>
+          </a:p>
+          <a:p>
+            <a:pPr lvl="1"/>
+            <a:r>
+              <a:rPr lang="en-US" sz="2800" smtClean="0"/>
+              <a:t>A “language” by which we can talk about design</a:t>
+            </a:r>
+          </a:p>
+          <a:p>
+            <a:pPr lvl="1"/>
+            <a:r>
+              <a:rPr lang="en-US" sz="2800" smtClean="0"/>
+              <a:t>A shared definition of structures in design/code</a:t>
+            </a:r>
+          </a:p>
+          <a:p>
+            <a:pPr lvl="1"/>
+            <a:r>
+              <a:rPr lang="en-US" sz="2800" smtClean="0"/>
+              <a:t>Structures help us manage complexity!</a:t>
+            </a:r>
+            <a:endParaRPr lang="da-DK" sz="2800"/>
+          </a:p>
+        </p:txBody>
+      </p:sp>
+    </p:spTree>
+    <p:extLst>
+      <p:ext uri="{BB962C8B-B14F-4D97-AF65-F5344CB8AC3E}">
+        <p14:creationId xmlns:p14="http://schemas.microsoft.com/office/powerpoint/2010/main" val="1458430682"/>
+      </p:ext>
+    </p:extLst>
+  </p:cSld>
+  <p:clrMapOvr>
+    <a:masterClrMapping/>
+  </p:clrMapOvr>
+  <mc:AlternateContent xmlns:mc="http://schemas.openxmlformats.org/markup-compatibility/2006" xmlns:p14="http://schemas.microsoft.com/office/powerpoint/2010/main">
+    <mc:Choice Requires="p14">
+      <p:transition spd="med" p14:dur="700">
+        <p:fade/>
+      </p:transition>
+    </mc:Choice>
+    <mc:Fallback xmlns="">
+      <p:transition spd="med">
+        <p:fade/>
+      </p:transition>
+    </mc:Fallback>
+  </mc:AlternateContent>
+  <p:timing>
+    <p:tnLst>
+      <p:par>
+        <p:cTn id="1" dur="indefinite" restart="never" nodeType="tmRoot"/>
+      </p:par>
+    </p:tnLst>
+  </p:timing>
+</p:sld>
+</file>
+
+<file path=ppt/slides/slide38.xml><?xml version="1.0" encoding="utf-8"?>
 <p:sld xmlns:a="http://schemas.openxmlformats.org/drawingml/2006/main" xmlns:r="http://schemas.openxmlformats.org/officeDocument/2006/relationships" xmlns:p="http://schemas.openxmlformats.org/presentationml/2006/main">
   <p:cSld>
     <p:spTree>
@@ -6194,13 +7744,13 @@
   <p:clrMapOvr>
     <a:masterClrMapping/>
   </p:clrMapOvr>
-  <mc:AlternateContent xmlns:mc="http://schemas.openxmlformats.org/markup-compatibility/2006">
-    <mc:Choice xmlns:p14="http://schemas.microsoft.com/office/powerpoint/2010/main" Requires="p14">
+  <mc:AlternateContent xmlns:mc="http://schemas.openxmlformats.org/markup-compatibility/2006" xmlns:p14="http://schemas.microsoft.com/office/powerpoint/2010/main">
+    <mc:Choice Requires="p14">
       <p:transition spd="med" p14:dur="700">
         <p:fade/>
       </p:transition>
     </mc:Choice>
-    <mc:Fallback>
+    <mc:Fallback xmlns="">
       <p:transition spd="med">
         <p:fade/>
       </p:transition>
@@ -6216,174 +7766,7 @@
 </p:sld>
 </file>
 
-<file path=ppt/slides/slide3.xml><?xml version="1.0" encoding="utf-8"?>
-<p:sld xmlns:a="http://schemas.openxmlformats.org/drawingml/2006/main" xmlns:r="http://schemas.openxmlformats.org/officeDocument/2006/relationships" xmlns:p="http://schemas.openxmlformats.org/presentationml/2006/main">
-  <p:cSld>
-    <p:spTree>
-      <p:nvGrpSpPr>
-        <p:cNvPr id="1" name=""/>
-        <p:cNvGrpSpPr/>
-        <p:nvPr/>
-      </p:nvGrpSpPr>
-      <p:grpSpPr>
-        <a:xfrm>
-          <a:off x="0" y="0"/>
-          <a:ext cx="0" cy="0"/>
-          <a:chOff x="0" y="0"/>
-          <a:chExt cx="0" cy="0"/>
-        </a:xfrm>
-      </p:grpSpPr>
-      <p:sp>
-        <p:nvSpPr>
-          <p:cNvPr id="2" name="Titel 1"/>
-          <p:cNvSpPr>
-            <a:spLocks noGrp="1"/>
-          </p:cNvSpPr>
-          <p:nvPr>
-            <p:ph type="title"/>
-          </p:nvPr>
-        </p:nvSpPr>
-        <p:spPr/>
-        <p:txBody>
-          <a:bodyPr/>
-          <a:lstStyle/>
-          <a:p>
-            <a:r>
-              <a:rPr lang="da-DK" b="1" smtClean="0"/>
-              <a:t>Touchdown!</a:t>
-            </a:r>
-            <a:endParaRPr lang="da-DK" b="1"/>
-          </a:p>
-        </p:txBody>
-      </p:sp>
-      <p:sp>
-        <p:nvSpPr>
-          <p:cNvPr id="3" name="Pladsholder til indhold 2"/>
-          <p:cNvSpPr>
-            <a:spLocks noGrp="1"/>
-          </p:cNvSpPr>
-          <p:nvPr>
-            <p:ph idx="1"/>
-          </p:nvPr>
-        </p:nvSpPr>
-        <p:spPr>
-          <a:xfrm>
-            <a:off x="838200" y="1825625"/>
-            <a:ext cx="7014519" cy="4351338"/>
-          </a:xfrm>
-        </p:spPr>
-        <p:txBody>
-          <a:bodyPr>
-            <a:normAutofit/>
-          </a:bodyPr>
-          <a:lstStyle/>
-          <a:p>
-            <a:r>
-              <a:rPr lang="da-DK" sz="3200" b="1" smtClean="0"/>
-              <a:t>I am </a:t>
-            </a:r>
-            <a:r>
-              <a:rPr lang="da-DK" sz="3200" b="1" smtClean="0">
-                <a:solidFill>
-                  <a:srgbClr val="FF0000"/>
-                </a:solidFill>
-              </a:rPr>
-              <a:t>Per Laursen</a:t>
-            </a:r>
-            <a:r>
-              <a:rPr lang="da-DK" sz="3200" smtClean="0"/>
-              <a:t>, and I will be teaching this course</a:t>
-            </a:r>
-          </a:p>
-          <a:p>
-            <a:r>
-              <a:rPr lang="da-DK" sz="3200" b="1" smtClean="0"/>
-              <a:t>Website</a:t>
-            </a:r>
-            <a:r>
-              <a:rPr lang="da-DK" sz="3200" smtClean="0"/>
-              <a:t>: </a:t>
-            </a:r>
-            <a:r>
-              <a:rPr lang="da-DK" sz="3200" b="1" smtClean="0">
-                <a:solidFill>
-                  <a:srgbClr val="FF0000"/>
-                </a:solidFill>
-              </a:rPr>
-              <a:t>perl-easj.dk</a:t>
-            </a:r>
-          </a:p>
-          <a:p>
-            <a:r>
-              <a:rPr lang="da-DK" sz="3200" b="1" smtClean="0"/>
-              <a:t>GitHub</a:t>
-            </a:r>
-            <a:r>
-              <a:rPr lang="da-DK" sz="3200" smtClean="0"/>
-              <a:t>: </a:t>
-            </a:r>
-            <a:r>
-              <a:rPr lang="da-DK" sz="3200" b="1" smtClean="0">
-                <a:solidFill>
-                  <a:srgbClr val="FF0000"/>
-                </a:solidFill>
-              </a:rPr>
-              <a:t>github.com/perl-easj</a:t>
-            </a:r>
-          </a:p>
-        </p:txBody>
-      </p:sp>
-      <p:pic>
-        <p:nvPicPr>
-          <p:cNvPr id="4" name="Billede 3"/>
-          <p:cNvPicPr>
-            <a:picLocks noChangeAspect="1"/>
-          </p:cNvPicPr>
-          <p:nvPr/>
-        </p:nvPicPr>
-        <p:blipFill>
-          <a:blip r:embed="rId2">
-            <a:extLst>
-              <a:ext uri="{28A0092B-C50C-407E-A947-70E740481C1C}">
-                <a14:useLocalDpi xmlns:a14="http://schemas.microsoft.com/office/drawing/2010/main" val="0"/>
-              </a:ext>
-            </a:extLst>
-          </a:blip>
-          <a:stretch>
-            <a:fillRect/>
-          </a:stretch>
-        </p:blipFill>
-        <p:spPr>
-          <a:xfrm>
-            <a:off x="8888340" y="1690688"/>
-            <a:ext cx="2838092" cy="3345849"/>
-          </a:xfrm>
-          <a:prstGeom prst="rect">
-            <a:avLst/>
-          </a:prstGeom>
-        </p:spPr>
-      </p:pic>
-    </p:spTree>
-    <p:extLst>
-      <p:ext uri="{BB962C8B-B14F-4D97-AF65-F5344CB8AC3E}">
-        <p14:creationId xmlns:p14="http://schemas.microsoft.com/office/powerpoint/2010/main" val="4017938413"/>
-      </p:ext>
-    </p:extLst>
-  </p:cSld>
-  <p:clrMapOvr>
-    <a:masterClrMapping/>
-  </p:clrMapOvr>
-  <p:timing>
-    <p:tnLst>
-      <p:par>
-        <p:cTn id="1" dur="indefinite" restart="never" nodeType="tmRoot"/>
-      </p:par>
-    </p:tnLst>
-  </p:timing>
-</p:sld>
-</file>
-
-<file path=ppt/slides/slide30.xml><?xml version="1.0" encoding="utf-8"?>
+<file path=ppt/slides/slide39.xml><?xml version="1.0" encoding="utf-8"?>
 <p:sld xmlns:a="http://schemas.openxmlformats.org/drawingml/2006/main" xmlns:r="http://schemas.openxmlformats.org/officeDocument/2006/relationships" xmlns:p="http://schemas.openxmlformats.org/presentationml/2006/main">
   <p:cSld>
     <p:spTree>
@@ -6451,1591 +7834,13 @@
   <p:clrMapOvr>
     <a:masterClrMapping/>
   </p:clrMapOvr>
-  <mc:AlternateContent xmlns:mc="http://schemas.openxmlformats.org/markup-compatibility/2006">
-    <mc:Choice xmlns:p14="http://schemas.microsoft.com/office/powerpoint/2010/main" Requires="p14">
+  <mc:AlternateContent xmlns:mc="http://schemas.openxmlformats.org/markup-compatibility/2006" xmlns:p14="http://schemas.microsoft.com/office/powerpoint/2010/main">
+    <mc:Choice Requires="p14">
       <p:transition spd="med" p14:dur="700">
         <p:fade/>
       </p:transition>
     </mc:Choice>
-    <mc:Fallback>
-      <p:transition spd="med">
-        <p:fade/>
-      </p:transition>
-    </mc:Fallback>
-  </mc:AlternateContent>
-  <p:timing>
-    <p:tnLst>
-      <p:par>
-        <p:cTn id="1" dur="indefinite" restart="never" nodeType="tmRoot"/>
-      </p:par>
-    </p:tnLst>
-  </p:timing>
-</p:sld>
-</file>
-
-<file path=ppt/slides/slide31.xml><?xml version="1.0" encoding="utf-8"?>
-<p:sld xmlns:a="http://schemas.openxmlformats.org/drawingml/2006/main" xmlns:r="http://schemas.openxmlformats.org/officeDocument/2006/relationships" xmlns:p="http://schemas.openxmlformats.org/presentationml/2006/main">
-  <p:cSld>
-    <p:spTree>
-      <p:nvGrpSpPr>
-        <p:cNvPr id="1" name=""/>
-        <p:cNvGrpSpPr/>
-        <p:nvPr/>
-      </p:nvGrpSpPr>
-      <p:grpSpPr>
-        <a:xfrm>
-          <a:off x="0" y="0"/>
-          <a:ext cx="0" cy="0"/>
-          <a:chOff x="0" y="0"/>
-          <a:chExt cx="0" cy="0"/>
-        </a:xfrm>
-      </p:grpSpPr>
-      <p:sp>
-        <p:nvSpPr>
-          <p:cNvPr id="2" name="Titel 1"/>
-          <p:cNvSpPr>
-            <a:spLocks noGrp="1"/>
-          </p:cNvSpPr>
-          <p:nvPr>
-            <p:ph type="ctrTitle"/>
-          </p:nvPr>
-        </p:nvSpPr>
-        <p:spPr>
-          <a:xfrm>
-            <a:off x="275751" y="1044147"/>
-            <a:ext cx="11534274" cy="4308768"/>
-          </a:xfrm>
-        </p:spPr>
-        <p:txBody>
-          <a:bodyPr anchor="ctr">
-            <a:normAutofit/>
-          </a:bodyPr>
-          <a:lstStyle/>
-          <a:p>
-            <a:r>
-              <a:rPr lang="da-DK" sz="9600" b="1" smtClean="0">
-                <a:solidFill>
-                  <a:srgbClr val="FF0000"/>
-                </a:solidFill>
-              </a:rPr>
-              <a:t>Design Patterns</a:t>
-            </a:r>
-            <a:br>
-              <a:rPr lang="da-DK" sz="9600" b="1" smtClean="0">
-                <a:solidFill>
-                  <a:srgbClr val="FF0000"/>
-                </a:solidFill>
-              </a:rPr>
-            </a:br>
-            <a:r>
-              <a:rPr lang="da-DK" sz="9600" b="1" smtClean="0"/>
-              <a:t>=</a:t>
-            </a:r>
-            <a:br>
-              <a:rPr lang="da-DK" sz="9600" b="1" smtClean="0"/>
-            </a:br>
-            <a:r>
-              <a:rPr lang="da-DK" sz="9600" b="1" smtClean="0"/>
-              <a:t>Distilled Experience</a:t>
-            </a:r>
-            <a:endParaRPr lang="da-DK" sz="9600" i="1"/>
-          </a:p>
-        </p:txBody>
-      </p:sp>
-    </p:spTree>
-    <p:extLst>
-      <p:ext uri="{BB962C8B-B14F-4D97-AF65-F5344CB8AC3E}">
-        <p14:creationId xmlns:p14="http://schemas.microsoft.com/office/powerpoint/2010/main" val="4022861402"/>
-      </p:ext>
-    </p:extLst>
-  </p:cSld>
-  <p:clrMapOvr>
-    <a:masterClrMapping/>
-  </p:clrMapOvr>
-  <mc:AlternateContent xmlns:mc="http://schemas.openxmlformats.org/markup-compatibility/2006">
-    <mc:Choice xmlns:p14="http://schemas.microsoft.com/office/powerpoint/2010/main" Requires="p14">
-      <p:transition spd="med" p14:dur="700">
-        <p:fade/>
-      </p:transition>
-    </mc:Choice>
-    <mc:Fallback>
-      <p:transition spd="med">
-        <p:fade/>
-      </p:transition>
-    </mc:Fallback>
-  </mc:AlternateContent>
-  <p:timing>
-    <p:tnLst>
-      <p:par>
-        <p:cTn id="1" dur="indefinite" restart="never" nodeType="tmRoot"/>
-      </p:par>
-    </p:tnLst>
-  </p:timing>
-</p:sld>
-</file>
-
-<file path=ppt/slides/slide32.xml><?xml version="1.0" encoding="utf-8"?>
-<p:sld xmlns:a="http://schemas.openxmlformats.org/drawingml/2006/main" xmlns:r="http://schemas.openxmlformats.org/officeDocument/2006/relationships" xmlns:p="http://schemas.openxmlformats.org/presentationml/2006/main">
-  <p:cSld>
-    <p:spTree>
-      <p:nvGrpSpPr>
-        <p:cNvPr id="1" name=""/>
-        <p:cNvGrpSpPr/>
-        <p:nvPr/>
-      </p:nvGrpSpPr>
-      <p:grpSpPr>
-        <a:xfrm>
-          <a:off x="0" y="0"/>
-          <a:ext cx="0" cy="0"/>
-          <a:chOff x="0" y="0"/>
-          <a:chExt cx="0" cy="0"/>
-        </a:xfrm>
-      </p:grpSpPr>
-      <p:sp>
-        <p:nvSpPr>
-          <p:cNvPr id="2" name="Titel 1"/>
-          <p:cNvSpPr>
-            <a:spLocks noGrp="1"/>
-          </p:cNvSpPr>
-          <p:nvPr>
-            <p:ph type="title"/>
-          </p:nvPr>
-        </p:nvSpPr>
-        <p:spPr>
-          <a:xfrm>
-            <a:off x="838200" y="407236"/>
-            <a:ext cx="10515600" cy="1325563"/>
-          </a:xfrm>
-        </p:spPr>
-        <p:txBody>
-          <a:bodyPr/>
-          <a:lstStyle/>
-          <a:p>
-            <a:r>
-              <a:rPr lang="da-DK" b="1" smtClean="0"/>
-              <a:t>Design Pattern scale – Code Idioms</a:t>
-            </a:r>
-            <a:endParaRPr lang="da-DK" b="1"/>
-          </a:p>
-        </p:txBody>
-      </p:sp>
-      <p:sp>
-        <p:nvSpPr>
-          <p:cNvPr id="3" name="Pladsholder til indhold 2"/>
-          <p:cNvSpPr>
-            <a:spLocks noGrp="1"/>
-          </p:cNvSpPr>
-          <p:nvPr>
-            <p:ph idx="1"/>
-          </p:nvPr>
-        </p:nvSpPr>
-        <p:spPr>
-          <a:xfrm>
-            <a:off x="838200" y="1825625"/>
-            <a:ext cx="10078995" cy="4754348"/>
-          </a:xfrm>
-        </p:spPr>
-        <p:txBody>
-          <a:bodyPr>
-            <a:normAutofit/>
-          </a:bodyPr>
-          <a:lstStyle/>
-          <a:p>
-            <a:r>
-              <a:rPr lang="en-US" sz="3200" smtClean="0"/>
-              <a:t>Short snippets of code for very common problems</a:t>
-            </a:r>
-          </a:p>
-          <a:p>
-            <a:r>
-              <a:rPr lang="en-US" sz="3200" b="1" smtClean="0"/>
-              <a:t>Example</a:t>
-            </a:r>
-            <a:r>
-              <a:rPr lang="en-US" sz="3200" smtClean="0"/>
-              <a:t>: Print out all items in a </a:t>
-            </a:r>
-            <a:r>
-              <a:rPr lang="en-US" sz="3200" b="1" smtClean="0"/>
-              <a:t>List&lt;T&gt;:</a:t>
-            </a:r>
-          </a:p>
-          <a:p>
-            <a:pPr marL="0" indent="0">
-              <a:spcBef>
-                <a:spcPts val="0"/>
-              </a:spcBef>
-              <a:buNone/>
-            </a:pPr>
-            <a:endParaRPr lang="en-US" b="1" smtClean="0">
-              <a:solidFill>
-                <a:srgbClr val="0000FF"/>
-              </a:solidFill>
-              <a:latin typeface="Consolas" panose="020B0609020204030204" pitchFamily="49" charset="0"/>
-            </a:endParaRPr>
-          </a:p>
-          <a:p>
-            <a:pPr marL="0" indent="0">
-              <a:spcBef>
-                <a:spcPts val="0"/>
-              </a:spcBef>
-              <a:buNone/>
-            </a:pPr>
-            <a:r>
-              <a:rPr lang="en-US" sz="2400" b="1" smtClean="0">
-                <a:solidFill>
-                  <a:srgbClr val="0000FF"/>
-                </a:solidFill>
-                <a:latin typeface="Consolas" panose="020B0609020204030204" pitchFamily="49" charset="0"/>
-              </a:rPr>
-              <a:t>foreach</a:t>
-            </a:r>
-            <a:r>
-              <a:rPr lang="en-US" sz="2400" b="1" smtClean="0">
-                <a:solidFill>
-                  <a:srgbClr val="000000"/>
-                </a:solidFill>
-                <a:latin typeface="Consolas" panose="020B0609020204030204" pitchFamily="49" charset="0"/>
-              </a:rPr>
-              <a:t> </a:t>
-            </a:r>
-            <a:r>
-              <a:rPr lang="en-US" sz="2400" b="1">
-                <a:solidFill>
-                  <a:srgbClr val="000000"/>
-                </a:solidFill>
-                <a:latin typeface="Consolas" panose="020B0609020204030204" pitchFamily="49" charset="0"/>
-              </a:rPr>
-              <a:t>(</a:t>
-            </a:r>
-            <a:r>
-              <a:rPr lang="en-US" sz="2400" b="1">
-                <a:solidFill>
-                  <a:srgbClr val="2B91AF"/>
-                </a:solidFill>
-                <a:latin typeface="Consolas" panose="020B0609020204030204" pitchFamily="49" charset="0"/>
-              </a:rPr>
-              <a:t>T</a:t>
-            </a:r>
-            <a:r>
-              <a:rPr lang="en-US" sz="2400" b="1">
-                <a:solidFill>
-                  <a:srgbClr val="000000"/>
-                </a:solidFill>
-                <a:latin typeface="Consolas" panose="020B0609020204030204" pitchFamily="49" charset="0"/>
-              </a:rPr>
-              <a:t> item </a:t>
-            </a:r>
-            <a:r>
-              <a:rPr lang="en-US" sz="2400" b="1">
-                <a:solidFill>
-                  <a:srgbClr val="0000FF"/>
-                </a:solidFill>
-                <a:latin typeface="Consolas" panose="020B0609020204030204" pitchFamily="49" charset="0"/>
-              </a:rPr>
-              <a:t>in</a:t>
-            </a:r>
-            <a:r>
-              <a:rPr lang="en-US" sz="2400" b="1">
-                <a:solidFill>
-                  <a:srgbClr val="000000"/>
-                </a:solidFill>
-                <a:latin typeface="Consolas" panose="020B0609020204030204" pitchFamily="49" charset="0"/>
-              </a:rPr>
-              <a:t> items)</a:t>
-            </a:r>
-          </a:p>
-          <a:p>
-            <a:pPr marL="0" indent="0">
-              <a:spcBef>
-                <a:spcPts val="0"/>
-              </a:spcBef>
-              <a:buNone/>
-            </a:pPr>
-            <a:r>
-              <a:rPr lang="da-DK" sz="2400" b="1" smtClean="0">
-                <a:solidFill>
-                  <a:srgbClr val="000000"/>
-                </a:solidFill>
-                <a:latin typeface="Consolas" panose="020B0609020204030204" pitchFamily="49" charset="0"/>
-              </a:rPr>
-              <a:t>{</a:t>
-            </a:r>
-            <a:endParaRPr lang="da-DK" sz="2400" b="1">
-              <a:solidFill>
-                <a:srgbClr val="000000"/>
-              </a:solidFill>
-              <a:latin typeface="Consolas" panose="020B0609020204030204" pitchFamily="49" charset="0"/>
-            </a:endParaRPr>
-          </a:p>
-          <a:p>
-            <a:pPr marL="0" indent="0">
-              <a:spcBef>
-                <a:spcPts val="0"/>
-              </a:spcBef>
-              <a:buNone/>
-            </a:pPr>
-            <a:r>
-              <a:rPr lang="da-DK" sz="2400" b="1" smtClean="0">
-                <a:solidFill>
-                  <a:srgbClr val="000000"/>
-                </a:solidFill>
-                <a:latin typeface="Consolas" panose="020B0609020204030204" pitchFamily="49" charset="0"/>
-              </a:rPr>
-              <a:t>   Console.WriteLine(item</a:t>
-            </a:r>
-            <a:r>
-              <a:rPr lang="da-DK" sz="2400" b="1">
-                <a:solidFill>
-                  <a:srgbClr val="000000"/>
-                </a:solidFill>
-                <a:latin typeface="Consolas" panose="020B0609020204030204" pitchFamily="49" charset="0"/>
-              </a:rPr>
-              <a:t>);</a:t>
-            </a:r>
-          </a:p>
-          <a:p>
-            <a:pPr marL="0" indent="0">
-              <a:spcBef>
-                <a:spcPts val="0"/>
-              </a:spcBef>
-              <a:buNone/>
-            </a:pPr>
-            <a:r>
-              <a:rPr lang="da-DK" sz="2400" b="1" smtClean="0">
-                <a:solidFill>
-                  <a:srgbClr val="000000"/>
-                </a:solidFill>
-                <a:latin typeface="Consolas" panose="020B0609020204030204" pitchFamily="49" charset="0"/>
-              </a:rPr>
-              <a:t>}</a:t>
-            </a:r>
-            <a:endParaRPr lang="da-DK" sz="2400" b="1"/>
-          </a:p>
-        </p:txBody>
-      </p:sp>
-    </p:spTree>
-    <p:extLst>
-      <p:ext uri="{BB962C8B-B14F-4D97-AF65-F5344CB8AC3E}">
-        <p14:creationId xmlns:p14="http://schemas.microsoft.com/office/powerpoint/2010/main" val="2443850870"/>
-      </p:ext>
-    </p:extLst>
-  </p:cSld>
-  <p:clrMapOvr>
-    <a:masterClrMapping/>
-  </p:clrMapOvr>
-  <p:timing>
-    <p:tnLst>
-      <p:par>
-        <p:cTn id="1" dur="indefinite" restart="never" nodeType="tmRoot"/>
-      </p:par>
-    </p:tnLst>
-  </p:timing>
-</p:sld>
-</file>
-
-<file path=ppt/slides/slide33.xml><?xml version="1.0" encoding="utf-8"?>
-<p:sld xmlns:a="http://schemas.openxmlformats.org/drawingml/2006/main" xmlns:r="http://schemas.openxmlformats.org/officeDocument/2006/relationships" xmlns:p="http://schemas.openxmlformats.org/presentationml/2006/main">
-  <p:cSld>
-    <p:spTree>
-      <p:nvGrpSpPr>
-        <p:cNvPr id="1" name=""/>
-        <p:cNvGrpSpPr/>
-        <p:nvPr/>
-      </p:nvGrpSpPr>
-      <p:grpSpPr>
-        <a:xfrm>
-          <a:off x="0" y="0"/>
-          <a:ext cx="0" cy="0"/>
-          <a:chOff x="0" y="0"/>
-          <a:chExt cx="0" cy="0"/>
-        </a:xfrm>
-      </p:grpSpPr>
-      <p:sp>
-        <p:nvSpPr>
-          <p:cNvPr id="2" name="Titel 1"/>
-          <p:cNvSpPr>
-            <a:spLocks noGrp="1"/>
-          </p:cNvSpPr>
-          <p:nvPr>
-            <p:ph type="title"/>
-          </p:nvPr>
-        </p:nvSpPr>
-        <p:spPr>
-          <a:xfrm>
-            <a:off x="838200" y="407236"/>
-            <a:ext cx="10515600" cy="1325563"/>
-          </a:xfrm>
-        </p:spPr>
-        <p:txBody>
-          <a:bodyPr/>
-          <a:lstStyle/>
-          <a:p>
-            <a:r>
-              <a:rPr lang="da-DK" b="1" smtClean="0"/>
-              <a:t>Design Pattern scale – Class relations</a:t>
-            </a:r>
-            <a:endParaRPr lang="da-DK" b="1"/>
-          </a:p>
-        </p:txBody>
-      </p:sp>
-      <p:sp>
-        <p:nvSpPr>
-          <p:cNvPr id="3" name="Pladsholder til indhold 2"/>
-          <p:cNvSpPr>
-            <a:spLocks noGrp="1"/>
-          </p:cNvSpPr>
-          <p:nvPr>
-            <p:ph idx="1"/>
-          </p:nvPr>
-        </p:nvSpPr>
-        <p:spPr>
-          <a:xfrm>
-            <a:off x="838200" y="1825625"/>
-            <a:ext cx="10078995" cy="4754348"/>
-          </a:xfrm>
-        </p:spPr>
-        <p:txBody>
-          <a:bodyPr>
-            <a:normAutofit/>
-          </a:bodyPr>
-          <a:lstStyle/>
-          <a:p>
-            <a:r>
-              <a:rPr lang="en-US" sz="3200" smtClean="0"/>
-              <a:t>The classic level for Design Patterns; solves a common problem by defining a few (&lt; 10) classes.</a:t>
-            </a:r>
-          </a:p>
-          <a:p>
-            <a:r>
-              <a:rPr lang="en-US" sz="3200" smtClean="0"/>
-              <a:t>We (should) know some already:</a:t>
-            </a:r>
-          </a:p>
-          <a:p>
-            <a:pPr lvl="1"/>
-            <a:r>
-              <a:rPr lang="en-US" sz="2800" b="1" smtClean="0"/>
-              <a:t>Singleton</a:t>
-            </a:r>
-          </a:p>
-          <a:p>
-            <a:pPr lvl="1"/>
-            <a:r>
-              <a:rPr lang="en-US" sz="2800" b="1" smtClean="0"/>
-              <a:t>Factory Method / Abstract Factory</a:t>
-            </a:r>
-          </a:p>
-          <a:p>
-            <a:pPr lvl="1"/>
-            <a:r>
-              <a:rPr lang="en-US" sz="2800" b="1" smtClean="0"/>
-              <a:t>Adapter</a:t>
-            </a:r>
-          </a:p>
-          <a:p>
-            <a:pPr lvl="1"/>
-            <a:r>
-              <a:rPr lang="en-US" sz="2800" b="1" smtClean="0"/>
-              <a:t>Proxy</a:t>
-            </a:r>
-          </a:p>
-          <a:p>
-            <a:pPr lvl="1"/>
-            <a:r>
-              <a:rPr lang="en-US" sz="2800" b="1" smtClean="0"/>
-              <a:t>Template Method</a:t>
-            </a:r>
-          </a:p>
-          <a:p>
-            <a:pPr lvl="1"/>
-            <a:r>
-              <a:rPr lang="en-US" sz="2800" b="1" smtClean="0"/>
-              <a:t>Command</a:t>
-            </a:r>
-          </a:p>
-        </p:txBody>
-      </p:sp>
-    </p:spTree>
-    <p:extLst>
-      <p:ext uri="{BB962C8B-B14F-4D97-AF65-F5344CB8AC3E}">
-        <p14:creationId xmlns:p14="http://schemas.microsoft.com/office/powerpoint/2010/main" val="1625820708"/>
-      </p:ext>
-    </p:extLst>
-  </p:cSld>
-  <p:clrMapOvr>
-    <a:masterClrMapping/>
-  </p:clrMapOvr>
-  <p:timing>
-    <p:tnLst>
-      <p:par>
-        <p:cTn id="1" dur="indefinite" restart="never" nodeType="tmRoot"/>
-      </p:par>
-    </p:tnLst>
-  </p:timing>
-</p:sld>
-</file>
-
-<file path=ppt/slides/slide34.xml><?xml version="1.0" encoding="utf-8"?>
-<p:sld xmlns:a="http://schemas.openxmlformats.org/drawingml/2006/main" xmlns:r="http://schemas.openxmlformats.org/officeDocument/2006/relationships" xmlns:p="http://schemas.openxmlformats.org/presentationml/2006/main">
-  <p:cSld>
-    <p:spTree>
-      <p:nvGrpSpPr>
-        <p:cNvPr id="1" name=""/>
-        <p:cNvGrpSpPr/>
-        <p:nvPr/>
-      </p:nvGrpSpPr>
-      <p:grpSpPr>
-        <a:xfrm>
-          <a:off x="0" y="0"/>
-          <a:ext cx="0" cy="0"/>
-          <a:chOff x="0" y="0"/>
-          <a:chExt cx="0" cy="0"/>
-        </a:xfrm>
-      </p:grpSpPr>
-      <p:sp>
-        <p:nvSpPr>
-          <p:cNvPr id="2" name="Titel 1"/>
-          <p:cNvSpPr>
-            <a:spLocks noGrp="1"/>
-          </p:cNvSpPr>
-          <p:nvPr>
-            <p:ph type="title"/>
-          </p:nvPr>
-        </p:nvSpPr>
-        <p:spPr>
-          <a:xfrm>
-            <a:off x="838200" y="407236"/>
-            <a:ext cx="10515600" cy="1325563"/>
-          </a:xfrm>
-        </p:spPr>
-        <p:txBody>
-          <a:bodyPr/>
-          <a:lstStyle/>
-          <a:p>
-            <a:r>
-              <a:rPr lang="da-DK" b="1" smtClean="0"/>
-              <a:t>Design Pattern scale – Class relations</a:t>
-            </a:r>
-            <a:endParaRPr lang="da-DK" b="1"/>
-          </a:p>
-        </p:txBody>
-      </p:sp>
-      <p:sp>
-        <p:nvSpPr>
-          <p:cNvPr id="3" name="Pladsholder til indhold 2"/>
-          <p:cNvSpPr>
-            <a:spLocks noGrp="1"/>
-          </p:cNvSpPr>
-          <p:nvPr>
-            <p:ph idx="1"/>
-          </p:nvPr>
-        </p:nvSpPr>
-        <p:spPr>
-          <a:xfrm>
-            <a:off x="838200" y="1825625"/>
-            <a:ext cx="3295135" cy="4754348"/>
-          </a:xfrm>
-        </p:spPr>
-        <p:txBody>
-          <a:bodyPr>
-            <a:normAutofit/>
-          </a:bodyPr>
-          <a:lstStyle/>
-          <a:p>
-            <a:r>
-              <a:rPr lang="en-US" sz="3200" smtClean="0"/>
-              <a:t>Creational</a:t>
-            </a:r>
-            <a:endParaRPr lang="en-US" sz="3200" smtClean="0"/>
-          </a:p>
-          <a:p>
-            <a:pPr lvl="1"/>
-            <a:r>
-              <a:rPr lang="en-US" sz="2800" b="1" smtClean="0"/>
-              <a:t>Singleton</a:t>
-            </a:r>
-          </a:p>
-          <a:p>
-            <a:pPr lvl="1"/>
-            <a:r>
-              <a:rPr lang="en-US" sz="2800" b="1" smtClean="0"/>
-              <a:t>Factory Method</a:t>
-            </a:r>
-          </a:p>
-          <a:p>
-            <a:pPr lvl="1"/>
-            <a:r>
-              <a:rPr lang="en-US" sz="2800" b="1" smtClean="0"/>
-              <a:t>Abstract Factory</a:t>
-            </a:r>
-          </a:p>
-        </p:txBody>
-      </p:sp>
-      <p:sp>
-        <p:nvSpPr>
-          <p:cNvPr id="4" name="Pladsholder til indhold 2"/>
-          <p:cNvSpPr txBox="1">
-            <a:spLocks/>
-          </p:cNvSpPr>
-          <p:nvPr/>
-        </p:nvSpPr>
-        <p:spPr>
-          <a:xfrm>
-            <a:off x="4623487" y="1735802"/>
-            <a:ext cx="2957384" cy="4754348"/>
-          </a:xfrm>
-          <a:prstGeom prst="rect">
-            <a:avLst/>
-          </a:prstGeom>
-        </p:spPr>
-        <p:txBody>
-          <a:bodyPr vert="horz" lIns="91440" tIns="45720" rIns="91440" bIns="45720" rtlCol="0">
-            <a:normAutofit/>
-          </a:bodyPr>
-          <a:lstStyle>
-            <a:lvl1pPr marL="228600" indent="-228600" algn="l" defTabSz="914400" rtl="0" eaLnBrk="1" latinLnBrk="0" hangingPunct="1">
-              <a:lnSpc>
-                <a:spcPct val="90000"/>
-              </a:lnSpc>
-              <a:spcBef>
-                <a:spcPts val="1000"/>
-              </a:spcBef>
-              <a:buFont typeface="Arial" panose="020B0604020202020204" pitchFamily="34" charset="0"/>
-              <a:buChar char="•"/>
-              <a:defRPr sz="2800" kern="1200">
-                <a:solidFill>
-                  <a:schemeClr val="tx1"/>
-                </a:solidFill>
-                <a:latin typeface="+mn-lt"/>
-                <a:ea typeface="+mn-ea"/>
-                <a:cs typeface="+mn-cs"/>
-              </a:defRPr>
-            </a:lvl1pPr>
-            <a:lvl2pPr marL="685800" indent="-228600" algn="l" defTabSz="914400" rtl="0" eaLnBrk="1" latinLnBrk="0" hangingPunct="1">
-              <a:lnSpc>
-                <a:spcPct val="90000"/>
-              </a:lnSpc>
-              <a:spcBef>
-                <a:spcPts val="500"/>
-              </a:spcBef>
-              <a:buFont typeface="Arial" panose="020B0604020202020204" pitchFamily="34" charset="0"/>
-              <a:buChar char="•"/>
-              <a:defRPr sz="2400" kern="1200">
-                <a:solidFill>
-                  <a:schemeClr val="tx1"/>
-                </a:solidFill>
-                <a:latin typeface="+mn-lt"/>
-                <a:ea typeface="+mn-ea"/>
-                <a:cs typeface="+mn-cs"/>
-              </a:defRPr>
-            </a:lvl2pPr>
-            <a:lvl3pPr marL="1143000" indent="-228600" algn="l" defTabSz="914400" rtl="0" eaLnBrk="1" latinLnBrk="0" hangingPunct="1">
-              <a:lnSpc>
-                <a:spcPct val="90000"/>
-              </a:lnSpc>
-              <a:spcBef>
-                <a:spcPts val="500"/>
-              </a:spcBef>
-              <a:buFont typeface="Arial" panose="020B0604020202020204" pitchFamily="34" charset="0"/>
-              <a:buChar char="•"/>
-              <a:defRPr sz="2000" kern="1200">
-                <a:solidFill>
-                  <a:schemeClr val="tx1"/>
-                </a:solidFill>
-                <a:latin typeface="+mn-lt"/>
-                <a:ea typeface="+mn-ea"/>
-                <a:cs typeface="+mn-cs"/>
-              </a:defRPr>
-            </a:lvl3pPr>
-            <a:lvl4pPr marL="1600200" indent="-228600" algn="l" defTabSz="914400" rtl="0" eaLnBrk="1" latinLnBrk="0" hangingPunct="1">
-              <a:lnSpc>
-                <a:spcPct val="90000"/>
-              </a:lnSpc>
-              <a:spcBef>
-                <a:spcPts val="500"/>
-              </a:spcBef>
-              <a:buFont typeface="Arial" panose="020B0604020202020204" pitchFamily="34" charset="0"/>
-              <a:buChar char="•"/>
-              <a:defRPr sz="1800" kern="1200">
-                <a:solidFill>
-                  <a:schemeClr val="tx1"/>
-                </a:solidFill>
-                <a:latin typeface="+mn-lt"/>
-                <a:ea typeface="+mn-ea"/>
-                <a:cs typeface="+mn-cs"/>
-              </a:defRPr>
-            </a:lvl4pPr>
-            <a:lvl5pPr marL="2057400" indent="-228600" algn="l" defTabSz="914400" rtl="0" eaLnBrk="1" latinLnBrk="0" hangingPunct="1">
-              <a:lnSpc>
-                <a:spcPct val="90000"/>
-              </a:lnSpc>
-              <a:spcBef>
-                <a:spcPts val="500"/>
-              </a:spcBef>
-              <a:buFont typeface="Arial" panose="020B0604020202020204" pitchFamily="34" charset="0"/>
-              <a:buChar char="•"/>
-              <a:defRPr sz="1800" kern="1200">
-                <a:solidFill>
-                  <a:schemeClr val="tx1"/>
-                </a:solidFill>
-                <a:latin typeface="+mn-lt"/>
-                <a:ea typeface="+mn-ea"/>
-                <a:cs typeface="+mn-cs"/>
-              </a:defRPr>
-            </a:lvl5pPr>
-            <a:lvl6pPr marL="2514600" indent="-228600" algn="l" defTabSz="914400" rtl="0" eaLnBrk="1" latinLnBrk="0" hangingPunct="1">
-              <a:lnSpc>
-                <a:spcPct val="90000"/>
-              </a:lnSpc>
-              <a:spcBef>
-                <a:spcPts val="500"/>
-              </a:spcBef>
-              <a:buFont typeface="Arial" panose="020B0604020202020204" pitchFamily="34" charset="0"/>
-              <a:buChar char="•"/>
-              <a:defRPr sz="1800" kern="1200">
-                <a:solidFill>
-                  <a:schemeClr val="tx1"/>
-                </a:solidFill>
-                <a:latin typeface="+mn-lt"/>
-                <a:ea typeface="+mn-ea"/>
-                <a:cs typeface="+mn-cs"/>
-              </a:defRPr>
-            </a:lvl6pPr>
-            <a:lvl7pPr marL="2971800" indent="-228600" algn="l" defTabSz="914400" rtl="0" eaLnBrk="1" latinLnBrk="0" hangingPunct="1">
-              <a:lnSpc>
-                <a:spcPct val="90000"/>
-              </a:lnSpc>
-              <a:spcBef>
-                <a:spcPts val="500"/>
-              </a:spcBef>
-              <a:buFont typeface="Arial" panose="020B0604020202020204" pitchFamily="34" charset="0"/>
-              <a:buChar char="•"/>
-              <a:defRPr sz="1800" kern="1200">
-                <a:solidFill>
-                  <a:schemeClr val="tx1"/>
-                </a:solidFill>
-                <a:latin typeface="+mn-lt"/>
-                <a:ea typeface="+mn-ea"/>
-                <a:cs typeface="+mn-cs"/>
-              </a:defRPr>
-            </a:lvl7pPr>
-            <a:lvl8pPr marL="3429000" indent="-228600" algn="l" defTabSz="914400" rtl="0" eaLnBrk="1" latinLnBrk="0" hangingPunct="1">
-              <a:lnSpc>
-                <a:spcPct val="90000"/>
-              </a:lnSpc>
-              <a:spcBef>
-                <a:spcPts val="500"/>
-              </a:spcBef>
-              <a:buFont typeface="Arial" panose="020B0604020202020204" pitchFamily="34" charset="0"/>
-              <a:buChar char="•"/>
-              <a:defRPr sz="1800" kern="1200">
-                <a:solidFill>
-                  <a:schemeClr val="tx1"/>
-                </a:solidFill>
-                <a:latin typeface="+mn-lt"/>
-                <a:ea typeface="+mn-ea"/>
-                <a:cs typeface="+mn-cs"/>
-              </a:defRPr>
-            </a:lvl8pPr>
-            <a:lvl9pPr marL="3886200" indent="-228600" algn="l" defTabSz="914400" rtl="0" eaLnBrk="1" latinLnBrk="0" hangingPunct="1">
-              <a:lnSpc>
-                <a:spcPct val="90000"/>
-              </a:lnSpc>
-              <a:spcBef>
-                <a:spcPts val="500"/>
-              </a:spcBef>
-              <a:buFont typeface="Arial" panose="020B0604020202020204" pitchFamily="34" charset="0"/>
-              <a:buChar char="•"/>
-              <a:defRPr sz="1800" kern="1200">
-                <a:solidFill>
-                  <a:schemeClr val="tx1"/>
-                </a:solidFill>
-                <a:latin typeface="+mn-lt"/>
-                <a:ea typeface="+mn-ea"/>
-                <a:cs typeface="+mn-cs"/>
-              </a:defRPr>
-            </a:lvl9pPr>
-          </a:lstStyle>
-          <a:p>
-            <a:r>
-              <a:rPr lang="en-US" sz="3200" smtClean="0"/>
-              <a:t>Structural</a:t>
-            </a:r>
-          </a:p>
-          <a:p>
-            <a:pPr lvl="1"/>
-            <a:r>
-              <a:rPr lang="en-US" sz="2800" b="1" smtClean="0"/>
-              <a:t>Adapter</a:t>
-            </a:r>
-          </a:p>
-          <a:p>
-            <a:pPr lvl="1"/>
-            <a:r>
-              <a:rPr lang="en-US" sz="2800" b="1" smtClean="0"/>
-              <a:t>Proxy</a:t>
-            </a:r>
-          </a:p>
-        </p:txBody>
-      </p:sp>
-      <p:sp>
-        <p:nvSpPr>
-          <p:cNvPr id="5" name="Pladsholder til indhold 2"/>
-          <p:cNvSpPr txBox="1">
-            <a:spLocks/>
-          </p:cNvSpPr>
-          <p:nvPr/>
-        </p:nvSpPr>
-        <p:spPr>
-          <a:xfrm>
-            <a:off x="8202826" y="1738655"/>
-            <a:ext cx="3523735" cy="4754348"/>
-          </a:xfrm>
-          <a:prstGeom prst="rect">
-            <a:avLst/>
-          </a:prstGeom>
-        </p:spPr>
-        <p:txBody>
-          <a:bodyPr vert="horz" lIns="91440" tIns="45720" rIns="91440" bIns="45720" rtlCol="0">
-            <a:normAutofit/>
-          </a:bodyPr>
-          <a:lstStyle>
-            <a:lvl1pPr marL="228600" indent="-228600" algn="l" defTabSz="914400" rtl="0" eaLnBrk="1" latinLnBrk="0" hangingPunct="1">
-              <a:lnSpc>
-                <a:spcPct val="90000"/>
-              </a:lnSpc>
-              <a:spcBef>
-                <a:spcPts val="1000"/>
-              </a:spcBef>
-              <a:buFont typeface="Arial" panose="020B0604020202020204" pitchFamily="34" charset="0"/>
-              <a:buChar char="•"/>
-              <a:defRPr sz="2800" kern="1200">
-                <a:solidFill>
-                  <a:schemeClr val="tx1"/>
-                </a:solidFill>
-                <a:latin typeface="+mn-lt"/>
-                <a:ea typeface="+mn-ea"/>
-                <a:cs typeface="+mn-cs"/>
-              </a:defRPr>
-            </a:lvl1pPr>
-            <a:lvl2pPr marL="685800" indent="-228600" algn="l" defTabSz="914400" rtl="0" eaLnBrk="1" latinLnBrk="0" hangingPunct="1">
-              <a:lnSpc>
-                <a:spcPct val="90000"/>
-              </a:lnSpc>
-              <a:spcBef>
-                <a:spcPts val="500"/>
-              </a:spcBef>
-              <a:buFont typeface="Arial" panose="020B0604020202020204" pitchFamily="34" charset="0"/>
-              <a:buChar char="•"/>
-              <a:defRPr sz="2400" kern="1200">
-                <a:solidFill>
-                  <a:schemeClr val="tx1"/>
-                </a:solidFill>
-                <a:latin typeface="+mn-lt"/>
-                <a:ea typeface="+mn-ea"/>
-                <a:cs typeface="+mn-cs"/>
-              </a:defRPr>
-            </a:lvl2pPr>
-            <a:lvl3pPr marL="1143000" indent="-228600" algn="l" defTabSz="914400" rtl="0" eaLnBrk="1" latinLnBrk="0" hangingPunct="1">
-              <a:lnSpc>
-                <a:spcPct val="90000"/>
-              </a:lnSpc>
-              <a:spcBef>
-                <a:spcPts val="500"/>
-              </a:spcBef>
-              <a:buFont typeface="Arial" panose="020B0604020202020204" pitchFamily="34" charset="0"/>
-              <a:buChar char="•"/>
-              <a:defRPr sz="2000" kern="1200">
-                <a:solidFill>
-                  <a:schemeClr val="tx1"/>
-                </a:solidFill>
-                <a:latin typeface="+mn-lt"/>
-                <a:ea typeface="+mn-ea"/>
-                <a:cs typeface="+mn-cs"/>
-              </a:defRPr>
-            </a:lvl3pPr>
-            <a:lvl4pPr marL="1600200" indent="-228600" algn="l" defTabSz="914400" rtl="0" eaLnBrk="1" latinLnBrk="0" hangingPunct="1">
-              <a:lnSpc>
-                <a:spcPct val="90000"/>
-              </a:lnSpc>
-              <a:spcBef>
-                <a:spcPts val="500"/>
-              </a:spcBef>
-              <a:buFont typeface="Arial" panose="020B0604020202020204" pitchFamily="34" charset="0"/>
-              <a:buChar char="•"/>
-              <a:defRPr sz="1800" kern="1200">
-                <a:solidFill>
-                  <a:schemeClr val="tx1"/>
-                </a:solidFill>
-                <a:latin typeface="+mn-lt"/>
-                <a:ea typeface="+mn-ea"/>
-                <a:cs typeface="+mn-cs"/>
-              </a:defRPr>
-            </a:lvl4pPr>
-            <a:lvl5pPr marL="2057400" indent="-228600" algn="l" defTabSz="914400" rtl="0" eaLnBrk="1" latinLnBrk="0" hangingPunct="1">
-              <a:lnSpc>
-                <a:spcPct val="90000"/>
-              </a:lnSpc>
-              <a:spcBef>
-                <a:spcPts val="500"/>
-              </a:spcBef>
-              <a:buFont typeface="Arial" panose="020B0604020202020204" pitchFamily="34" charset="0"/>
-              <a:buChar char="•"/>
-              <a:defRPr sz="1800" kern="1200">
-                <a:solidFill>
-                  <a:schemeClr val="tx1"/>
-                </a:solidFill>
-                <a:latin typeface="+mn-lt"/>
-                <a:ea typeface="+mn-ea"/>
-                <a:cs typeface="+mn-cs"/>
-              </a:defRPr>
-            </a:lvl5pPr>
-            <a:lvl6pPr marL="2514600" indent="-228600" algn="l" defTabSz="914400" rtl="0" eaLnBrk="1" latinLnBrk="0" hangingPunct="1">
-              <a:lnSpc>
-                <a:spcPct val="90000"/>
-              </a:lnSpc>
-              <a:spcBef>
-                <a:spcPts val="500"/>
-              </a:spcBef>
-              <a:buFont typeface="Arial" panose="020B0604020202020204" pitchFamily="34" charset="0"/>
-              <a:buChar char="•"/>
-              <a:defRPr sz="1800" kern="1200">
-                <a:solidFill>
-                  <a:schemeClr val="tx1"/>
-                </a:solidFill>
-                <a:latin typeface="+mn-lt"/>
-                <a:ea typeface="+mn-ea"/>
-                <a:cs typeface="+mn-cs"/>
-              </a:defRPr>
-            </a:lvl6pPr>
-            <a:lvl7pPr marL="2971800" indent="-228600" algn="l" defTabSz="914400" rtl="0" eaLnBrk="1" latinLnBrk="0" hangingPunct="1">
-              <a:lnSpc>
-                <a:spcPct val="90000"/>
-              </a:lnSpc>
-              <a:spcBef>
-                <a:spcPts val="500"/>
-              </a:spcBef>
-              <a:buFont typeface="Arial" panose="020B0604020202020204" pitchFamily="34" charset="0"/>
-              <a:buChar char="•"/>
-              <a:defRPr sz="1800" kern="1200">
-                <a:solidFill>
-                  <a:schemeClr val="tx1"/>
-                </a:solidFill>
-                <a:latin typeface="+mn-lt"/>
-                <a:ea typeface="+mn-ea"/>
-                <a:cs typeface="+mn-cs"/>
-              </a:defRPr>
-            </a:lvl7pPr>
-            <a:lvl8pPr marL="3429000" indent="-228600" algn="l" defTabSz="914400" rtl="0" eaLnBrk="1" latinLnBrk="0" hangingPunct="1">
-              <a:lnSpc>
-                <a:spcPct val="90000"/>
-              </a:lnSpc>
-              <a:spcBef>
-                <a:spcPts val="500"/>
-              </a:spcBef>
-              <a:buFont typeface="Arial" panose="020B0604020202020204" pitchFamily="34" charset="0"/>
-              <a:buChar char="•"/>
-              <a:defRPr sz="1800" kern="1200">
-                <a:solidFill>
-                  <a:schemeClr val="tx1"/>
-                </a:solidFill>
-                <a:latin typeface="+mn-lt"/>
-                <a:ea typeface="+mn-ea"/>
-                <a:cs typeface="+mn-cs"/>
-              </a:defRPr>
-            </a:lvl8pPr>
-            <a:lvl9pPr marL="3886200" indent="-228600" algn="l" defTabSz="914400" rtl="0" eaLnBrk="1" latinLnBrk="0" hangingPunct="1">
-              <a:lnSpc>
-                <a:spcPct val="90000"/>
-              </a:lnSpc>
-              <a:spcBef>
-                <a:spcPts val="500"/>
-              </a:spcBef>
-              <a:buFont typeface="Arial" panose="020B0604020202020204" pitchFamily="34" charset="0"/>
-              <a:buChar char="•"/>
-              <a:defRPr sz="1800" kern="1200">
-                <a:solidFill>
-                  <a:schemeClr val="tx1"/>
-                </a:solidFill>
-                <a:latin typeface="+mn-lt"/>
-                <a:ea typeface="+mn-ea"/>
-                <a:cs typeface="+mn-cs"/>
-              </a:defRPr>
-            </a:lvl9pPr>
-          </a:lstStyle>
-          <a:p>
-            <a:r>
-              <a:rPr lang="en-US" sz="3200" smtClean="0"/>
-              <a:t>Behavioral</a:t>
-            </a:r>
-          </a:p>
-          <a:p>
-            <a:pPr lvl="1"/>
-            <a:r>
-              <a:rPr lang="en-US" sz="2800" b="1" smtClean="0"/>
-              <a:t>Template Method</a:t>
-            </a:r>
-          </a:p>
-          <a:p>
-            <a:pPr lvl="1"/>
-            <a:r>
-              <a:rPr lang="en-US" sz="2800" b="1" smtClean="0"/>
-              <a:t>Command</a:t>
-            </a:r>
-            <a:endParaRPr lang="en-US" sz="2800" b="1"/>
-          </a:p>
-        </p:txBody>
-      </p:sp>
-    </p:spTree>
-    <p:extLst>
-      <p:ext uri="{BB962C8B-B14F-4D97-AF65-F5344CB8AC3E}">
-        <p14:creationId xmlns:p14="http://schemas.microsoft.com/office/powerpoint/2010/main" val="636358529"/>
-      </p:ext>
-    </p:extLst>
-  </p:cSld>
-  <p:clrMapOvr>
-    <a:masterClrMapping/>
-  </p:clrMapOvr>
-  <p:timing>
-    <p:tnLst>
-      <p:par>
-        <p:cTn id="1" dur="indefinite" restart="never" nodeType="tmRoot"/>
-      </p:par>
-    </p:tnLst>
-  </p:timing>
-</p:sld>
-</file>
-
-<file path=ppt/slides/slide35.xml><?xml version="1.0" encoding="utf-8"?>
-<p:sld xmlns:a="http://schemas.openxmlformats.org/drawingml/2006/main" xmlns:r="http://schemas.openxmlformats.org/officeDocument/2006/relationships" xmlns:p="http://schemas.openxmlformats.org/presentationml/2006/main">
-  <p:cSld>
-    <p:spTree>
-      <p:nvGrpSpPr>
-        <p:cNvPr id="1" name=""/>
-        <p:cNvGrpSpPr/>
-        <p:nvPr/>
-      </p:nvGrpSpPr>
-      <p:grpSpPr>
-        <a:xfrm>
-          <a:off x="0" y="0"/>
-          <a:ext cx="0" cy="0"/>
-          <a:chOff x="0" y="0"/>
-          <a:chExt cx="0" cy="0"/>
-        </a:xfrm>
-      </p:grpSpPr>
-      <p:sp>
-        <p:nvSpPr>
-          <p:cNvPr id="2" name="Titel 1"/>
-          <p:cNvSpPr>
-            <a:spLocks noGrp="1"/>
-          </p:cNvSpPr>
-          <p:nvPr>
-            <p:ph type="title"/>
-          </p:nvPr>
-        </p:nvSpPr>
-        <p:spPr>
-          <a:xfrm>
-            <a:off x="838200" y="407236"/>
-            <a:ext cx="10515600" cy="1325563"/>
-          </a:xfrm>
-        </p:spPr>
-        <p:txBody>
-          <a:bodyPr/>
-          <a:lstStyle/>
-          <a:p>
-            <a:r>
-              <a:rPr lang="da-DK" b="1" smtClean="0"/>
-              <a:t>Design Pattern scale – Architecture</a:t>
-            </a:r>
-            <a:endParaRPr lang="da-DK" b="1"/>
-          </a:p>
-        </p:txBody>
-      </p:sp>
-      <p:sp>
-        <p:nvSpPr>
-          <p:cNvPr id="3" name="Pladsholder til indhold 2"/>
-          <p:cNvSpPr>
-            <a:spLocks noGrp="1"/>
-          </p:cNvSpPr>
-          <p:nvPr>
-            <p:ph idx="1"/>
-          </p:nvPr>
-        </p:nvSpPr>
-        <p:spPr>
-          <a:xfrm>
-            <a:off x="838200" y="1825625"/>
-            <a:ext cx="10078995" cy="4754348"/>
-          </a:xfrm>
-        </p:spPr>
-        <p:txBody>
-          <a:bodyPr>
-            <a:normAutofit/>
-          </a:bodyPr>
-          <a:lstStyle/>
-          <a:p>
-            <a:r>
-              <a:rPr lang="en-US" sz="3200" smtClean="0"/>
-              <a:t>More complex than previous level – encompasses structure of entire application</a:t>
-            </a:r>
-          </a:p>
-          <a:p>
-            <a:r>
-              <a:rPr lang="en-US" sz="3200" b="1" smtClean="0"/>
-              <a:t>Examples</a:t>
-            </a:r>
-            <a:r>
-              <a:rPr lang="en-US" sz="3200" smtClean="0"/>
-              <a:t>:</a:t>
-            </a:r>
-          </a:p>
-          <a:p>
-            <a:pPr lvl="1"/>
-            <a:r>
-              <a:rPr lang="en-US" sz="2800" smtClean="0"/>
-              <a:t>Data Warehouse</a:t>
-            </a:r>
-          </a:p>
-          <a:p>
-            <a:pPr lvl="1"/>
-            <a:r>
-              <a:rPr lang="en-US" sz="2800" smtClean="0"/>
-              <a:t>MVC/MVVM</a:t>
-            </a:r>
-          </a:p>
-          <a:p>
-            <a:pPr lvl="1"/>
-            <a:r>
-              <a:rPr lang="en-US" sz="2800" smtClean="0"/>
-              <a:t>Microservices</a:t>
-            </a:r>
-          </a:p>
-          <a:p>
-            <a:pPr lvl="1"/>
-            <a:r>
-              <a:rPr lang="en-US" sz="2800" smtClean="0"/>
-              <a:t>Machine Learning</a:t>
-            </a:r>
-            <a:endParaRPr lang="en-US" smtClean="0"/>
-          </a:p>
-        </p:txBody>
-      </p:sp>
-    </p:spTree>
-    <p:extLst>
-      <p:ext uri="{BB962C8B-B14F-4D97-AF65-F5344CB8AC3E}">
-        <p14:creationId xmlns:p14="http://schemas.microsoft.com/office/powerpoint/2010/main" val="3507257788"/>
-      </p:ext>
-    </p:extLst>
-  </p:cSld>
-  <p:clrMapOvr>
-    <a:masterClrMapping/>
-  </p:clrMapOvr>
-  <p:timing>
-    <p:tnLst>
-      <p:par>
-        <p:cTn id="1" dur="indefinite" restart="never" nodeType="tmRoot"/>
-      </p:par>
-    </p:tnLst>
-  </p:timing>
-</p:sld>
-</file>
-
-<file path=ppt/slides/slide36.xml><?xml version="1.0" encoding="utf-8"?>
-<p:sld xmlns:a="http://schemas.openxmlformats.org/drawingml/2006/main" xmlns:r="http://schemas.openxmlformats.org/officeDocument/2006/relationships" xmlns:p="http://schemas.openxmlformats.org/presentationml/2006/main">
-  <p:cSld>
-    <p:spTree>
-      <p:nvGrpSpPr>
-        <p:cNvPr id="1" name=""/>
-        <p:cNvGrpSpPr/>
-        <p:nvPr/>
-      </p:nvGrpSpPr>
-      <p:grpSpPr>
-        <a:xfrm>
-          <a:off x="0" y="0"/>
-          <a:ext cx="0" cy="0"/>
-          <a:chOff x="0" y="0"/>
-          <a:chExt cx="0" cy="0"/>
-        </a:xfrm>
-      </p:grpSpPr>
-      <p:sp>
-        <p:nvSpPr>
-          <p:cNvPr id="2" name="Titel 1"/>
-          <p:cNvSpPr>
-            <a:spLocks noGrp="1"/>
-          </p:cNvSpPr>
-          <p:nvPr>
-            <p:ph type="title"/>
-          </p:nvPr>
-        </p:nvSpPr>
-        <p:spPr>
-          <a:xfrm>
-            <a:off x="838200" y="407236"/>
-            <a:ext cx="10515600" cy="1325563"/>
-          </a:xfrm>
-        </p:spPr>
-        <p:txBody>
-          <a:bodyPr/>
-          <a:lstStyle/>
-          <a:p>
-            <a:r>
-              <a:rPr lang="da-DK" b="1" smtClean="0"/>
-              <a:t>Design Patterns in this course</a:t>
-            </a:r>
-            <a:endParaRPr lang="da-DK" b="1"/>
-          </a:p>
-        </p:txBody>
-      </p:sp>
-      <p:sp>
-        <p:nvSpPr>
-          <p:cNvPr id="3" name="Pladsholder til indhold 2"/>
-          <p:cNvSpPr>
-            <a:spLocks noGrp="1"/>
-          </p:cNvSpPr>
-          <p:nvPr>
-            <p:ph idx="1"/>
-          </p:nvPr>
-        </p:nvSpPr>
-        <p:spPr>
-          <a:xfrm>
-            <a:off x="838200" y="1825625"/>
-            <a:ext cx="6396681" cy="4754348"/>
-          </a:xfrm>
-        </p:spPr>
-        <p:txBody>
-          <a:bodyPr>
-            <a:normAutofit/>
-          </a:bodyPr>
-          <a:lstStyle/>
-          <a:p>
-            <a:r>
-              <a:rPr lang="en-US" sz="3200" smtClean="0"/>
-              <a:t>Typically at the Class Relations level</a:t>
-            </a:r>
-          </a:p>
-          <a:p>
-            <a:r>
-              <a:rPr lang="en-US" sz="3200" smtClean="0"/>
-              <a:t>We will take a look at some slightly more complex Design Patterns from the canonical Design Patterns book</a:t>
-            </a:r>
-          </a:p>
-          <a:p>
-            <a:r>
-              <a:rPr lang="en-US" sz="3200" smtClean="0"/>
-              <a:t>Not necessarily use material from the book…</a:t>
-            </a:r>
-            <a:endParaRPr lang="en-US" sz="2800" smtClean="0"/>
-          </a:p>
-        </p:txBody>
-      </p:sp>
-      <p:pic>
-        <p:nvPicPr>
-          <p:cNvPr id="4" name="Picture 2" descr="Billedresultat for design patterns elements"/>
-          <p:cNvPicPr>
-            <a:picLocks noChangeAspect="1" noChangeArrowheads="1"/>
-          </p:cNvPicPr>
-          <p:nvPr/>
-        </p:nvPicPr>
-        <p:blipFill>
-          <a:blip r:embed="rId2">
-            <a:extLst>
-              <a:ext uri="{28A0092B-C50C-407E-A947-70E740481C1C}">
-                <a14:useLocalDpi xmlns:a14="http://schemas.microsoft.com/office/drawing/2010/main" val="0"/>
-              </a:ext>
-            </a:extLst>
-          </a:blip>
-          <a:srcRect/>
-          <a:stretch>
-            <a:fillRect/>
-          </a:stretch>
-        </p:blipFill>
-        <p:spPr bwMode="auto">
-          <a:xfrm>
-            <a:off x="8340812" y="1390391"/>
-            <a:ext cx="3352142" cy="4213399"/>
-          </a:xfrm>
-          <a:prstGeom prst="rect">
-            <a:avLst/>
-          </a:prstGeom>
-          <a:noFill/>
-          <a:extLst>
-            <a:ext uri="{909E8E84-426E-40DD-AFC4-6F175D3DCCD1}">
-              <a14:hiddenFill xmlns:a14="http://schemas.microsoft.com/office/drawing/2010/main">
-                <a:solidFill>
-                  <a:srgbClr val="FFFFFF"/>
-                </a:solidFill>
-              </a14:hiddenFill>
-            </a:ext>
-          </a:extLst>
-        </p:spPr>
-      </p:pic>
-    </p:spTree>
-    <p:extLst>
-      <p:ext uri="{BB962C8B-B14F-4D97-AF65-F5344CB8AC3E}">
-        <p14:creationId xmlns:p14="http://schemas.microsoft.com/office/powerpoint/2010/main" val="4159338346"/>
-      </p:ext>
-    </p:extLst>
-  </p:cSld>
-  <p:clrMapOvr>
-    <a:masterClrMapping/>
-  </p:clrMapOvr>
-  <p:timing>
-    <p:tnLst>
-      <p:par>
-        <p:cTn id="1" dur="indefinite" restart="never" nodeType="tmRoot"/>
-      </p:par>
-    </p:tnLst>
-  </p:timing>
-</p:sld>
-</file>
-
-<file path=ppt/slides/slide37.xml><?xml version="1.0" encoding="utf-8"?>
-<p:sld xmlns:a="http://schemas.openxmlformats.org/drawingml/2006/main" xmlns:r="http://schemas.openxmlformats.org/officeDocument/2006/relationships" xmlns:p="http://schemas.openxmlformats.org/presentationml/2006/main">
-  <p:cSld>
-    <p:spTree>
-      <p:nvGrpSpPr>
-        <p:cNvPr id="1" name=""/>
-        <p:cNvGrpSpPr/>
-        <p:nvPr/>
-      </p:nvGrpSpPr>
-      <p:grpSpPr>
-        <a:xfrm>
-          <a:off x="0" y="0"/>
-          <a:ext cx="0" cy="0"/>
-          <a:chOff x="0" y="0"/>
-          <a:chExt cx="0" cy="0"/>
-        </a:xfrm>
-      </p:grpSpPr>
-      <p:sp>
-        <p:nvSpPr>
-          <p:cNvPr id="2" name="Titel 1"/>
-          <p:cNvSpPr>
-            <a:spLocks noGrp="1"/>
-          </p:cNvSpPr>
-          <p:nvPr>
-            <p:ph type="ctrTitle"/>
-          </p:nvPr>
-        </p:nvSpPr>
-        <p:spPr>
-          <a:xfrm>
-            <a:off x="275751" y="1044147"/>
-            <a:ext cx="11534274" cy="4308768"/>
-          </a:xfrm>
-        </p:spPr>
-        <p:txBody>
-          <a:bodyPr anchor="ctr">
-            <a:normAutofit/>
-          </a:bodyPr>
-          <a:lstStyle/>
-          <a:p>
-            <a:r>
-              <a:rPr lang="da-DK" sz="9600" b="1" smtClean="0"/>
-              <a:t>Design Patterns</a:t>
-            </a:r>
-            <a:br>
-              <a:rPr lang="da-DK" sz="9600" b="1" smtClean="0"/>
-            </a:br>
-            <a:r>
-              <a:rPr lang="da-DK" sz="9600" b="1" smtClean="0"/>
-              <a:t>in</a:t>
-            </a:r>
-            <a:r>
-              <a:rPr lang="da-DK" sz="9600" b="1"/>
-              <a:t> </a:t>
-            </a:r>
-            <a:r>
-              <a:rPr lang="da-DK" sz="9600" b="1" smtClean="0"/>
-              <a:t>two words…</a:t>
-            </a:r>
-            <a:endParaRPr lang="da-DK" sz="9600" i="1"/>
-          </a:p>
-        </p:txBody>
-      </p:sp>
-    </p:spTree>
-    <p:extLst>
-      <p:ext uri="{BB962C8B-B14F-4D97-AF65-F5344CB8AC3E}">
-        <p14:creationId xmlns:p14="http://schemas.microsoft.com/office/powerpoint/2010/main" val="417890088"/>
-      </p:ext>
-    </p:extLst>
-  </p:cSld>
-  <p:clrMapOvr>
-    <a:masterClrMapping/>
-  </p:clrMapOvr>
-  <p:timing>
-    <p:tnLst>
-      <p:par>
-        <p:cTn id="1" dur="indefinite" restart="never" nodeType="tmRoot"/>
-      </p:par>
-    </p:tnLst>
-  </p:timing>
-</p:sld>
-</file>
-
-<file path=ppt/slides/slide38.xml><?xml version="1.0" encoding="utf-8"?>
-<p:sld xmlns:a="http://schemas.openxmlformats.org/drawingml/2006/main" xmlns:r="http://schemas.openxmlformats.org/officeDocument/2006/relationships" xmlns:p="http://schemas.openxmlformats.org/presentationml/2006/main">
-  <p:cSld>
-    <p:spTree>
-      <p:nvGrpSpPr>
-        <p:cNvPr id="1" name=""/>
-        <p:cNvGrpSpPr/>
-        <p:nvPr/>
-      </p:nvGrpSpPr>
-      <p:grpSpPr>
-        <a:xfrm>
-          <a:off x="0" y="0"/>
-          <a:ext cx="0" cy="0"/>
-          <a:chOff x="0" y="0"/>
-          <a:chExt cx="0" cy="0"/>
-        </a:xfrm>
-      </p:grpSpPr>
-      <p:sp>
-        <p:nvSpPr>
-          <p:cNvPr id="2" name="Titel 1"/>
-          <p:cNvSpPr>
-            <a:spLocks noGrp="1"/>
-          </p:cNvSpPr>
-          <p:nvPr>
-            <p:ph type="ctrTitle"/>
-          </p:nvPr>
-        </p:nvSpPr>
-        <p:spPr>
-          <a:xfrm>
-            <a:off x="275751" y="1044147"/>
-            <a:ext cx="11534274" cy="4308768"/>
-          </a:xfrm>
-        </p:spPr>
-        <p:txBody>
-          <a:bodyPr anchor="ctr">
-            <a:normAutofit/>
-          </a:bodyPr>
-          <a:lstStyle/>
-          <a:p>
-            <a:r>
-              <a:rPr lang="da-DK" sz="9600" b="1" smtClean="0">
-                <a:solidFill>
-                  <a:srgbClr val="FF0000"/>
-                </a:solidFill>
-              </a:rPr>
-              <a:t>Isolate variation!</a:t>
-            </a:r>
-            <a:endParaRPr lang="da-DK" sz="9600" i="1"/>
-          </a:p>
-        </p:txBody>
-      </p:sp>
-    </p:spTree>
-    <p:extLst>
-      <p:ext uri="{BB962C8B-B14F-4D97-AF65-F5344CB8AC3E}">
-        <p14:creationId xmlns:p14="http://schemas.microsoft.com/office/powerpoint/2010/main" val="1138871176"/>
-      </p:ext>
-    </p:extLst>
-  </p:cSld>
-  <p:clrMapOvr>
-    <a:masterClrMapping/>
-  </p:clrMapOvr>
-  <mc:AlternateContent xmlns:mc="http://schemas.openxmlformats.org/markup-compatibility/2006">
-    <mc:Choice xmlns:p14="http://schemas.microsoft.com/office/powerpoint/2010/main" Requires="p14">
-      <p:transition spd="med" p14:dur="700">
-        <p:fade/>
-      </p:transition>
-    </mc:Choice>
-    <mc:Fallback>
-      <p:transition spd="med">
-        <p:fade/>
-      </p:transition>
-    </mc:Fallback>
-  </mc:AlternateContent>
-  <p:timing>
-    <p:tnLst>
-      <p:par>
-        <p:cTn id="1" dur="indefinite" restart="never" nodeType="tmRoot"/>
-      </p:par>
-    </p:tnLst>
-  </p:timing>
-</p:sld>
-</file>
-
-<file path=ppt/slides/slide39.xml><?xml version="1.0" encoding="utf-8"?>
-<p:sld xmlns:a="http://schemas.openxmlformats.org/drawingml/2006/main" xmlns:r="http://schemas.openxmlformats.org/officeDocument/2006/relationships" xmlns:p="http://schemas.openxmlformats.org/presentationml/2006/main">
-  <p:cSld>
-    <p:spTree>
-      <p:nvGrpSpPr>
-        <p:cNvPr id="1" name=""/>
-        <p:cNvGrpSpPr/>
-        <p:nvPr/>
-      </p:nvGrpSpPr>
-      <p:grpSpPr>
-        <a:xfrm>
-          <a:off x="0" y="0"/>
-          <a:ext cx="0" cy="0"/>
-          <a:chOff x="0" y="0"/>
-          <a:chExt cx="0" cy="0"/>
-        </a:xfrm>
-      </p:grpSpPr>
-      <p:sp>
-        <p:nvSpPr>
-          <p:cNvPr id="2" name="Titel 1"/>
-          <p:cNvSpPr>
-            <a:spLocks noGrp="1"/>
-          </p:cNvSpPr>
-          <p:nvPr>
-            <p:ph type="ctrTitle"/>
-          </p:nvPr>
-        </p:nvSpPr>
-        <p:spPr>
-          <a:xfrm>
-            <a:off x="312822" y="171869"/>
-            <a:ext cx="11534274" cy="4995694"/>
-          </a:xfrm>
-        </p:spPr>
-        <p:txBody>
-          <a:bodyPr anchor="ctr">
-            <a:normAutofit/>
-          </a:bodyPr>
-          <a:lstStyle/>
-          <a:p>
-            <a:r>
-              <a:rPr lang="da-DK" sz="9600" b="1" smtClean="0"/>
-              <a:t>What </a:t>
-            </a:r>
-            <a:r>
-              <a:rPr lang="da-DK" sz="9600" b="1" smtClean="0"/>
-              <a:t>is </a:t>
-            </a:r>
-            <a:br>
-              <a:rPr lang="da-DK" sz="9600" b="1" smtClean="0"/>
-            </a:br>
-            <a:r>
-              <a:rPr lang="da-DK" sz="9600" b="1" smtClean="0">
-                <a:solidFill>
-                  <a:srgbClr val="FF0000"/>
-                </a:solidFill>
-              </a:rPr>
-              <a:t>Refactoring</a:t>
-            </a:r>
-            <a:r>
-              <a:rPr lang="da-DK" sz="9600" b="1" smtClean="0"/>
-              <a:t>?</a:t>
-            </a:r>
-            <a:endParaRPr lang="da-DK" sz="9600" i="1"/>
-          </a:p>
-        </p:txBody>
-      </p:sp>
-    </p:spTree>
-    <p:extLst>
-      <p:ext uri="{BB962C8B-B14F-4D97-AF65-F5344CB8AC3E}">
-        <p14:creationId xmlns:p14="http://schemas.microsoft.com/office/powerpoint/2010/main" val="122081899"/>
-      </p:ext>
-    </p:extLst>
-  </p:cSld>
-  <p:clrMapOvr>
-    <a:masterClrMapping/>
-  </p:clrMapOvr>
-  <mc:AlternateContent xmlns:mc="http://schemas.openxmlformats.org/markup-compatibility/2006">
-    <mc:Choice xmlns:p14="http://schemas.microsoft.com/office/powerpoint/2010/main" Requires="p14">
-      <p:transition spd="med" p14:dur="700">
-        <p:fade/>
-      </p:transition>
-    </mc:Choice>
-    <mc:Fallback>
+    <mc:Fallback xmlns="">
       <p:transition spd="med">
         <p:fade/>
       </p:transition>
@@ -8104,7 +7909,7 @@
         <p:spPr>
           <a:xfrm>
             <a:off x="838201" y="1825625"/>
-            <a:ext cx="6001264" cy="4351338"/>
+            <a:ext cx="7922740" cy="4351338"/>
           </a:xfrm>
         </p:spPr>
         <p:txBody>
@@ -8136,13 +7941,7 @@
               <a:rPr lang="da-DK" sz="2800" smtClean="0">
                 <a:sym typeface="Wingdings" panose="05000000000000000000" pitchFamily="2" charset="2"/>
               </a:rPr>
-              <a:t>: </a:t>
-            </a:r>
-            <a:r>
-              <a:rPr lang="da-DK" sz="2800" smtClean="0">
-                <a:sym typeface="Wingdings" panose="05000000000000000000" pitchFamily="2" charset="2"/>
-              </a:rPr>
-              <a:t>Born</a:t>
+              <a:t>: Born</a:t>
             </a:r>
           </a:p>
           <a:p>
@@ -8157,13 +7956,7 @@
               <a:rPr lang="da-DK" sz="2800" smtClean="0">
                 <a:sym typeface="Wingdings" panose="05000000000000000000" pitchFamily="2" charset="2"/>
               </a:rPr>
-              <a:t>: </a:t>
-            </a:r>
-            <a:r>
-              <a:rPr lang="da-DK" sz="2800" smtClean="0">
-                <a:sym typeface="Wingdings" panose="05000000000000000000" pitchFamily="2" charset="2"/>
-              </a:rPr>
-              <a:t>Ph.D. Computer Science</a:t>
+              <a:t>: Ph.D. Computer Science</a:t>
             </a:r>
           </a:p>
           <a:p>
@@ -8193,7 +7986,13 @@
               <a:rPr lang="da-DK" sz="2800" smtClean="0">
                 <a:sym typeface="Wingdings" panose="05000000000000000000" pitchFamily="2" charset="2"/>
               </a:rPr>
-              <a:t>: Teacher EASJ</a:t>
+              <a:t>: Teacher </a:t>
+            </a:r>
+            <a:r>
+              <a:rPr lang="da-DK" sz="2800" smtClean="0">
+                <a:sym typeface="Wingdings" panose="05000000000000000000" pitchFamily="2" charset="2"/>
+              </a:rPr>
+              <a:t>Zealand (Z3414nd…)</a:t>
             </a:r>
             <a:endParaRPr lang="da-DK" sz="2800">
               <a:sym typeface="Wingdings" panose="05000000000000000000" pitchFamily="2" charset="2"/>
@@ -8210,21 +8009,21 @@
               <a:rPr lang="da-DK" sz="3200" b="1" smtClean="0">
                 <a:sym typeface="Wingdings" panose="05000000000000000000" pitchFamily="2" charset="2"/>
               </a:rPr>
-              <a:t>perl-easj.dk /about.html</a:t>
+              <a:t>perl-easj.dk/about.html</a:t>
             </a:r>
           </a:p>
         </p:txBody>
       </p:sp>
       <p:pic>
         <p:nvPicPr>
-          <p:cNvPr id="5" name="Billede 4"/>
+          <p:cNvPr id="6" name="Billede 5"/>
           <p:cNvPicPr>
             <a:picLocks noChangeAspect="1"/>
           </p:cNvPicPr>
           <p:nvPr/>
         </p:nvPicPr>
         <p:blipFill>
-          <a:blip r:embed="rId2">
+          <a:blip r:embed="rId2" cstate="print">
             <a:extLst>
               <a:ext uri="{28A0092B-C50C-407E-A947-70E740481C1C}">
                 <a14:useLocalDpi xmlns:a14="http://schemas.microsoft.com/office/drawing/2010/main" val="0"/>
@@ -8237,8 +8036,8 @@
         </p:blipFill>
         <p:spPr>
           <a:xfrm>
-            <a:off x="8888340" y="1690688"/>
-            <a:ext cx="2838092" cy="3345849"/>
+            <a:off x="9722604" y="1690689"/>
+            <a:ext cx="2003827" cy="2362328"/>
           </a:xfrm>
           <a:prstGeom prst="rect">
             <a:avLst/>
@@ -8305,8 +8104,30 @@
           <a:lstStyle/>
           <a:p>
             <a:r>
+              <a:rPr lang="da-DK" sz="9600" b="1" smtClean="0">
+                <a:solidFill>
+                  <a:srgbClr val="FF0000"/>
+                </a:solidFill>
+              </a:rPr>
+              <a:t>Design Patterns</a:t>
+            </a:r>
+            <a:br>
+              <a:rPr lang="da-DK" sz="9600" b="1" smtClean="0">
+                <a:solidFill>
+                  <a:srgbClr val="FF0000"/>
+                </a:solidFill>
+              </a:rPr>
+            </a:br>
+            <a:r>
               <a:rPr lang="da-DK" sz="9600" b="1" smtClean="0"/>
-              <a:t>2ab + 14b + 5ab</a:t>
+              <a:t>=</a:t>
+            </a:r>
+            <a:br>
+              <a:rPr lang="da-DK" sz="9600" b="1" smtClean="0"/>
+            </a:br>
+            <a:r>
+              <a:rPr lang="da-DK" sz="9600" b="1" smtClean="0"/>
+              <a:t>Distilled Experience</a:t>
             </a:r>
             <a:endParaRPr lang="da-DK" sz="9600" i="1"/>
           </a:p>
@@ -8315,20 +8136,20 @@
     </p:spTree>
     <p:extLst>
       <p:ext uri="{BB962C8B-B14F-4D97-AF65-F5344CB8AC3E}">
-        <p14:creationId xmlns:p14="http://schemas.microsoft.com/office/powerpoint/2010/main" val="1829177364"/>
+        <p14:creationId xmlns:p14="http://schemas.microsoft.com/office/powerpoint/2010/main" val="4022861402"/>
       </p:ext>
     </p:extLst>
   </p:cSld>
   <p:clrMapOvr>
     <a:masterClrMapping/>
   </p:clrMapOvr>
-  <mc:AlternateContent xmlns:mc="http://schemas.openxmlformats.org/markup-compatibility/2006">
-    <mc:Choice xmlns:p14="http://schemas.microsoft.com/office/powerpoint/2010/main" Requires="p14">
+  <mc:AlternateContent xmlns:mc="http://schemas.openxmlformats.org/markup-compatibility/2006" xmlns:p14="http://schemas.microsoft.com/office/powerpoint/2010/main">
+    <mc:Choice Requires="p14">
       <p:transition spd="med" p14:dur="700">
         <p:fade/>
       </p:transition>
     </mc:Choice>
-    <mc:Fallback>
+    <mc:Fallback xmlns="">
       <p:transition spd="med">
         <p:fade/>
       </p:transition>
@@ -8368,75 +8189,232 @@
             <a:spLocks noGrp="1"/>
           </p:cNvSpPr>
           <p:nvPr>
-            <p:ph type="ctrTitle"/>
+            <p:ph type="title"/>
           </p:nvPr>
         </p:nvSpPr>
         <p:spPr>
           <a:xfrm>
-            <a:off x="275751" y="1044147"/>
-            <a:ext cx="11534274" cy="4308768"/>
+            <a:off x="838200" y="407236"/>
+            <a:ext cx="10515600" cy="1325563"/>
           </a:xfrm>
         </p:spPr>
         <p:txBody>
-          <a:bodyPr anchor="ctr">
+          <a:bodyPr/>
+          <a:lstStyle/>
+          <a:p>
+            <a:r>
+              <a:rPr lang="da-DK" b="1" smtClean="0"/>
+              <a:t>Design Pattern scale – Code Idioms</a:t>
+            </a:r>
+            <a:endParaRPr lang="da-DK" b="1"/>
+          </a:p>
+        </p:txBody>
+      </p:sp>
+      <p:sp>
+        <p:nvSpPr>
+          <p:cNvPr id="3" name="Pladsholder til indhold 2"/>
+          <p:cNvSpPr>
+            <a:spLocks noGrp="1"/>
+          </p:cNvSpPr>
+          <p:nvPr>
+            <p:ph idx="1"/>
+          </p:nvPr>
+        </p:nvSpPr>
+        <p:spPr>
+          <a:xfrm>
+            <a:off x="838200" y="1825625"/>
+            <a:ext cx="10078995" cy="4754348"/>
+          </a:xfrm>
+        </p:spPr>
+        <p:txBody>
+          <a:bodyPr>
             <a:normAutofit/>
           </a:bodyPr>
           <a:lstStyle/>
           <a:p>
             <a:r>
-              <a:rPr lang="da-DK" sz="9600" b="1" smtClean="0"/>
-              <a:t>2</a:t>
-            </a:r>
-            <a:r>
-              <a:rPr lang="da-DK" sz="9600" b="1" smtClean="0">
-                <a:solidFill>
-                  <a:srgbClr val="FF0000"/>
-                </a:solidFill>
+              <a:rPr lang="en-US" sz="3200" smtClean="0"/>
+              <a:t>Short snippets of code for very common problems</a:t>
+            </a:r>
+          </a:p>
+          <a:p>
+            <a:r>
+              <a:rPr lang="en-US" sz="3200" b="1" smtClean="0"/>
+              <a:t>Example</a:t>
+            </a:r>
+            <a:r>
+              <a:rPr lang="en-US" sz="3200" smtClean="0"/>
+              <a:t>: Print out all items in a </a:t>
+            </a:r>
+            <a:r>
+              <a:rPr lang="en-US" sz="3200" b="1" smtClean="0"/>
+              <a:t>List&lt;T&gt;:</a:t>
+            </a:r>
+          </a:p>
+          <a:p>
+            <a:pPr marL="0" indent="0">
+              <a:spcBef>
+                <a:spcPts val="0"/>
+              </a:spcBef>
+              <a:buNone/>
+            </a:pPr>
+            <a:endParaRPr lang="en-US" b="1" smtClean="0">
+              <a:solidFill>
+                <a:srgbClr val="0000FF"/>
+              </a:solidFill>
+              <a:latin typeface="Consolas" panose="020B0609020204030204" pitchFamily="49" charset="0"/>
+            </a:endParaRPr>
+          </a:p>
+          <a:p>
+            <a:pPr marL="0" indent="0">
+              <a:spcBef>
+                <a:spcPts val="0"/>
+              </a:spcBef>
+              <a:buNone/>
+            </a:pPr>
+            <a:r>
+              <a:rPr lang="en-US" sz="2400" b="1" smtClean="0">
+                <a:solidFill>
+                  <a:srgbClr val="0000FF"/>
+                </a:solidFill>
+                <a:latin typeface="Consolas" panose="020B0609020204030204" pitchFamily="49" charset="0"/>
               </a:rPr>
-              <a:t>ab</a:t>
-            </a:r>
-            <a:r>
-              <a:rPr lang="da-DK" sz="9600" b="1" smtClean="0"/>
-              <a:t> + 14b + 5</a:t>
-            </a:r>
-            <a:r>
-              <a:rPr lang="da-DK" sz="9600" b="1" smtClean="0">
-                <a:solidFill>
-                  <a:srgbClr val="FF0000"/>
-                </a:solidFill>
+              <a:t>foreach</a:t>
+            </a:r>
+            <a:r>
+              <a:rPr lang="en-US" sz="2400" b="1" smtClean="0">
+                <a:solidFill>
+                  <a:srgbClr val="000000"/>
+                </a:solidFill>
+                <a:latin typeface="Consolas" panose="020B0609020204030204" pitchFamily="49" charset="0"/>
               </a:rPr>
-              <a:t>ab</a:t>
-            </a:r>
-            <a:endParaRPr lang="da-DK" sz="9600" i="1">
+              <a:t> </a:t>
+            </a:r>
+            <a:r>
+              <a:rPr lang="en-US" sz="2400" b="1">
+                <a:solidFill>
+                  <a:srgbClr val="000000"/>
+                </a:solidFill>
+                <a:latin typeface="Consolas" panose="020B0609020204030204" pitchFamily="49" charset="0"/>
+              </a:rPr>
+              <a:t>(</a:t>
+            </a:r>
+            <a:r>
+              <a:rPr lang="en-US" sz="2400" b="1">
+                <a:solidFill>
+                  <a:srgbClr val="2B91AF"/>
+                </a:solidFill>
+                <a:latin typeface="Consolas" panose="020B0609020204030204" pitchFamily="49" charset="0"/>
+              </a:rPr>
+              <a:t>T</a:t>
+            </a:r>
+            <a:r>
+              <a:rPr lang="en-US" sz="2400" b="1">
+                <a:solidFill>
+                  <a:srgbClr val="000000"/>
+                </a:solidFill>
+                <a:latin typeface="Consolas" panose="020B0609020204030204" pitchFamily="49" charset="0"/>
+              </a:rPr>
+              <a:t> item </a:t>
+            </a:r>
+            <a:r>
+              <a:rPr lang="en-US" sz="2400" b="1">
+                <a:solidFill>
+                  <a:srgbClr val="0000FF"/>
+                </a:solidFill>
+                <a:latin typeface="Consolas" panose="020B0609020204030204" pitchFamily="49" charset="0"/>
+              </a:rPr>
+              <a:t>in</a:t>
+            </a:r>
+            <a:r>
+              <a:rPr lang="en-US" sz="2400" b="1">
+                <a:solidFill>
+                  <a:srgbClr val="000000"/>
+                </a:solidFill>
+                <a:latin typeface="Consolas" panose="020B0609020204030204" pitchFamily="49" charset="0"/>
+              </a:rPr>
+              <a:t> items)</a:t>
+            </a:r>
+          </a:p>
+          <a:p>
+            <a:pPr marL="0" indent="0">
+              <a:spcBef>
+                <a:spcPts val="0"/>
+              </a:spcBef>
+              <a:buNone/>
+            </a:pPr>
+            <a:r>
+              <a:rPr lang="da-DK" sz="2400" b="1" smtClean="0">
+                <a:solidFill>
+                  <a:srgbClr val="000000"/>
+                </a:solidFill>
+                <a:latin typeface="Consolas" panose="020B0609020204030204" pitchFamily="49" charset="0"/>
+              </a:rPr>
+              <a:t>{</a:t>
+            </a:r>
+            <a:endParaRPr lang="da-DK" sz="2400" b="1">
               <a:solidFill>
-                <a:srgbClr val="FF0000"/>
+                <a:srgbClr val="000000"/>
               </a:solidFill>
+              <a:latin typeface="Consolas" panose="020B0609020204030204" pitchFamily="49" charset="0"/>
             </a:endParaRPr>
+          </a:p>
+          <a:p>
+            <a:pPr marL="0" indent="0">
+              <a:spcBef>
+                <a:spcPts val="0"/>
+              </a:spcBef>
+              <a:buNone/>
+            </a:pPr>
+            <a:r>
+              <a:rPr lang="da-DK" sz="2400" b="1" smtClean="0">
+                <a:solidFill>
+                  <a:srgbClr val="000000"/>
+                </a:solidFill>
+                <a:latin typeface="Consolas" panose="020B0609020204030204" pitchFamily="49" charset="0"/>
+              </a:rPr>
+              <a:t>   Console.WriteLine(item</a:t>
+            </a:r>
+            <a:r>
+              <a:rPr lang="da-DK" sz="2400" b="1">
+                <a:solidFill>
+                  <a:srgbClr val="000000"/>
+                </a:solidFill>
+                <a:latin typeface="Consolas" panose="020B0609020204030204" pitchFamily="49" charset="0"/>
+              </a:rPr>
+              <a:t>);</a:t>
+            </a:r>
+          </a:p>
+          <a:p>
+            <a:pPr marL="0" indent="0">
+              <a:spcBef>
+                <a:spcPts val="0"/>
+              </a:spcBef>
+              <a:buNone/>
+            </a:pPr>
+            <a:r>
+              <a:rPr lang="da-DK" sz="2400" b="1" smtClean="0">
+                <a:solidFill>
+                  <a:srgbClr val="000000"/>
+                </a:solidFill>
+                <a:latin typeface="Consolas" panose="020B0609020204030204" pitchFamily="49" charset="0"/>
+              </a:rPr>
+              <a:t>}</a:t>
+            </a:r>
+            <a:endParaRPr lang="da-DK" sz="2400" b="1"/>
           </a:p>
         </p:txBody>
       </p:sp>
     </p:spTree>
     <p:extLst>
       <p:ext uri="{BB962C8B-B14F-4D97-AF65-F5344CB8AC3E}">
-        <p14:creationId xmlns:p14="http://schemas.microsoft.com/office/powerpoint/2010/main" val="4082515758"/>
+        <p14:creationId xmlns:p14="http://schemas.microsoft.com/office/powerpoint/2010/main" val="2443850870"/>
       </p:ext>
     </p:extLst>
   </p:cSld>
   <p:clrMapOvr>
     <a:masterClrMapping/>
   </p:clrMapOvr>
-  <mc:AlternateContent xmlns:mc="http://schemas.openxmlformats.org/markup-compatibility/2006">
-    <mc:Choice xmlns:p14="http://schemas.microsoft.com/office/powerpoint/2010/main" Requires="p14">
-      <p:transition spd="med" p14:dur="700">
-        <p:fade/>
-      </p:transition>
-    </mc:Choice>
-    <mc:Fallback>
-      <p:transition spd="med">
-        <p:fade/>
-      </p:transition>
-    </mc:Fallback>
-  </mc:AlternateContent>
   <p:timing>
     <p:tnLst>
       <p:par>
@@ -8471,55 +8449,114 @@
             <a:spLocks noGrp="1"/>
           </p:cNvSpPr>
           <p:nvPr>
-            <p:ph type="ctrTitle"/>
+            <p:ph type="title"/>
           </p:nvPr>
         </p:nvSpPr>
         <p:spPr>
           <a:xfrm>
-            <a:off x="275751" y="1044147"/>
-            <a:ext cx="11534274" cy="4308768"/>
+            <a:off x="838200" y="407236"/>
+            <a:ext cx="10515600" cy="1325563"/>
           </a:xfrm>
         </p:spPr>
         <p:txBody>
-          <a:bodyPr anchor="ctr">
+          <a:bodyPr/>
+          <a:lstStyle/>
+          <a:p>
+            <a:r>
+              <a:rPr lang="da-DK" b="1" smtClean="0"/>
+              <a:t>Design Pattern scale – Class relations</a:t>
+            </a:r>
+            <a:endParaRPr lang="da-DK" b="1"/>
+          </a:p>
+        </p:txBody>
+      </p:sp>
+      <p:sp>
+        <p:nvSpPr>
+          <p:cNvPr id="3" name="Pladsholder til indhold 2"/>
+          <p:cNvSpPr>
+            <a:spLocks noGrp="1"/>
+          </p:cNvSpPr>
+          <p:nvPr>
+            <p:ph idx="1"/>
+          </p:nvPr>
+        </p:nvSpPr>
+        <p:spPr>
+          <a:xfrm>
+            <a:off x="838200" y="1825625"/>
+            <a:ext cx="10078995" cy="4754348"/>
+          </a:xfrm>
+        </p:spPr>
+        <p:txBody>
+          <a:bodyPr>
             <a:normAutofit/>
           </a:bodyPr>
           <a:lstStyle/>
           <a:p>
             <a:r>
-              <a:rPr lang="da-DK" sz="9600" b="1"/>
-              <a:t>7</a:t>
-            </a:r>
-            <a:r>
-              <a:rPr lang="da-DK" sz="9600" b="1" smtClean="0"/>
-              <a:t>ab + 14b</a:t>
-            </a:r>
-            <a:endParaRPr lang="da-DK" sz="9600" i="1"/>
+              <a:rPr lang="en-US" sz="3200" smtClean="0"/>
+              <a:t>The classic level for Design Patterns; solves a common problem by defining a few (&lt; 10) classes.</a:t>
+            </a:r>
+          </a:p>
+          <a:p>
+            <a:r>
+              <a:rPr lang="en-US" sz="3200" smtClean="0"/>
+              <a:t>We (should) know some already:</a:t>
+            </a:r>
+          </a:p>
+          <a:p>
+            <a:pPr lvl="1"/>
+            <a:r>
+              <a:rPr lang="en-US" sz="2800" b="1" smtClean="0"/>
+              <a:t>Singleton</a:t>
+            </a:r>
+          </a:p>
+          <a:p>
+            <a:pPr lvl="1"/>
+            <a:r>
+              <a:rPr lang="en-US" sz="2800" b="1" smtClean="0"/>
+              <a:t>Factory Method / Abstract Factory</a:t>
+            </a:r>
+          </a:p>
+          <a:p>
+            <a:pPr lvl="1"/>
+            <a:r>
+              <a:rPr lang="en-US" sz="2800" b="1" smtClean="0"/>
+              <a:t>Adapter</a:t>
+            </a:r>
+          </a:p>
+          <a:p>
+            <a:pPr lvl="1"/>
+            <a:r>
+              <a:rPr lang="en-US" sz="2800" b="1" smtClean="0"/>
+              <a:t>Proxy</a:t>
+            </a:r>
+          </a:p>
+          <a:p>
+            <a:pPr lvl="1"/>
+            <a:r>
+              <a:rPr lang="en-US" sz="2800" b="1" smtClean="0"/>
+              <a:t>Template Method</a:t>
+            </a:r>
+          </a:p>
+          <a:p>
+            <a:pPr lvl="1"/>
+            <a:r>
+              <a:rPr lang="en-US" sz="2800" b="1" smtClean="0"/>
+              <a:t>Command</a:t>
+            </a:r>
           </a:p>
         </p:txBody>
       </p:sp>
     </p:spTree>
     <p:extLst>
       <p:ext uri="{BB962C8B-B14F-4D97-AF65-F5344CB8AC3E}">
-        <p14:creationId xmlns:p14="http://schemas.microsoft.com/office/powerpoint/2010/main" val="3252849738"/>
+        <p14:creationId xmlns:p14="http://schemas.microsoft.com/office/powerpoint/2010/main" val="1625820708"/>
       </p:ext>
     </p:extLst>
   </p:cSld>
   <p:clrMapOvr>
     <a:masterClrMapping/>
   </p:clrMapOvr>
-  <mc:AlternateContent xmlns:mc="http://schemas.openxmlformats.org/markup-compatibility/2006">
-    <mc:Choice xmlns:p14="http://schemas.microsoft.com/office/powerpoint/2010/main" Requires="p14">
-      <p:transition spd="med" p14:dur="700">
-        <p:fade/>
-      </p:transition>
-    </mc:Choice>
-    <mc:Fallback>
-      <p:transition spd="med">
-        <p:fade/>
-      </p:transition>
-    </mc:Fallback>
-  </mc:AlternateContent>
   <p:timing>
     <p:tnLst>
       <p:par>
@@ -8554,79 +8591,502 @@
             <a:spLocks noGrp="1"/>
           </p:cNvSpPr>
           <p:nvPr>
-            <p:ph type="ctrTitle"/>
+            <p:ph type="title"/>
           </p:nvPr>
         </p:nvSpPr>
         <p:spPr>
           <a:xfrm>
-            <a:off x="275751" y="1044147"/>
-            <a:ext cx="11534274" cy="4308768"/>
+            <a:off x="838200" y="407236"/>
+            <a:ext cx="10515600" cy="1325563"/>
           </a:xfrm>
         </p:spPr>
         <p:txBody>
-          <a:bodyPr anchor="ctr">
+          <a:bodyPr/>
+          <a:lstStyle/>
+          <a:p>
+            <a:r>
+              <a:rPr lang="da-DK" b="1" smtClean="0"/>
+              <a:t>Design Pattern scale – Class relations</a:t>
+            </a:r>
+            <a:endParaRPr lang="da-DK" b="1"/>
+          </a:p>
+        </p:txBody>
+      </p:sp>
+      <p:sp>
+        <p:nvSpPr>
+          <p:cNvPr id="3" name="Pladsholder til indhold 2"/>
+          <p:cNvSpPr>
+            <a:spLocks noGrp="1"/>
+          </p:cNvSpPr>
+          <p:nvPr>
+            <p:ph idx="1"/>
+          </p:nvPr>
+        </p:nvSpPr>
+        <p:spPr>
+          <a:xfrm>
+            <a:off x="838200" y="1825625"/>
+            <a:ext cx="3295135" cy="4754348"/>
+          </a:xfrm>
+        </p:spPr>
+        <p:txBody>
+          <a:bodyPr>
             <a:normAutofit/>
           </a:bodyPr>
           <a:lstStyle/>
           <a:p>
             <a:r>
-              <a:rPr lang="da-DK" sz="9600" b="1" smtClean="0">
-                <a:solidFill>
-                  <a:srgbClr val="FF0000"/>
-                </a:solidFill>
-              </a:rPr>
-              <a:t>7</a:t>
-            </a:r>
-            <a:r>
-              <a:rPr lang="da-DK" sz="9600" b="1" smtClean="0">
-                <a:solidFill>
-                  <a:srgbClr val="FF0000"/>
-                </a:solidFill>
-              </a:rPr>
-              <a:t>b</a:t>
-            </a:r>
-            <a:r>
-              <a:rPr lang="da-DK" sz="9600" b="1" smtClean="0"/>
-              <a:t>(a)   + </a:t>
-            </a:r>
-            <a:r>
-              <a:rPr lang="da-DK" sz="9600" b="1" smtClean="0">
-                <a:solidFill>
-                  <a:srgbClr val="FF0000"/>
-                </a:solidFill>
-              </a:rPr>
-              <a:t>7b</a:t>
-            </a:r>
-            <a:r>
-              <a:rPr lang="da-DK" sz="9600" b="1" smtClean="0"/>
-              <a:t>(2)</a:t>
-            </a:r>
-            <a:endParaRPr lang="da-DK" sz="9600" i="1"/>
+              <a:rPr lang="en-US" sz="3200" smtClean="0"/>
+              <a:t>Creational</a:t>
+            </a:r>
+          </a:p>
+          <a:p>
+            <a:pPr lvl="1"/>
+            <a:r>
+              <a:rPr lang="en-US" sz="2800" b="1" smtClean="0"/>
+              <a:t>Singleton</a:t>
+            </a:r>
+          </a:p>
+          <a:p>
+            <a:pPr lvl="1"/>
+            <a:r>
+              <a:rPr lang="en-US" sz="2800" b="1" smtClean="0"/>
+              <a:t>Factory Method</a:t>
+            </a:r>
+          </a:p>
+          <a:p>
+            <a:pPr lvl="1"/>
+            <a:r>
+              <a:rPr lang="en-US" sz="2800" b="1" smtClean="0"/>
+              <a:t>Abstract Factory</a:t>
+            </a:r>
+          </a:p>
+        </p:txBody>
+      </p:sp>
+      <p:sp>
+        <p:nvSpPr>
+          <p:cNvPr id="4" name="Pladsholder til indhold 2"/>
+          <p:cNvSpPr txBox="1">
+            <a:spLocks/>
+          </p:cNvSpPr>
+          <p:nvPr/>
+        </p:nvSpPr>
+        <p:spPr>
+          <a:xfrm>
+            <a:off x="4623487" y="1735802"/>
+            <a:ext cx="2957384" cy="4754348"/>
+          </a:xfrm>
+          <a:prstGeom prst="rect">
+            <a:avLst/>
+          </a:prstGeom>
+        </p:spPr>
+        <p:txBody>
+          <a:bodyPr vert="horz" lIns="91440" tIns="45720" rIns="91440" bIns="45720" rtlCol="0">
+            <a:normAutofit/>
+          </a:bodyPr>
+          <a:lstStyle>
+            <a:lvl1pPr marL="228600" indent="-228600" algn="l" defTabSz="914400" rtl="0" eaLnBrk="1" latinLnBrk="0" hangingPunct="1">
+              <a:lnSpc>
+                <a:spcPct val="90000"/>
+              </a:lnSpc>
+              <a:spcBef>
+                <a:spcPts val="1000"/>
+              </a:spcBef>
+              <a:buFont typeface="Arial" panose="020B0604020202020204" pitchFamily="34" charset="0"/>
+              <a:buChar char="•"/>
+              <a:defRPr sz="2800" kern="1200">
+                <a:solidFill>
+                  <a:schemeClr val="tx1"/>
+                </a:solidFill>
+                <a:latin typeface="+mn-lt"/>
+                <a:ea typeface="+mn-ea"/>
+                <a:cs typeface="+mn-cs"/>
+              </a:defRPr>
+            </a:lvl1pPr>
+            <a:lvl2pPr marL="685800" indent="-228600" algn="l" defTabSz="914400" rtl="0" eaLnBrk="1" latinLnBrk="0" hangingPunct="1">
+              <a:lnSpc>
+                <a:spcPct val="90000"/>
+              </a:lnSpc>
+              <a:spcBef>
+                <a:spcPts val="500"/>
+              </a:spcBef>
+              <a:buFont typeface="Arial" panose="020B0604020202020204" pitchFamily="34" charset="0"/>
+              <a:buChar char="•"/>
+              <a:defRPr sz="2400" kern="1200">
+                <a:solidFill>
+                  <a:schemeClr val="tx1"/>
+                </a:solidFill>
+                <a:latin typeface="+mn-lt"/>
+                <a:ea typeface="+mn-ea"/>
+                <a:cs typeface="+mn-cs"/>
+              </a:defRPr>
+            </a:lvl2pPr>
+            <a:lvl3pPr marL="1143000" indent="-228600" algn="l" defTabSz="914400" rtl="0" eaLnBrk="1" latinLnBrk="0" hangingPunct="1">
+              <a:lnSpc>
+                <a:spcPct val="90000"/>
+              </a:lnSpc>
+              <a:spcBef>
+                <a:spcPts val="500"/>
+              </a:spcBef>
+              <a:buFont typeface="Arial" panose="020B0604020202020204" pitchFamily="34" charset="0"/>
+              <a:buChar char="•"/>
+              <a:defRPr sz="2000" kern="1200">
+                <a:solidFill>
+                  <a:schemeClr val="tx1"/>
+                </a:solidFill>
+                <a:latin typeface="+mn-lt"/>
+                <a:ea typeface="+mn-ea"/>
+                <a:cs typeface="+mn-cs"/>
+              </a:defRPr>
+            </a:lvl3pPr>
+            <a:lvl4pPr marL="1600200" indent="-228600" algn="l" defTabSz="914400" rtl="0" eaLnBrk="1" latinLnBrk="0" hangingPunct="1">
+              <a:lnSpc>
+                <a:spcPct val="90000"/>
+              </a:lnSpc>
+              <a:spcBef>
+                <a:spcPts val="500"/>
+              </a:spcBef>
+              <a:buFont typeface="Arial" panose="020B0604020202020204" pitchFamily="34" charset="0"/>
+              <a:buChar char="•"/>
+              <a:defRPr sz="1800" kern="1200">
+                <a:solidFill>
+                  <a:schemeClr val="tx1"/>
+                </a:solidFill>
+                <a:latin typeface="+mn-lt"/>
+                <a:ea typeface="+mn-ea"/>
+                <a:cs typeface="+mn-cs"/>
+              </a:defRPr>
+            </a:lvl4pPr>
+            <a:lvl5pPr marL="2057400" indent="-228600" algn="l" defTabSz="914400" rtl="0" eaLnBrk="1" latinLnBrk="0" hangingPunct="1">
+              <a:lnSpc>
+                <a:spcPct val="90000"/>
+              </a:lnSpc>
+              <a:spcBef>
+                <a:spcPts val="500"/>
+              </a:spcBef>
+              <a:buFont typeface="Arial" panose="020B0604020202020204" pitchFamily="34" charset="0"/>
+              <a:buChar char="•"/>
+              <a:defRPr sz="1800" kern="1200">
+                <a:solidFill>
+                  <a:schemeClr val="tx1"/>
+                </a:solidFill>
+                <a:latin typeface="+mn-lt"/>
+                <a:ea typeface="+mn-ea"/>
+                <a:cs typeface="+mn-cs"/>
+              </a:defRPr>
+            </a:lvl5pPr>
+            <a:lvl6pPr marL="2514600" indent="-228600" algn="l" defTabSz="914400" rtl="0" eaLnBrk="1" latinLnBrk="0" hangingPunct="1">
+              <a:lnSpc>
+                <a:spcPct val="90000"/>
+              </a:lnSpc>
+              <a:spcBef>
+                <a:spcPts val="500"/>
+              </a:spcBef>
+              <a:buFont typeface="Arial" panose="020B0604020202020204" pitchFamily="34" charset="0"/>
+              <a:buChar char="•"/>
+              <a:defRPr sz="1800" kern="1200">
+                <a:solidFill>
+                  <a:schemeClr val="tx1"/>
+                </a:solidFill>
+                <a:latin typeface="+mn-lt"/>
+                <a:ea typeface="+mn-ea"/>
+                <a:cs typeface="+mn-cs"/>
+              </a:defRPr>
+            </a:lvl6pPr>
+            <a:lvl7pPr marL="2971800" indent="-228600" algn="l" defTabSz="914400" rtl="0" eaLnBrk="1" latinLnBrk="0" hangingPunct="1">
+              <a:lnSpc>
+                <a:spcPct val="90000"/>
+              </a:lnSpc>
+              <a:spcBef>
+                <a:spcPts val="500"/>
+              </a:spcBef>
+              <a:buFont typeface="Arial" panose="020B0604020202020204" pitchFamily="34" charset="0"/>
+              <a:buChar char="•"/>
+              <a:defRPr sz="1800" kern="1200">
+                <a:solidFill>
+                  <a:schemeClr val="tx1"/>
+                </a:solidFill>
+                <a:latin typeface="+mn-lt"/>
+                <a:ea typeface="+mn-ea"/>
+                <a:cs typeface="+mn-cs"/>
+              </a:defRPr>
+            </a:lvl7pPr>
+            <a:lvl8pPr marL="3429000" indent="-228600" algn="l" defTabSz="914400" rtl="0" eaLnBrk="1" latinLnBrk="0" hangingPunct="1">
+              <a:lnSpc>
+                <a:spcPct val="90000"/>
+              </a:lnSpc>
+              <a:spcBef>
+                <a:spcPts val="500"/>
+              </a:spcBef>
+              <a:buFont typeface="Arial" panose="020B0604020202020204" pitchFamily="34" charset="0"/>
+              <a:buChar char="•"/>
+              <a:defRPr sz="1800" kern="1200">
+                <a:solidFill>
+                  <a:schemeClr val="tx1"/>
+                </a:solidFill>
+                <a:latin typeface="+mn-lt"/>
+                <a:ea typeface="+mn-ea"/>
+                <a:cs typeface="+mn-cs"/>
+              </a:defRPr>
+            </a:lvl8pPr>
+            <a:lvl9pPr marL="3886200" indent="-228600" algn="l" defTabSz="914400" rtl="0" eaLnBrk="1" latinLnBrk="0" hangingPunct="1">
+              <a:lnSpc>
+                <a:spcPct val="90000"/>
+              </a:lnSpc>
+              <a:spcBef>
+                <a:spcPts val="500"/>
+              </a:spcBef>
+              <a:buFont typeface="Arial" panose="020B0604020202020204" pitchFamily="34" charset="0"/>
+              <a:buChar char="•"/>
+              <a:defRPr sz="1800" kern="1200">
+                <a:solidFill>
+                  <a:schemeClr val="tx1"/>
+                </a:solidFill>
+                <a:latin typeface="+mn-lt"/>
+                <a:ea typeface="+mn-ea"/>
+                <a:cs typeface="+mn-cs"/>
+              </a:defRPr>
+            </a:lvl9pPr>
+          </a:lstStyle>
+          <a:p>
+            <a:r>
+              <a:rPr lang="en-US" sz="3200" smtClean="0"/>
+              <a:t>Structural</a:t>
+            </a:r>
+          </a:p>
+          <a:p>
+            <a:pPr lvl="1"/>
+            <a:r>
+              <a:rPr lang="en-US" sz="2800" b="1" smtClean="0"/>
+              <a:t>Adapter</a:t>
+            </a:r>
+          </a:p>
+          <a:p>
+            <a:pPr lvl="1"/>
+            <a:r>
+              <a:rPr lang="en-US" sz="2800" b="1" smtClean="0"/>
+              <a:t>Proxy</a:t>
+            </a:r>
+          </a:p>
+        </p:txBody>
+      </p:sp>
+      <p:sp>
+        <p:nvSpPr>
+          <p:cNvPr id="5" name="Pladsholder til indhold 2"/>
+          <p:cNvSpPr txBox="1">
+            <a:spLocks/>
+          </p:cNvSpPr>
+          <p:nvPr/>
+        </p:nvSpPr>
+        <p:spPr>
+          <a:xfrm>
+            <a:off x="8202826" y="1738655"/>
+            <a:ext cx="3523735" cy="4754348"/>
+          </a:xfrm>
+          <a:prstGeom prst="rect">
+            <a:avLst/>
+          </a:prstGeom>
+        </p:spPr>
+        <p:txBody>
+          <a:bodyPr vert="horz" lIns="91440" tIns="45720" rIns="91440" bIns="45720" rtlCol="0">
+            <a:normAutofit/>
+          </a:bodyPr>
+          <a:lstStyle>
+            <a:lvl1pPr marL="228600" indent="-228600" algn="l" defTabSz="914400" rtl="0" eaLnBrk="1" latinLnBrk="0" hangingPunct="1">
+              <a:lnSpc>
+                <a:spcPct val="90000"/>
+              </a:lnSpc>
+              <a:spcBef>
+                <a:spcPts val="1000"/>
+              </a:spcBef>
+              <a:buFont typeface="Arial" panose="020B0604020202020204" pitchFamily="34" charset="0"/>
+              <a:buChar char="•"/>
+              <a:defRPr sz="2800" kern="1200">
+                <a:solidFill>
+                  <a:schemeClr val="tx1"/>
+                </a:solidFill>
+                <a:latin typeface="+mn-lt"/>
+                <a:ea typeface="+mn-ea"/>
+                <a:cs typeface="+mn-cs"/>
+              </a:defRPr>
+            </a:lvl1pPr>
+            <a:lvl2pPr marL="685800" indent="-228600" algn="l" defTabSz="914400" rtl="0" eaLnBrk="1" latinLnBrk="0" hangingPunct="1">
+              <a:lnSpc>
+                <a:spcPct val="90000"/>
+              </a:lnSpc>
+              <a:spcBef>
+                <a:spcPts val="500"/>
+              </a:spcBef>
+              <a:buFont typeface="Arial" panose="020B0604020202020204" pitchFamily="34" charset="0"/>
+              <a:buChar char="•"/>
+              <a:defRPr sz="2400" kern="1200">
+                <a:solidFill>
+                  <a:schemeClr val="tx1"/>
+                </a:solidFill>
+                <a:latin typeface="+mn-lt"/>
+                <a:ea typeface="+mn-ea"/>
+                <a:cs typeface="+mn-cs"/>
+              </a:defRPr>
+            </a:lvl2pPr>
+            <a:lvl3pPr marL="1143000" indent="-228600" algn="l" defTabSz="914400" rtl="0" eaLnBrk="1" latinLnBrk="0" hangingPunct="1">
+              <a:lnSpc>
+                <a:spcPct val="90000"/>
+              </a:lnSpc>
+              <a:spcBef>
+                <a:spcPts val="500"/>
+              </a:spcBef>
+              <a:buFont typeface="Arial" panose="020B0604020202020204" pitchFamily="34" charset="0"/>
+              <a:buChar char="•"/>
+              <a:defRPr sz="2000" kern="1200">
+                <a:solidFill>
+                  <a:schemeClr val="tx1"/>
+                </a:solidFill>
+                <a:latin typeface="+mn-lt"/>
+                <a:ea typeface="+mn-ea"/>
+                <a:cs typeface="+mn-cs"/>
+              </a:defRPr>
+            </a:lvl3pPr>
+            <a:lvl4pPr marL="1600200" indent="-228600" algn="l" defTabSz="914400" rtl="0" eaLnBrk="1" latinLnBrk="0" hangingPunct="1">
+              <a:lnSpc>
+                <a:spcPct val="90000"/>
+              </a:lnSpc>
+              <a:spcBef>
+                <a:spcPts val="500"/>
+              </a:spcBef>
+              <a:buFont typeface="Arial" panose="020B0604020202020204" pitchFamily="34" charset="0"/>
+              <a:buChar char="•"/>
+              <a:defRPr sz="1800" kern="1200">
+                <a:solidFill>
+                  <a:schemeClr val="tx1"/>
+                </a:solidFill>
+                <a:latin typeface="+mn-lt"/>
+                <a:ea typeface="+mn-ea"/>
+                <a:cs typeface="+mn-cs"/>
+              </a:defRPr>
+            </a:lvl4pPr>
+            <a:lvl5pPr marL="2057400" indent="-228600" algn="l" defTabSz="914400" rtl="0" eaLnBrk="1" latinLnBrk="0" hangingPunct="1">
+              <a:lnSpc>
+                <a:spcPct val="90000"/>
+              </a:lnSpc>
+              <a:spcBef>
+                <a:spcPts val="500"/>
+              </a:spcBef>
+              <a:buFont typeface="Arial" panose="020B0604020202020204" pitchFamily="34" charset="0"/>
+              <a:buChar char="•"/>
+              <a:defRPr sz="1800" kern="1200">
+                <a:solidFill>
+                  <a:schemeClr val="tx1"/>
+                </a:solidFill>
+                <a:latin typeface="+mn-lt"/>
+                <a:ea typeface="+mn-ea"/>
+                <a:cs typeface="+mn-cs"/>
+              </a:defRPr>
+            </a:lvl5pPr>
+            <a:lvl6pPr marL="2514600" indent="-228600" algn="l" defTabSz="914400" rtl="0" eaLnBrk="1" latinLnBrk="0" hangingPunct="1">
+              <a:lnSpc>
+                <a:spcPct val="90000"/>
+              </a:lnSpc>
+              <a:spcBef>
+                <a:spcPts val="500"/>
+              </a:spcBef>
+              <a:buFont typeface="Arial" panose="020B0604020202020204" pitchFamily="34" charset="0"/>
+              <a:buChar char="•"/>
+              <a:defRPr sz="1800" kern="1200">
+                <a:solidFill>
+                  <a:schemeClr val="tx1"/>
+                </a:solidFill>
+                <a:latin typeface="+mn-lt"/>
+                <a:ea typeface="+mn-ea"/>
+                <a:cs typeface="+mn-cs"/>
+              </a:defRPr>
+            </a:lvl6pPr>
+            <a:lvl7pPr marL="2971800" indent="-228600" algn="l" defTabSz="914400" rtl="0" eaLnBrk="1" latinLnBrk="0" hangingPunct="1">
+              <a:lnSpc>
+                <a:spcPct val="90000"/>
+              </a:lnSpc>
+              <a:spcBef>
+                <a:spcPts val="500"/>
+              </a:spcBef>
+              <a:buFont typeface="Arial" panose="020B0604020202020204" pitchFamily="34" charset="0"/>
+              <a:buChar char="•"/>
+              <a:defRPr sz="1800" kern="1200">
+                <a:solidFill>
+                  <a:schemeClr val="tx1"/>
+                </a:solidFill>
+                <a:latin typeface="+mn-lt"/>
+                <a:ea typeface="+mn-ea"/>
+                <a:cs typeface="+mn-cs"/>
+              </a:defRPr>
+            </a:lvl7pPr>
+            <a:lvl8pPr marL="3429000" indent="-228600" algn="l" defTabSz="914400" rtl="0" eaLnBrk="1" latinLnBrk="0" hangingPunct="1">
+              <a:lnSpc>
+                <a:spcPct val="90000"/>
+              </a:lnSpc>
+              <a:spcBef>
+                <a:spcPts val="500"/>
+              </a:spcBef>
+              <a:buFont typeface="Arial" panose="020B0604020202020204" pitchFamily="34" charset="0"/>
+              <a:buChar char="•"/>
+              <a:defRPr sz="1800" kern="1200">
+                <a:solidFill>
+                  <a:schemeClr val="tx1"/>
+                </a:solidFill>
+                <a:latin typeface="+mn-lt"/>
+                <a:ea typeface="+mn-ea"/>
+                <a:cs typeface="+mn-cs"/>
+              </a:defRPr>
+            </a:lvl8pPr>
+            <a:lvl9pPr marL="3886200" indent="-228600" algn="l" defTabSz="914400" rtl="0" eaLnBrk="1" latinLnBrk="0" hangingPunct="1">
+              <a:lnSpc>
+                <a:spcPct val="90000"/>
+              </a:lnSpc>
+              <a:spcBef>
+                <a:spcPts val="500"/>
+              </a:spcBef>
+              <a:buFont typeface="Arial" panose="020B0604020202020204" pitchFamily="34" charset="0"/>
+              <a:buChar char="•"/>
+              <a:defRPr sz="1800" kern="1200">
+                <a:solidFill>
+                  <a:schemeClr val="tx1"/>
+                </a:solidFill>
+                <a:latin typeface="+mn-lt"/>
+                <a:ea typeface="+mn-ea"/>
+                <a:cs typeface="+mn-cs"/>
+              </a:defRPr>
+            </a:lvl9pPr>
+          </a:lstStyle>
+          <a:p>
+            <a:r>
+              <a:rPr lang="en-US" sz="3200" smtClean="0"/>
+              <a:t>Behavioral</a:t>
+            </a:r>
+          </a:p>
+          <a:p>
+            <a:pPr lvl="1"/>
+            <a:r>
+              <a:rPr lang="en-US" sz="2800" b="1" smtClean="0"/>
+              <a:t>Template Method</a:t>
+            </a:r>
+          </a:p>
+          <a:p>
+            <a:pPr lvl="1"/>
+            <a:r>
+              <a:rPr lang="en-US" sz="2800" b="1" smtClean="0"/>
+              <a:t>Command</a:t>
+            </a:r>
+            <a:endParaRPr lang="en-US" sz="2800" b="1"/>
           </a:p>
         </p:txBody>
       </p:sp>
     </p:spTree>
     <p:extLst>
       <p:ext uri="{BB962C8B-B14F-4D97-AF65-F5344CB8AC3E}">
-        <p14:creationId xmlns:p14="http://schemas.microsoft.com/office/powerpoint/2010/main" val="3104531289"/>
+        <p14:creationId xmlns:p14="http://schemas.microsoft.com/office/powerpoint/2010/main" val="636358529"/>
       </p:ext>
     </p:extLst>
   </p:cSld>
   <p:clrMapOvr>
     <a:masterClrMapping/>
   </p:clrMapOvr>
-  <mc:AlternateContent xmlns:mc="http://schemas.openxmlformats.org/markup-compatibility/2006">
-    <mc:Choice xmlns:p14="http://schemas.microsoft.com/office/powerpoint/2010/main" Requires="p14">
-      <p:transition spd="med" p14:dur="700">
-        <p:fade/>
-      </p:transition>
-    </mc:Choice>
-    <mc:Fallback>
-      <p:transition spd="med">
-        <p:fade/>
-      </p:transition>
-    </mc:Fallback>
-  </mc:AlternateContent>
   <p:timing>
     <p:tnLst>
       <p:par>
@@ -8661,55 +9121,105 @@
             <a:spLocks noGrp="1"/>
           </p:cNvSpPr>
           <p:nvPr>
-            <p:ph type="ctrTitle"/>
+            <p:ph type="title"/>
           </p:nvPr>
         </p:nvSpPr>
         <p:spPr>
           <a:xfrm>
-            <a:off x="275751" y="1044147"/>
-            <a:ext cx="11534274" cy="4308768"/>
+            <a:off x="838200" y="407236"/>
+            <a:ext cx="10515600" cy="1325563"/>
           </a:xfrm>
         </p:spPr>
         <p:txBody>
-          <a:bodyPr anchor="ctr">
+          <a:bodyPr/>
+          <a:lstStyle/>
+          <a:p>
+            <a:r>
+              <a:rPr lang="da-DK" b="1" smtClean="0"/>
+              <a:t>Design Pattern scale – Architecture</a:t>
+            </a:r>
+            <a:endParaRPr lang="da-DK" b="1"/>
+          </a:p>
+        </p:txBody>
+      </p:sp>
+      <p:sp>
+        <p:nvSpPr>
+          <p:cNvPr id="3" name="Pladsholder til indhold 2"/>
+          <p:cNvSpPr>
+            <a:spLocks noGrp="1"/>
+          </p:cNvSpPr>
+          <p:nvPr>
+            <p:ph idx="1"/>
+          </p:nvPr>
+        </p:nvSpPr>
+        <p:spPr>
+          <a:xfrm>
+            <a:off x="838200" y="1825625"/>
+            <a:ext cx="10078995" cy="4754348"/>
+          </a:xfrm>
+        </p:spPr>
+        <p:txBody>
+          <a:bodyPr>
             <a:normAutofit/>
           </a:bodyPr>
           <a:lstStyle/>
           <a:p>
             <a:r>
-              <a:rPr lang="da-DK" sz="9600" b="1" smtClean="0"/>
-              <a:t>7</a:t>
-            </a:r>
-            <a:r>
-              <a:rPr lang="da-DK" sz="9600" b="1" smtClean="0"/>
-              <a:t>b(a+2)</a:t>
-            </a:r>
-            <a:endParaRPr lang="da-DK" sz="9600" i="1"/>
+              <a:rPr lang="en-US" sz="3200" smtClean="0"/>
+              <a:t>More complex than previous level – encompasses structure of entire application</a:t>
+            </a:r>
+          </a:p>
+          <a:p>
+            <a:r>
+              <a:rPr lang="en-US" sz="3200" b="1" smtClean="0"/>
+              <a:t>Examples</a:t>
+            </a:r>
+            <a:r>
+              <a:rPr lang="en-US" sz="3200" smtClean="0"/>
+              <a:t>:</a:t>
+            </a:r>
+          </a:p>
+          <a:p>
+            <a:pPr lvl="1"/>
+            <a:r>
+              <a:rPr lang="en-US" sz="2800" smtClean="0"/>
+              <a:t>Data Warehouse</a:t>
+            </a:r>
+          </a:p>
+          <a:p>
+            <a:pPr lvl="1"/>
+            <a:r>
+              <a:rPr lang="en-US" sz="2800" smtClean="0"/>
+              <a:t>MVC/MVVM</a:t>
+            </a:r>
+          </a:p>
+          <a:p>
+            <a:pPr lvl="1"/>
+            <a:r>
+              <a:rPr lang="en-US" sz="2800" smtClean="0"/>
+              <a:t>Microservices</a:t>
+            </a:r>
+          </a:p>
+          <a:p>
+            <a:pPr lvl="1"/>
+            <a:r>
+              <a:rPr lang="en-US" sz="2800" smtClean="0"/>
+              <a:t>Machine Learning</a:t>
+            </a:r>
+            <a:endParaRPr lang="en-US" smtClean="0"/>
           </a:p>
         </p:txBody>
       </p:sp>
     </p:spTree>
     <p:extLst>
       <p:ext uri="{BB962C8B-B14F-4D97-AF65-F5344CB8AC3E}">
-        <p14:creationId xmlns:p14="http://schemas.microsoft.com/office/powerpoint/2010/main" val="202695377"/>
+        <p14:creationId xmlns:p14="http://schemas.microsoft.com/office/powerpoint/2010/main" val="3507257788"/>
       </p:ext>
     </p:extLst>
   </p:cSld>
   <p:clrMapOvr>
     <a:masterClrMapping/>
   </p:clrMapOvr>
-  <mc:AlternateContent xmlns:mc="http://schemas.openxmlformats.org/markup-compatibility/2006">
-    <mc:Choice xmlns:p14="http://schemas.microsoft.com/office/powerpoint/2010/main" Requires="p14">
-      <p:transition spd="med" p14:dur="700">
-        <p:fade/>
-      </p:transition>
-    </mc:Choice>
-    <mc:Fallback>
-      <p:transition spd="med">
-        <p:fade/>
-      </p:transition>
-    </mc:Fallback>
-  </mc:AlternateContent>
   <p:timing>
     <p:tnLst>
       <p:par>
@@ -8759,23 +9269,7 @@
           <a:p>
             <a:r>
               <a:rPr lang="da-DK" b="1" smtClean="0"/>
-              <a:t>What </a:t>
-            </a:r>
-            <a:r>
-              <a:rPr lang="da-DK" b="1" smtClean="0"/>
-              <a:t>is </a:t>
-            </a:r>
-            <a:r>
-              <a:rPr lang="da-DK" b="1" smtClean="0">
-                <a:solidFill>
-                  <a:srgbClr val="FF0000"/>
-                </a:solidFill>
-              </a:rPr>
-              <a:t>Refactoring</a:t>
-            </a:r>
-            <a:r>
-              <a:rPr lang="da-DK" b="1" smtClean="0"/>
-              <a:t>?</a:t>
+              <a:t>Design Patterns in this course</a:t>
             </a:r>
             <a:endParaRPr lang="da-DK" b="1"/>
           </a:p>
@@ -8794,7 +9288,7 @@
         <p:spPr>
           <a:xfrm>
             <a:off x="838200" y="1825625"/>
-            <a:ext cx="10078995" cy="4754348"/>
+            <a:ext cx="6849291" cy="4754348"/>
           </a:xfrm>
         </p:spPr>
         <p:txBody>
@@ -8805,72 +9299,75 @@
           <a:p>
             <a:r>
               <a:rPr lang="en-US" sz="3200" smtClean="0"/>
-              <a:t>Usually a two-step dance:</a:t>
-            </a:r>
-          </a:p>
-          <a:p>
-            <a:pPr lvl="1"/>
-            <a:r>
-              <a:rPr lang="en-US" sz="2800" smtClean="0"/>
-              <a:t>Identify design/code that needs refactoring (code smells…)</a:t>
-            </a:r>
-          </a:p>
-          <a:p>
-            <a:pPr lvl="1"/>
-            <a:r>
-              <a:rPr lang="en-US" sz="2800" smtClean="0"/>
-              <a:t>Perform the refactoring</a:t>
+              <a:t>Typically at the Class Relations level</a:t>
             </a:r>
           </a:p>
           <a:p>
             <a:r>
               <a:rPr lang="en-US" sz="3200" smtClean="0"/>
-              <a:t>Often supported by </a:t>
-            </a:r>
-            <a:r>
-              <a:rPr lang="en-US" sz="3200" b="1" smtClean="0"/>
-              <a:t>tests</a:t>
-            </a:r>
+              <a:t>We will take a look at some slightly more complex Design Patterns from the canonical Design Patterns book</a:t>
+            </a:r>
+          </a:p>
+          <a:p>
             <a:r>
               <a:rPr lang="en-US" sz="3200" smtClean="0"/>
-              <a:t>:</a:t>
-            </a:r>
-          </a:p>
-          <a:p>
-            <a:pPr lvl="1"/>
-            <a:r>
-              <a:rPr lang="en-US" sz="2800" smtClean="0"/>
-              <a:t>Perform a refactoring operation</a:t>
-            </a:r>
-          </a:p>
-          <a:p>
-            <a:pPr lvl="1"/>
-            <a:r>
-              <a:rPr lang="en-US" sz="2800" smtClean="0"/>
-              <a:t>Run the test</a:t>
-            </a:r>
-          </a:p>
-          <a:p>
-            <a:pPr lvl="1"/>
-            <a:r>
-              <a:rPr lang="en-US" sz="2800" smtClean="0"/>
-              <a:t>If test OK, proceed to next refactoring</a:t>
-            </a:r>
-          </a:p>
-          <a:p>
-            <a:pPr lvl="1"/>
-            <a:r>
-              <a:rPr lang="en-US" sz="2800" smtClean="0"/>
-              <a:t>If test fails, roll back refactoring and reconsider…</a:t>
-            </a:r>
-            <a:endParaRPr lang="en-US" smtClean="0"/>
-          </a:p>
-        </p:txBody>
-      </p:sp>
+              <a:t>Also look at a couple of patterns not (explicitly) mentioned in this book</a:t>
+            </a:r>
+          </a:p>
+          <a:p>
+            <a:r>
+              <a:rPr lang="en-US" sz="3200" smtClean="0"/>
+              <a:t>Not necessarily use material from the book…</a:t>
+            </a:r>
+            <a:endParaRPr lang="en-US" sz="2800" smtClean="0"/>
+          </a:p>
+        </p:txBody>
+      </p:sp>
+      <p:pic>
+        <p:nvPicPr>
+          <p:cNvPr id="4" name="Picture 2" descr="Billedresultat for design patterns elements"/>
+          <p:cNvPicPr>
+            <a:picLocks noChangeAspect="1" noChangeArrowheads="1"/>
+          </p:cNvPicPr>
+          <p:nvPr/>
+        </p:nvPicPr>
+        <p:blipFill>
+          <a:blip r:embed="rId2">
+            <a:extLst>
+              <a:ext uri="{28A0092B-C50C-407E-A947-70E740481C1C}">
+                <a14:useLocalDpi xmlns:a14="http://schemas.microsoft.com/office/drawing/2010/main" val="0"/>
+              </a:ext>
+            </a:extLst>
+          </a:blip>
+          <a:srcRect/>
+          <a:stretch>
+            <a:fillRect/>
+          </a:stretch>
+        </p:blipFill>
+        <p:spPr bwMode="auto">
+          <a:xfrm>
+            <a:off x="8340812" y="1390391"/>
+            <a:ext cx="3352142" cy="4213399"/>
+          </a:xfrm>
+          <a:prstGeom prst="rect">
+            <a:avLst/>
+          </a:prstGeom>
+          <a:noFill/>
+          <a:extLst>
+            <a:ext uri="{909E8E84-426E-40DD-AFC4-6F175D3DCCD1}">
+              <a14:hiddenFill xmlns:a14="http://schemas.microsoft.com/office/drawing/2010/main">
+                <a:solidFill>
+                  <a:srgbClr val="FFFFFF"/>
+                </a:solidFill>
+              </a14:hiddenFill>
+            </a:ext>
+          </a:extLst>
+        </p:spPr>
+      </p:pic>
     </p:spTree>
     <p:extLst>
       <p:ext uri="{BB962C8B-B14F-4D97-AF65-F5344CB8AC3E}">
-        <p14:creationId xmlns:p14="http://schemas.microsoft.com/office/powerpoint/2010/main" val="4128252924"/>
+        <p14:creationId xmlns:p14="http://schemas.microsoft.com/office/powerpoint/2010/main" val="4159338346"/>
       </p:ext>
     </p:extLst>
   </p:cSld>
@@ -8911,144 +9408,54 @@
             <a:spLocks noGrp="1"/>
           </p:cNvSpPr>
           <p:nvPr>
-            <p:ph type="title"/>
+            <p:ph type="ctrTitle"/>
           </p:nvPr>
         </p:nvSpPr>
         <p:spPr>
           <a:xfrm>
-            <a:off x="838200" y="407236"/>
-            <a:ext cx="10515600" cy="1325563"/>
+            <a:off x="275751" y="1044147"/>
+            <a:ext cx="11534274" cy="4308768"/>
           </a:xfrm>
         </p:spPr>
         <p:txBody>
-          <a:bodyPr/>
-          <a:lstStyle/>
-          <a:p>
-            <a:r>
-              <a:rPr lang="da-DK" b="1" smtClean="0"/>
-              <a:t>What </a:t>
-            </a:r>
-            <a:r>
-              <a:rPr lang="da-DK" b="1" smtClean="0"/>
-              <a:t>is </a:t>
-            </a:r>
-            <a:r>
-              <a:rPr lang="da-DK" b="1" smtClean="0">
-                <a:solidFill>
-                  <a:srgbClr val="FF0000"/>
-                </a:solidFill>
-              </a:rPr>
-              <a:t>Refactoring</a:t>
-            </a:r>
-            <a:r>
-              <a:rPr lang="da-DK" b="1" smtClean="0"/>
-              <a:t>?</a:t>
-            </a:r>
-            <a:endParaRPr lang="da-DK" b="1"/>
-          </a:p>
-        </p:txBody>
-      </p:sp>
-      <p:sp>
-        <p:nvSpPr>
-          <p:cNvPr id="3" name="Pladsholder til indhold 2"/>
-          <p:cNvSpPr>
-            <a:spLocks noGrp="1"/>
-          </p:cNvSpPr>
-          <p:nvPr>
-            <p:ph idx="1"/>
-          </p:nvPr>
-        </p:nvSpPr>
-        <p:spPr>
-          <a:xfrm>
-            <a:off x="838200" y="1825625"/>
-            <a:ext cx="10078995" cy="4754348"/>
-          </a:xfrm>
-        </p:spPr>
-        <p:txBody>
-          <a:bodyPr>
+          <a:bodyPr anchor="ctr">
             <a:normAutofit/>
           </a:bodyPr>
           <a:lstStyle/>
           <a:p>
             <a:r>
-              <a:rPr lang="en-US" sz="3200" smtClean="0"/>
-              <a:t>Code smells (a.k.a. Anti-Patterns)…</a:t>
-            </a:r>
-          </a:p>
-          <a:p>
-            <a:pPr lvl="1"/>
-            <a:r>
-              <a:rPr lang="en-US" sz="2800" smtClean="0"/>
-              <a:t>Duplicated Code</a:t>
-            </a:r>
-          </a:p>
-          <a:p>
-            <a:pPr lvl="1"/>
-            <a:r>
-              <a:rPr lang="en-US" sz="2800" smtClean="0"/>
-              <a:t>Shotgun Surgery</a:t>
-            </a:r>
-          </a:p>
-          <a:p>
-            <a:pPr lvl="1"/>
-            <a:r>
-              <a:rPr lang="en-US" sz="2800" smtClean="0"/>
-              <a:t>Large class (or God class)</a:t>
-            </a:r>
-          </a:p>
-          <a:p>
-            <a:pPr lvl="1"/>
-            <a:r>
-              <a:rPr lang="en-US" sz="2800" smtClean="0"/>
-              <a:t>Inappropriate Intimacy</a:t>
-            </a:r>
-          </a:p>
-          <a:p>
-            <a:pPr lvl="1"/>
-            <a:r>
-              <a:rPr lang="en-US" sz="2800" smtClean="0"/>
-              <a:t>Feature Envy</a:t>
-            </a:r>
-          </a:p>
-          <a:p>
-            <a:pPr lvl="1"/>
-            <a:r>
-              <a:rPr lang="en-US" sz="2800" smtClean="0"/>
-              <a:t>Comments</a:t>
-            </a:r>
-          </a:p>
-          <a:p>
-            <a:pPr lvl="1"/>
-            <a:r>
-              <a:rPr lang="en-US" sz="2800" smtClean="0"/>
-              <a:t>…</a:t>
-            </a:r>
-            <a:endParaRPr lang="en-US" sz="2800" smtClean="0"/>
+              <a:rPr lang="da-DK" sz="9600" b="1" smtClean="0"/>
+              <a:t>Design Patterns</a:t>
+            </a:r>
+            <a:br>
+              <a:rPr lang="da-DK" sz="9600" b="1" smtClean="0"/>
+            </a:br>
+            <a:r>
+              <a:rPr lang="da-DK" sz="9600" b="1" smtClean="0"/>
+              <a:t>in</a:t>
+            </a:r>
+            <a:r>
+              <a:rPr lang="da-DK" sz="9600" b="1"/>
+              <a:t> </a:t>
+            </a:r>
+            <a:r>
+              <a:rPr lang="da-DK" sz="9600" b="1" smtClean="0"/>
+              <a:t>two words…</a:t>
+            </a:r>
+            <a:endParaRPr lang="da-DK" sz="9600" i="1"/>
           </a:p>
         </p:txBody>
       </p:sp>
     </p:spTree>
     <p:extLst>
       <p:ext uri="{BB962C8B-B14F-4D97-AF65-F5344CB8AC3E}">
-        <p14:creationId xmlns:p14="http://schemas.microsoft.com/office/powerpoint/2010/main" val="3837009169"/>
+        <p14:creationId xmlns:p14="http://schemas.microsoft.com/office/powerpoint/2010/main" val="417890088"/>
       </p:ext>
     </p:extLst>
   </p:cSld>
   <p:clrMapOvr>
     <a:masterClrMapping/>
   </p:clrMapOvr>
-  <mc:AlternateContent xmlns:mc="http://schemas.openxmlformats.org/markup-compatibility/2006">
-    <mc:Choice xmlns:p14="http://schemas.microsoft.com/office/powerpoint/2010/main" Requires="p14">
-      <p:transition spd="med" p14:dur="700">
-        <p:fade/>
-      </p:transition>
-    </mc:Choice>
-    <mc:Fallback>
-      <p:transition spd="med">
-        <p:fade/>
-      </p:transition>
-    </mc:Fallback>
-  </mc:AlternateContent>
   <p:timing>
     <p:tnLst>
       <p:par>
@@ -9083,139 +9490,50 @@
             <a:spLocks noGrp="1"/>
           </p:cNvSpPr>
           <p:nvPr>
-            <p:ph type="title"/>
+            <p:ph type="ctrTitle"/>
           </p:nvPr>
         </p:nvSpPr>
         <p:spPr>
           <a:xfrm>
-            <a:off x="838200" y="407236"/>
-            <a:ext cx="10515600" cy="1325563"/>
+            <a:off x="275751" y="1044147"/>
+            <a:ext cx="11534274" cy="4308768"/>
           </a:xfrm>
         </p:spPr>
         <p:txBody>
-          <a:bodyPr/>
-          <a:lstStyle/>
-          <a:p>
-            <a:r>
-              <a:rPr lang="da-DK" b="1" smtClean="0"/>
-              <a:t>What </a:t>
-            </a:r>
-            <a:r>
-              <a:rPr lang="da-DK" b="1" smtClean="0"/>
-              <a:t>is </a:t>
-            </a:r>
-            <a:r>
-              <a:rPr lang="da-DK" b="1" smtClean="0">
-                <a:solidFill>
-                  <a:srgbClr val="FF0000"/>
-                </a:solidFill>
-              </a:rPr>
-              <a:t>Refactoring</a:t>
-            </a:r>
-            <a:r>
-              <a:rPr lang="da-DK" b="1" smtClean="0"/>
-              <a:t>?</a:t>
-            </a:r>
-            <a:endParaRPr lang="da-DK" b="1"/>
-          </a:p>
-        </p:txBody>
-      </p:sp>
-      <p:sp>
-        <p:nvSpPr>
-          <p:cNvPr id="3" name="Pladsholder til indhold 2"/>
-          <p:cNvSpPr>
-            <a:spLocks noGrp="1"/>
-          </p:cNvSpPr>
-          <p:nvPr>
-            <p:ph idx="1"/>
-          </p:nvPr>
-        </p:nvSpPr>
-        <p:spPr>
-          <a:xfrm>
-            <a:off x="838200" y="1825625"/>
-            <a:ext cx="10078995" cy="4754348"/>
-          </a:xfrm>
-        </p:spPr>
-        <p:txBody>
-          <a:bodyPr>
+          <a:bodyPr anchor="ctr">
             <a:normAutofit/>
           </a:bodyPr>
           <a:lstStyle/>
           <a:p>
             <a:r>
-              <a:rPr lang="en-US" sz="3200" smtClean="0"/>
-              <a:t>Refactoring operations…</a:t>
-            </a:r>
-          </a:p>
-          <a:p>
-            <a:pPr lvl="1"/>
-            <a:r>
-              <a:rPr lang="en-US" sz="2800" smtClean="0"/>
-              <a:t>Rename Method</a:t>
-            </a:r>
-          </a:p>
-          <a:p>
-            <a:pPr lvl="1"/>
-            <a:r>
-              <a:rPr lang="en-US" sz="2800" smtClean="0"/>
-              <a:t>Extract Method</a:t>
-            </a:r>
-          </a:p>
-          <a:p>
-            <a:pPr lvl="1"/>
-            <a:r>
-              <a:rPr lang="en-US" sz="2800" smtClean="0"/>
-              <a:t>Replace Temp with Query</a:t>
-            </a:r>
-          </a:p>
-          <a:p>
-            <a:pPr lvl="1"/>
-            <a:r>
-              <a:rPr lang="en-US" sz="2800" smtClean="0"/>
-              <a:t>Decompose Conditional</a:t>
-            </a:r>
-          </a:p>
-          <a:p>
-            <a:pPr lvl="1"/>
-            <a:r>
-              <a:rPr lang="en-US" sz="2800" smtClean="0"/>
-              <a:t>Replace Type Code with Strategy/State</a:t>
-            </a:r>
-          </a:p>
-          <a:p>
-            <a:pPr lvl="1"/>
-            <a:r>
-              <a:rPr lang="en-US" sz="2800" smtClean="0"/>
-              <a:t>Replace constructor with Factory Method</a:t>
-            </a:r>
-          </a:p>
-          <a:p>
-            <a:pPr lvl="1"/>
-            <a:r>
-              <a:rPr lang="en-US" sz="2800" smtClean="0"/>
-              <a:t>… </a:t>
-            </a:r>
-            <a:endParaRPr lang="en-US" smtClean="0"/>
+              <a:rPr lang="da-DK" sz="9600" b="1" smtClean="0">
+                <a:solidFill>
+                  <a:srgbClr val="FF0000"/>
+                </a:solidFill>
+              </a:rPr>
+              <a:t>Isolate variation!</a:t>
+            </a:r>
+            <a:endParaRPr lang="da-DK" sz="9600" i="1"/>
           </a:p>
         </p:txBody>
       </p:sp>
     </p:spTree>
     <p:extLst>
       <p:ext uri="{BB962C8B-B14F-4D97-AF65-F5344CB8AC3E}">
-        <p14:creationId xmlns:p14="http://schemas.microsoft.com/office/powerpoint/2010/main" val="2627148672"/>
+        <p14:creationId xmlns:p14="http://schemas.microsoft.com/office/powerpoint/2010/main" val="1138871176"/>
       </p:ext>
     </p:extLst>
   </p:cSld>
   <p:clrMapOvr>
     <a:masterClrMapping/>
   </p:clrMapOvr>
-  <mc:AlternateContent xmlns:mc="http://schemas.openxmlformats.org/markup-compatibility/2006">
-    <mc:Choice xmlns:p14="http://schemas.microsoft.com/office/powerpoint/2010/main" Requires="p14">
+  <mc:AlternateContent xmlns:mc="http://schemas.openxmlformats.org/markup-compatibility/2006" xmlns:p14="http://schemas.microsoft.com/office/powerpoint/2010/main">
+    <mc:Choice Requires="p14">
       <p:transition spd="med" p14:dur="700">
         <p:fade/>
       </p:transition>
     </mc:Choice>
-    <mc:Fallback>
+    <mc:Fallback xmlns="">
       <p:transition spd="med">
         <p:fade/>
       </p:transition>
@@ -9255,161 +9573,66 @@
             <a:spLocks noGrp="1"/>
           </p:cNvSpPr>
           <p:nvPr>
-            <p:ph type="title"/>
+            <p:ph type="ctrTitle"/>
           </p:nvPr>
         </p:nvSpPr>
         <p:spPr>
           <a:xfrm>
-            <a:off x="838200" y="407236"/>
-            <a:ext cx="10515600" cy="1325563"/>
+            <a:off x="312822" y="171869"/>
+            <a:ext cx="11534274" cy="4995694"/>
           </a:xfrm>
         </p:spPr>
         <p:txBody>
-          <a:bodyPr/>
-          <a:lstStyle/>
-          <a:p>
-            <a:r>
-              <a:rPr lang="da-DK" b="1" smtClean="0">
-                <a:solidFill>
-                  <a:srgbClr val="FF0000"/>
-                </a:solidFill>
-              </a:rPr>
-              <a:t>When</a:t>
-            </a:r>
-            <a:r>
-              <a:rPr lang="da-DK" b="1" smtClean="0"/>
-              <a:t> to Refactor?</a:t>
-            </a:r>
-            <a:endParaRPr lang="da-DK" b="1"/>
-          </a:p>
-        </p:txBody>
-      </p:sp>
-      <p:sp>
-        <p:nvSpPr>
-          <p:cNvPr id="3" name="Pladsholder til indhold 2"/>
-          <p:cNvSpPr>
-            <a:spLocks noGrp="1"/>
-          </p:cNvSpPr>
-          <p:nvPr>
-            <p:ph idx="1"/>
-          </p:nvPr>
-        </p:nvSpPr>
-        <p:spPr>
-          <a:xfrm>
-            <a:off x="838200" y="1825625"/>
-            <a:ext cx="10078995" cy="4754348"/>
-          </a:xfrm>
-        </p:spPr>
-        <p:txBody>
-          <a:bodyPr>
+          <a:bodyPr anchor="ctr">
             <a:normAutofit/>
           </a:bodyPr>
           <a:lstStyle/>
           <a:p>
             <a:r>
-              <a:rPr lang="en-US" sz="3200" b="1" smtClean="0"/>
-              <a:t>Example</a:t>
-            </a:r>
-            <a:r>
-              <a:rPr lang="en-US" sz="3200" smtClean="0"/>
-              <a:t>: Test-Driven Development (TDD)</a:t>
-            </a:r>
-          </a:p>
-          <a:p>
-            <a:r>
-              <a:rPr lang="en-US" sz="3200" smtClean="0"/>
-              <a:t>The </a:t>
-            </a:r>
-            <a:r>
-              <a:rPr lang="en-US" sz="3200" b="1" smtClean="0"/>
-              <a:t>Red-Green-Refactor</a:t>
-            </a:r>
-            <a:r>
-              <a:rPr lang="en-US" sz="3200" smtClean="0"/>
-              <a:t> principle</a:t>
-            </a:r>
-          </a:p>
-          <a:p>
-            <a:pPr lvl="1"/>
-            <a:r>
-              <a:rPr lang="en-US" sz="2800" smtClean="0"/>
-              <a:t>Write a unit test for the code you are about to write</a:t>
-            </a:r>
-          </a:p>
-          <a:p>
-            <a:pPr lvl="1"/>
-            <a:r>
-              <a:rPr lang="en-US" sz="2800" smtClean="0"/>
-              <a:t>Run the unit test; it will (obviously) fail </a:t>
-            </a:r>
-            <a:r>
-              <a:rPr lang="en-US" sz="2800" smtClean="0">
+              <a:rPr lang="da-DK" sz="9600" b="1" smtClean="0"/>
+              <a:t>What is </a:t>
+            </a:r>
+            <a:br>
+              <a:rPr lang="da-DK" sz="9600" b="1" smtClean="0"/>
+            </a:br>
+            <a:r>
+              <a:rPr lang="da-DK" sz="9600" b="1" smtClean="0">
                 <a:solidFill>
                   <a:srgbClr val="FF0000"/>
                 </a:solidFill>
               </a:rPr>
-              <a:t>[RED]</a:t>
-            </a:r>
-          </a:p>
-          <a:p>
-            <a:pPr lvl="1"/>
-            <a:r>
-              <a:rPr lang="en-US" sz="2800" smtClean="0"/>
-              <a:t>Write the code itself, until the unit test passes </a:t>
-            </a:r>
-            <a:r>
-              <a:rPr lang="en-US" sz="2800" smtClean="0">
-                <a:solidFill>
-                  <a:schemeClr val="accent6">
-                    <a:lumMod val="75000"/>
-                  </a:schemeClr>
-                </a:solidFill>
-              </a:rPr>
-              <a:t>[GREEN]</a:t>
-            </a:r>
-          </a:p>
-          <a:p>
-            <a:pPr lvl="1"/>
-            <a:r>
-              <a:rPr lang="en-US" sz="2800" smtClean="0"/>
-              <a:t>Perform refactorings on your code </a:t>
-            </a:r>
-            <a:r>
-              <a:rPr lang="en-US" sz="2800" smtClean="0">
-                <a:solidFill>
-                  <a:srgbClr val="0070C0"/>
-                </a:solidFill>
-              </a:rPr>
-              <a:t>[REFACTOR]</a:t>
-            </a:r>
-          </a:p>
-          <a:p>
-            <a:r>
-              <a:rPr lang="en-US" sz="3200" smtClean="0"/>
-              <a:t>BUT you can </a:t>
-            </a:r>
-            <a:r>
-              <a:rPr lang="en-US" sz="3200" u="sng" smtClean="0"/>
-              <a:t>always</a:t>
-            </a:r>
-            <a:r>
-              <a:rPr lang="en-US" sz="3200" smtClean="0"/>
-              <a:t> refactor, even in more traditional development processes!</a:t>
-            </a:r>
-            <a:endParaRPr lang="en-US" smtClean="0"/>
+              <a:t>Refactoring</a:t>
+            </a:r>
+            <a:r>
+              <a:rPr lang="da-DK" sz="9600" b="1" smtClean="0"/>
+              <a:t>?</a:t>
+            </a:r>
+            <a:endParaRPr lang="da-DK" sz="9600" i="1"/>
           </a:p>
         </p:txBody>
       </p:sp>
     </p:spTree>
     <p:extLst>
       <p:ext uri="{BB962C8B-B14F-4D97-AF65-F5344CB8AC3E}">
-        <p14:creationId xmlns:p14="http://schemas.microsoft.com/office/powerpoint/2010/main" val="1303423029"/>
+        <p14:creationId xmlns:p14="http://schemas.microsoft.com/office/powerpoint/2010/main" val="122081899"/>
       </p:ext>
     </p:extLst>
   </p:cSld>
   <p:clrMapOvr>
     <a:masterClrMapping/>
   </p:clrMapOvr>
+  <mc:AlternateContent xmlns:mc="http://schemas.openxmlformats.org/markup-compatibility/2006" xmlns:p14="http://schemas.microsoft.com/office/powerpoint/2010/main">
+    <mc:Choice Requires="p14">
+      <p:transition spd="med" p14:dur="700">
+        <p:fade/>
+      </p:transition>
+    </mc:Choice>
+    <mc:Fallback xmlns="">
+      <p:transition spd="med">
+        <p:fade/>
+      </p:transition>
+    </mc:Fallback>
+  </mc:AlternateContent>
   <p:timing>
     <p:tnLst>
       <p:par>
@@ -9444,136 +9667,51 @@
             <a:spLocks noGrp="1"/>
           </p:cNvSpPr>
           <p:nvPr>
-            <p:ph type="title"/>
+            <p:ph type="ctrTitle"/>
           </p:nvPr>
         </p:nvSpPr>
         <p:spPr>
           <a:xfrm>
-            <a:off x="838200" y="407236"/>
-            <a:ext cx="10515600" cy="1325563"/>
+            <a:off x="275751" y="1044147"/>
+            <a:ext cx="11534274" cy="4308768"/>
           </a:xfrm>
         </p:spPr>
         <p:txBody>
-          <a:bodyPr/>
-          <a:lstStyle/>
-          <a:p>
-            <a:r>
-              <a:rPr lang="da-DK" b="1" smtClean="0"/>
-              <a:t>Refactoring in this course</a:t>
-            </a:r>
-            <a:endParaRPr lang="da-DK" b="1"/>
-          </a:p>
-        </p:txBody>
-      </p:sp>
-      <p:sp>
-        <p:nvSpPr>
-          <p:cNvPr id="3" name="Pladsholder til indhold 2"/>
-          <p:cNvSpPr>
-            <a:spLocks noGrp="1"/>
-          </p:cNvSpPr>
-          <p:nvPr>
-            <p:ph idx="1"/>
-          </p:nvPr>
-        </p:nvSpPr>
-        <p:spPr>
-          <a:xfrm>
-            <a:off x="838200" y="1825625"/>
-            <a:ext cx="6396681" cy="4754348"/>
-          </a:xfrm>
-        </p:spPr>
-        <p:txBody>
-          <a:bodyPr>
+          <a:bodyPr anchor="ctr">
             <a:normAutofit/>
           </a:bodyPr>
           <a:lstStyle/>
           <a:p>
             <a:r>
-              <a:rPr lang="en-US" sz="3200" smtClean="0"/>
-              <a:t>Look at selected </a:t>
-            </a:r>
-            <a:r>
-              <a:rPr lang="en-US" sz="3200" b="1" smtClean="0"/>
-              <a:t>Code Smells </a:t>
-            </a:r>
-            <a:r>
-              <a:rPr lang="en-US" sz="3200" smtClean="0"/>
-              <a:t>and </a:t>
-            </a:r>
-            <a:r>
-              <a:rPr lang="en-US" sz="3200" b="1" smtClean="0"/>
-              <a:t>Refactoring Operations </a:t>
-            </a:r>
-            <a:r>
-              <a:rPr lang="en-US" sz="3200" smtClean="0"/>
-              <a:t>from the canonical Refactoring book</a:t>
-            </a:r>
-          </a:p>
-          <a:p>
-            <a:r>
-              <a:rPr lang="en-US" sz="3200" smtClean="0"/>
-              <a:t>Not necessarily use material from the book…</a:t>
-            </a:r>
-          </a:p>
-          <a:p>
-            <a:r>
-              <a:rPr lang="en-US" sz="3200" smtClean="0"/>
-              <a:t>Maybe try it out on our own legacy code…?</a:t>
-            </a:r>
-            <a:endParaRPr lang="en-US" sz="2800" smtClean="0"/>
-          </a:p>
-        </p:txBody>
-      </p:sp>
-      <p:pic>
-        <p:nvPicPr>
-          <p:cNvPr id="6148" name="Picture 4" descr="Billedresultat for refactoring kent beck"/>
-          <p:cNvPicPr>
-            <a:picLocks noChangeAspect="1" noChangeArrowheads="1"/>
-          </p:cNvPicPr>
-          <p:nvPr/>
-        </p:nvPicPr>
-        <p:blipFill>
-          <a:blip r:embed="rId2">
-            <a:extLst>
-              <a:ext uri="{28A0092B-C50C-407E-A947-70E740481C1C}">
-                <a14:useLocalDpi xmlns:a14="http://schemas.microsoft.com/office/drawing/2010/main" val="0"/>
-              </a:ext>
-            </a:extLst>
-          </a:blip>
-          <a:srcRect/>
-          <a:stretch>
-            <a:fillRect/>
-          </a:stretch>
-        </p:blipFill>
-        <p:spPr bwMode="auto">
-          <a:xfrm>
-            <a:off x="8122193" y="1210962"/>
-            <a:ext cx="3558631" cy="4506998"/>
-          </a:xfrm>
-          <a:prstGeom prst="rect">
-            <a:avLst/>
-          </a:prstGeom>
-          <a:noFill/>
-          <a:extLst>
-            <a:ext uri="{909E8E84-426E-40DD-AFC4-6F175D3DCCD1}">
-              <a14:hiddenFill xmlns:a14="http://schemas.microsoft.com/office/drawing/2010/main">
-                <a:solidFill>
-                  <a:srgbClr val="FFFFFF"/>
-                </a:solidFill>
-              </a14:hiddenFill>
-            </a:ext>
-          </a:extLst>
-        </p:spPr>
-      </p:pic>
+              <a:rPr lang="da-DK" sz="9600" b="1" smtClean="0"/>
+              <a:t>2ab + 14b + 5ab</a:t>
+            </a:r>
+            <a:endParaRPr lang="da-DK" sz="9600" i="1"/>
+          </a:p>
+        </p:txBody>
+      </p:sp>
     </p:spTree>
     <p:extLst>
       <p:ext uri="{BB962C8B-B14F-4D97-AF65-F5344CB8AC3E}">
-        <p14:creationId xmlns:p14="http://schemas.microsoft.com/office/powerpoint/2010/main" val="1954751824"/>
+        <p14:creationId xmlns:p14="http://schemas.microsoft.com/office/powerpoint/2010/main" val="1829177364"/>
       </p:ext>
     </p:extLst>
   </p:cSld>
   <p:clrMapOvr>
     <a:masterClrMapping/>
   </p:clrMapOvr>
+  <mc:AlternateContent xmlns:mc="http://schemas.openxmlformats.org/markup-compatibility/2006" xmlns:p14="http://schemas.microsoft.com/office/powerpoint/2010/main">
+    <mc:Choice Requires="p14">
+      <p:transition spd="med" p14:dur="700">
+        <p:fade/>
+      </p:transition>
+    </mc:Choice>
+    <mc:Fallback xmlns="">
+      <p:transition spd="med">
+        <p:fade/>
+      </p:transition>
+    </mc:Fallback>
+  </mc:AlternateContent>
   <p:timing>
     <p:tnLst>
       <p:par>
@@ -9662,39 +9800,79 @@
             <a:pPr lvl="1"/>
             <a:r>
               <a:rPr lang="da-DK" sz="2800" smtClean="0"/>
-              <a:t>Have a genuine interest in Software Design/Construction (Design: Object-Oriented Design)</a:t>
+              <a:t>Have a </a:t>
+            </a:r>
+            <a:r>
+              <a:rPr lang="da-DK" sz="2800" b="1" smtClean="0"/>
+              <a:t>genuine interest </a:t>
+            </a:r>
+            <a:r>
+              <a:rPr lang="da-DK" sz="2800" smtClean="0"/>
+              <a:t>in Software Design/Construction (Design: Object-Oriented Design)</a:t>
             </a:r>
           </a:p>
           <a:p>
             <a:pPr lvl="1"/>
             <a:r>
               <a:rPr lang="da-DK" sz="2800" smtClean="0"/>
-              <a:t>Are comfortable with programming in C# using Visual Studio 2017/19 with ReSharper</a:t>
+              <a:t>Are </a:t>
+            </a:r>
+            <a:r>
+              <a:rPr lang="da-DK" sz="2800" b="1" smtClean="0"/>
+              <a:t>comfortable with programming </a:t>
+            </a:r>
+            <a:r>
+              <a:rPr lang="da-DK" sz="2800" smtClean="0"/>
+              <a:t>in C# using Visual Studio 2017+ with ReSharper</a:t>
             </a:r>
           </a:p>
           <a:p>
             <a:pPr lvl="1"/>
             <a:r>
               <a:rPr lang="da-DK" sz="2800" smtClean="0"/>
-              <a:t>Want to participate in discussions about design/code</a:t>
+              <a:t>Want to </a:t>
+            </a:r>
+            <a:r>
+              <a:rPr lang="da-DK" sz="2800" b="1" smtClean="0"/>
+              <a:t>participate in discussions </a:t>
+            </a:r>
+            <a:r>
+              <a:rPr lang="da-DK" sz="2800" smtClean="0"/>
+              <a:t>about design/code</a:t>
             </a:r>
           </a:p>
           <a:p>
             <a:pPr lvl="1"/>
             <a:r>
               <a:rPr lang="da-DK" sz="2800" smtClean="0"/>
-              <a:t>Willing to create and expose own </a:t>
+              <a:t>Willing to </a:t>
+            </a:r>
+            <a:r>
+              <a:rPr lang="da-DK" sz="2800" b="1" smtClean="0"/>
+              <a:t>create and expose </a:t>
             </a:r>
             <a:r>
               <a:rPr lang="da-DK" sz="2800" smtClean="0"/>
-              <a:t>design/code</a:t>
+              <a:t>own design/code</a:t>
             </a:r>
           </a:p>
           <a:p>
             <a:pPr lvl="1"/>
             <a:r>
+              <a:rPr lang="da-DK" sz="2800" b="1" smtClean="0"/>
+              <a:t>Self</a:t>
+            </a:r>
+            <a:r>
               <a:rPr lang="da-DK" sz="2800" smtClean="0"/>
-              <a:t>Self-driven, self-motivated, etc..</a:t>
+              <a:t>-driven, </a:t>
+            </a:r>
+            <a:r>
+              <a:rPr lang="da-DK" sz="2800" b="1" smtClean="0"/>
+              <a:t>self</a:t>
+            </a:r>
+            <a:r>
+              <a:rPr lang="da-DK" sz="2800" smtClean="0"/>
+              <a:t>-motivated, etc..</a:t>
             </a:r>
           </a:p>
         </p:txBody>
@@ -9748,8 +9926,8 @@
         </p:nvSpPr>
         <p:spPr>
           <a:xfrm>
-            <a:off x="312822" y="171869"/>
-            <a:ext cx="11534274" cy="4995694"/>
+            <a:off x="275751" y="1044147"/>
+            <a:ext cx="11534274" cy="4308768"/>
           </a:xfrm>
         </p:spPr>
         <p:txBody>
@@ -9760,52 +9938,53 @@
           <a:p>
             <a:r>
               <a:rPr lang="da-DK" sz="9600" b="1" smtClean="0"/>
-              <a:t>What </a:t>
+              <a:t>2</a:t>
+            </a:r>
+            <a:r>
+              <a:rPr lang="da-DK" sz="9600" b="1" smtClean="0">
+                <a:solidFill>
+                  <a:srgbClr val="FF0000"/>
+                </a:solidFill>
+              </a:rPr>
+              <a:t>ab</a:t>
             </a:r>
             <a:r>
               <a:rPr lang="da-DK" sz="9600" b="1" smtClean="0"/>
-              <a:t>are the</a:t>
-            </a:r>
-            <a:r>
-              <a:rPr lang="da-DK" sz="9600" b="1" smtClean="0"/>
-              <a:t> </a:t>
-            </a:r>
-            <a:br>
-              <a:rPr lang="da-DK" sz="9600" b="1" smtClean="0"/>
-            </a:br>
+              <a:t> + 14b + 5</a:t>
+            </a:r>
             <a:r>
               <a:rPr lang="da-DK" sz="9600" b="1" smtClean="0">
                 <a:solidFill>
                   <a:srgbClr val="FF0000"/>
                 </a:solidFill>
               </a:rPr>
-              <a:t>SOLID </a:t>
-            </a:r>
-            <a:r>
-              <a:rPr lang="da-DK" sz="9600" b="1"/>
-              <a:t>principles?</a:t>
-            </a:r>
-            <a:endParaRPr lang="da-DK" sz="9600" b="1"/>
+              <a:t>ab</a:t>
+            </a:r>
+            <a:endParaRPr lang="da-DK" sz="9600" i="1">
+              <a:solidFill>
+                <a:srgbClr val="FF0000"/>
+              </a:solidFill>
+            </a:endParaRPr>
           </a:p>
         </p:txBody>
       </p:sp>
     </p:spTree>
     <p:extLst>
       <p:ext uri="{BB962C8B-B14F-4D97-AF65-F5344CB8AC3E}">
-        <p14:creationId xmlns:p14="http://schemas.microsoft.com/office/powerpoint/2010/main" val="1625473468"/>
+        <p14:creationId xmlns:p14="http://schemas.microsoft.com/office/powerpoint/2010/main" val="4082515758"/>
       </p:ext>
     </p:extLst>
   </p:cSld>
   <p:clrMapOvr>
     <a:masterClrMapping/>
   </p:clrMapOvr>
-  <mc:AlternateContent xmlns:mc="http://schemas.openxmlformats.org/markup-compatibility/2006">
-    <mc:Choice xmlns:p14="http://schemas.microsoft.com/office/powerpoint/2010/main" Requires="p14">
+  <mc:AlternateContent xmlns:mc="http://schemas.openxmlformats.org/markup-compatibility/2006" xmlns:p14="http://schemas.microsoft.com/office/powerpoint/2010/main">
+    <mc:Choice Requires="p14">
       <p:transition spd="med" p14:dur="700">
         <p:fade/>
       </p:transition>
     </mc:Choice>
-    <mc:Fallback>
+    <mc:Fallback xmlns="">
       <p:transition spd="med">
         <p:fade/>
       </p:transition>
@@ -9850,114 +10029,45 @@
         </p:nvSpPr>
         <p:spPr>
           <a:xfrm>
-            <a:off x="547438" y="481264"/>
-            <a:ext cx="11534274" cy="6154152"/>
+            <a:off x="275751" y="1044147"/>
+            <a:ext cx="11534274" cy="4308768"/>
           </a:xfrm>
         </p:spPr>
         <p:txBody>
-          <a:bodyPr anchor="t">
+          <a:bodyPr anchor="ctr">
             <a:normAutofit/>
           </a:bodyPr>
           <a:lstStyle/>
           <a:p>
-            <a:pPr algn="l"/>
-            <a:r>
-              <a:rPr lang="en-US" sz="7200" b="1" smtClean="0">
-                <a:solidFill>
-                  <a:srgbClr val="FF0000"/>
-                </a:solidFill>
-              </a:rPr>
-              <a:t>S</a:t>
-            </a:r>
-            <a:r>
-              <a:rPr lang="en-US" sz="7200" b="1" smtClean="0"/>
-              <a:t>ingle responsibility</a:t>
-            </a:r>
-            <a:br>
-              <a:rPr lang="en-US" sz="7200" b="1" smtClean="0"/>
-            </a:br>
-            <a:r>
-              <a:rPr lang="en-US" sz="7200" b="1" smtClean="0">
-                <a:solidFill>
-                  <a:srgbClr val="FF0000"/>
-                </a:solidFill>
-              </a:rPr>
-              <a:t>O</a:t>
-            </a:r>
-            <a:r>
-              <a:rPr lang="en-US" sz="7200" b="1" smtClean="0"/>
-              <a:t>pen/Closed</a:t>
-            </a:r>
-            <a:br>
-              <a:rPr lang="en-US" sz="7200" b="1" smtClean="0"/>
-            </a:br>
-            <a:r>
-              <a:rPr lang="en-US" sz="7200" b="1" smtClean="0">
-                <a:solidFill>
-                  <a:srgbClr val="FF0000"/>
-                </a:solidFill>
-              </a:rPr>
-              <a:t>L</a:t>
-            </a:r>
-            <a:r>
-              <a:rPr lang="en-US" sz="7200" b="1" smtClean="0"/>
-              <a:t>iskov Substitution</a:t>
-            </a:r>
-            <a:br>
-              <a:rPr lang="en-US" sz="7200" b="1" smtClean="0"/>
-            </a:br>
-            <a:r>
-              <a:rPr lang="en-US" sz="7200" b="1" smtClean="0">
-                <a:solidFill>
-                  <a:srgbClr val="FF0000"/>
-                </a:solidFill>
-              </a:rPr>
-              <a:t>I</a:t>
-            </a:r>
-            <a:r>
-              <a:rPr lang="en-US" sz="7200" b="1" smtClean="0"/>
-              <a:t>nterface Segregation</a:t>
-            </a:r>
-            <a:br>
-              <a:rPr lang="en-US" sz="7200" b="1" smtClean="0"/>
-            </a:br>
-            <a:r>
-              <a:rPr lang="en-US" sz="7200" b="1" smtClean="0">
-                <a:solidFill>
-                  <a:srgbClr val="FF0000"/>
-                </a:solidFill>
-              </a:rPr>
-              <a:t>D</a:t>
-            </a:r>
-            <a:r>
-              <a:rPr lang="en-US" sz="7200" b="1" smtClean="0"/>
-              <a:t>edendency Injection</a:t>
-            </a:r>
-            <a:endParaRPr lang="da-DK" sz="7200" i="1">
-              <a:solidFill>
-                <a:srgbClr val="FF0000"/>
-              </a:solidFill>
-            </a:endParaRPr>
+            <a:r>
+              <a:rPr lang="da-DK" sz="9600" b="1"/>
+              <a:t>7</a:t>
+            </a:r>
+            <a:r>
+              <a:rPr lang="da-DK" sz="9600" b="1" smtClean="0"/>
+              <a:t>ab + 14b</a:t>
+            </a:r>
+            <a:endParaRPr lang="da-DK" sz="9600" i="1"/>
           </a:p>
         </p:txBody>
       </p:sp>
     </p:spTree>
     <p:extLst>
       <p:ext uri="{BB962C8B-B14F-4D97-AF65-F5344CB8AC3E}">
-        <p14:creationId xmlns:p14="http://schemas.microsoft.com/office/powerpoint/2010/main" val="1425686733"/>
+        <p14:creationId xmlns:p14="http://schemas.microsoft.com/office/powerpoint/2010/main" val="3252849738"/>
       </p:ext>
     </p:extLst>
   </p:cSld>
   <p:clrMapOvr>
     <a:masterClrMapping/>
   </p:clrMapOvr>
-  <mc:AlternateContent xmlns:mc="http://schemas.openxmlformats.org/markup-compatibility/2006">
-    <mc:Choice xmlns:p14="http://schemas.microsoft.com/office/powerpoint/2010/main" Requires="p14">
+  <mc:AlternateContent xmlns:mc="http://schemas.openxmlformats.org/markup-compatibility/2006" xmlns:p14="http://schemas.microsoft.com/office/powerpoint/2010/main">
+    <mc:Choice Requires="p14">
       <p:transition spd="med" p14:dur="700">
         <p:fade/>
       </p:transition>
     </mc:Choice>
-    <mc:Fallback>
+    <mc:Fallback xmlns="">
       <p:transition spd="med">
         <p:fade/>
       </p:transition>
@@ -9997,111 +10107,71 @@
             <a:spLocks noGrp="1"/>
           </p:cNvSpPr>
           <p:nvPr>
-            <p:ph type="title"/>
+            <p:ph type="ctrTitle"/>
           </p:nvPr>
         </p:nvSpPr>
         <p:spPr>
           <a:xfrm>
-            <a:off x="838200" y="407236"/>
-            <a:ext cx="10515600" cy="1325563"/>
+            <a:off x="275751" y="1044147"/>
+            <a:ext cx="11534274" cy="4308768"/>
           </a:xfrm>
         </p:spPr>
         <p:txBody>
-          <a:bodyPr/>
-          <a:lstStyle/>
-          <a:p>
-            <a:r>
-              <a:rPr lang="da-DK" b="1" smtClean="0"/>
-              <a:t>What </a:t>
-            </a:r>
-            <a:r>
-              <a:rPr lang="da-DK" b="1" smtClean="0"/>
-              <a:t>are the </a:t>
-            </a:r>
-            <a:r>
-              <a:rPr lang="da-DK" b="1" smtClean="0">
-                <a:solidFill>
-                  <a:srgbClr val="FF0000"/>
-                </a:solidFill>
-              </a:rPr>
-              <a:t>SOLID</a:t>
-            </a:r>
-            <a:r>
-              <a:rPr lang="da-DK" b="1" smtClean="0"/>
-              <a:t> </a:t>
-            </a:r>
-            <a:r>
-              <a:rPr lang="da-DK" b="1" smtClean="0"/>
-              <a:t>principles?</a:t>
-            </a:r>
-            <a:endParaRPr lang="da-DK" b="1"/>
-          </a:p>
-        </p:txBody>
-      </p:sp>
-      <p:sp>
-        <p:nvSpPr>
-          <p:cNvPr id="3" name="Pladsholder til indhold 2"/>
-          <p:cNvSpPr>
-            <a:spLocks noGrp="1"/>
-          </p:cNvSpPr>
-          <p:nvPr>
-            <p:ph idx="1"/>
-          </p:nvPr>
-        </p:nvSpPr>
-        <p:spPr>
-          <a:xfrm>
-            <a:off x="838200" y="1825625"/>
-            <a:ext cx="7830065" cy="4754348"/>
-          </a:xfrm>
-        </p:spPr>
-        <p:txBody>
-          <a:bodyPr>
+          <a:bodyPr anchor="ctr">
             <a:normAutofit/>
           </a:bodyPr>
           <a:lstStyle/>
           <a:p>
             <a:r>
-              <a:rPr lang="en-US" sz="3200" smtClean="0"/>
-              <a:t>Also a distilled version of Best-Practices</a:t>
-            </a:r>
-          </a:p>
-          <a:p>
-            <a:r>
-              <a:rPr lang="en-US" sz="3200" smtClean="0"/>
-              <a:t>More general than Design Patterns – do not solve one specific problem</a:t>
-            </a:r>
-          </a:p>
-          <a:p>
-            <a:r>
-              <a:rPr lang="en-US" sz="3200"/>
-              <a:t>M</a:t>
-            </a:r>
-            <a:r>
-              <a:rPr lang="en-US" sz="3200" smtClean="0"/>
-              <a:t>any Design Patterns are “instances” of following the </a:t>
-            </a:r>
-            <a:r>
-              <a:rPr lang="en-US" sz="3200" b="1" smtClean="0"/>
-              <a:t>SOLID</a:t>
-            </a:r>
-            <a:r>
-              <a:rPr lang="en-US" sz="3200" smtClean="0"/>
-              <a:t> principles.</a:t>
-            </a:r>
-            <a:endParaRPr lang="en-US" smtClean="0"/>
+              <a:rPr lang="da-DK" sz="9600" b="1" smtClean="0">
+                <a:solidFill>
+                  <a:srgbClr val="FF0000"/>
+                </a:solidFill>
+              </a:rPr>
+              <a:t>7b</a:t>
+            </a:r>
+            <a:r>
+              <a:rPr lang="da-DK" sz="9600" b="1" smtClean="0"/>
+              <a:t>(a)   + </a:t>
+            </a:r>
+            <a:r>
+              <a:rPr lang="da-DK" sz="9600" b="1" smtClean="0">
+                <a:solidFill>
+                  <a:srgbClr val="FF0000"/>
+                </a:solidFill>
+              </a:rPr>
+              <a:t>7b</a:t>
+            </a:r>
+            <a:r>
+              <a:rPr lang="da-DK" sz="9600" b="1" smtClean="0"/>
+              <a:t>(2)</a:t>
+            </a:r>
+            <a:endParaRPr lang="da-DK" sz="9600" i="1"/>
           </a:p>
         </p:txBody>
       </p:sp>
     </p:spTree>
     <p:extLst>
       <p:ext uri="{BB962C8B-B14F-4D97-AF65-F5344CB8AC3E}">
-        <p14:creationId xmlns:p14="http://schemas.microsoft.com/office/powerpoint/2010/main" val="2402447574"/>
+        <p14:creationId xmlns:p14="http://schemas.microsoft.com/office/powerpoint/2010/main" val="3104531289"/>
       </p:ext>
     </p:extLst>
   </p:cSld>
   <p:clrMapOvr>
     <a:masterClrMapping/>
   </p:clrMapOvr>
+  <mc:AlternateContent xmlns:mc="http://schemas.openxmlformats.org/markup-compatibility/2006" xmlns:p14="http://schemas.microsoft.com/office/powerpoint/2010/main">
+    <mc:Choice Requires="p14">
+      <p:transition spd="med" p14:dur="700">
+        <p:fade/>
+      </p:transition>
+    </mc:Choice>
+    <mc:Fallback xmlns="">
+      <p:transition spd="med">
+        <p:fade/>
+      </p:transition>
+    </mc:Fallback>
+  </mc:AlternateContent>
   <p:timing>
     <p:tnLst>
       <p:par>
@@ -10136,96 +10206,51 @@
             <a:spLocks noGrp="1"/>
           </p:cNvSpPr>
           <p:nvPr>
-            <p:ph type="title"/>
-          </p:nvPr>
-        </p:nvSpPr>
-        <p:spPr/>
-        <p:txBody>
-          <a:bodyPr/>
-          <a:lstStyle/>
-          <a:p>
-            <a:r>
-              <a:rPr lang="da-DK" b="1" smtClean="0">
-                <a:solidFill>
-                  <a:srgbClr val="FF0000"/>
-                </a:solidFill>
-              </a:rPr>
-              <a:t>S</a:t>
-            </a:r>
-            <a:r>
-              <a:rPr lang="da-DK" b="1" smtClean="0"/>
-              <a:t>ingle Responsibility</a:t>
-            </a:r>
-            <a:endParaRPr lang="da-DK" b="1"/>
-          </a:p>
-        </p:txBody>
-      </p:sp>
-      <p:sp>
-        <p:nvSpPr>
-          <p:cNvPr id="3" name="Pladsholder til indhold 2"/>
-          <p:cNvSpPr>
-            <a:spLocks noGrp="1"/>
-          </p:cNvSpPr>
-          <p:nvPr>
-            <p:ph idx="1"/>
+            <p:ph type="ctrTitle"/>
           </p:nvPr>
         </p:nvSpPr>
         <p:spPr>
           <a:xfrm>
-            <a:off x="838200" y="1825625"/>
-            <a:ext cx="6344653" cy="4351338"/>
+            <a:off x="275751" y="1044147"/>
+            <a:ext cx="11534274" cy="4308768"/>
           </a:xfrm>
         </p:spPr>
         <p:txBody>
-          <a:bodyPr/>
-          <a:lstStyle/>
-          <a:p>
-            <a:r>
-              <a:rPr lang="da-DK" sz="3200" smtClean="0"/>
-              <a:t>Classes should only have </a:t>
-            </a:r>
-            <a:r>
-              <a:rPr lang="da-DK" sz="3200" b="1" smtClean="0"/>
-              <a:t>one</a:t>
-            </a:r>
-            <a:r>
-              <a:rPr lang="da-DK" sz="3200" smtClean="0"/>
-              <a:t> main responsibility</a:t>
-            </a:r>
-          </a:p>
-          <a:p>
-            <a:r>
-              <a:rPr lang="da-DK" sz="3200" smtClean="0"/>
-              <a:t>=&gt; classes should only have </a:t>
-            </a:r>
-            <a:r>
-              <a:rPr lang="da-DK" sz="3200" b="1" smtClean="0"/>
-              <a:t>one</a:t>
-            </a:r>
-            <a:r>
-              <a:rPr lang="da-DK" sz="3200" smtClean="0"/>
-              <a:t> reason to change</a:t>
-            </a:r>
-          </a:p>
-          <a:p>
-            <a:r>
-              <a:rPr lang="da-DK" sz="3200" smtClean="0"/>
-              <a:t>Keep classes small, focused and abstract</a:t>
-            </a:r>
-            <a:endParaRPr lang="da-DK" sz="3200"/>
+          <a:bodyPr anchor="ctr">
+            <a:normAutofit/>
+          </a:bodyPr>
+          <a:lstStyle/>
+          <a:p>
+            <a:r>
+              <a:rPr lang="da-DK" sz="9600" b="1" smtClean="0"/>
+              <a:t>7b(a+2)</a:t>
+            </a:r>
+            <a:endParaRPr lang="da-DK" sz="9600" i="1"/>
           </a:p>
         </p:txBody>
       </p:sp>
     </p:spTree>
     <p:extLst>
       <p:ext uri="{BB962C8B-B14F-4D97-AF65-F5344CB8AC3E}">
-        <p14:creationId xmlns:p14="http://schemas.microsoft.com/office/powerpoint/2010/main" val="3915995699"/>
+        <p14:creationId xmlns:p14="http://schemas.microsoft.com/office/powerpoint/2010/main" val="202695377"/>
       </p:ext>
     </p:extLst>
   </p:cSld>
   <p:clrMapOvr>
     <a:masterClrMapping/>
   </p:clrMapOvr>
+  <mc:AlternateContent xmlns:mc="http://schemas.openxmlformats.org/markup-compatibility/2006" xmlns:p14="http://schemas.microsoft.com/office/powerpoint/2010/main">
+    <mc:Choice Requires="p14">
+      <p:transition spd="med" p14:dur="700">
+        <p:fade/>
+      </p:transition>
+    </mc:Choice>
+    <mc:Fallback xmlns="">
+      <p:transition spd="med">
+        <p:fade/>
+      </p:transition>
+    </mc:Fallback>
+  </mc:AlternateContent>
   <p:timing>
     <p:tnLst>
       <p:par>
@@ -10263,22 +10288,31 @@
             <p:ph type="title"/>
           </p:nvPr>
         </p:nvSpPr>
-        <p:spPr/>
+        <p:spPr>
+          <a:xfrm>
+            <a:off x="838200" y="407236"/>
+            <a:ext cx="10515600" cy="1325563"/>
+          </a:xfrm>
+        </p:spPr>
         <p:txBody>
           <a:bodyPr/>
           <a:lstStyle/>
           <a:p>
             <a:r>
+              <a:rPr lang="da-DK" b="1" smtClean="0"/>
+              <a:t>What is </a:t>
+            </a:r>
+            <a:r>
               <a:rPr lang="da-DK" b="1" smtClean="0">
                 <a:solidFill>
                   <a:srgbClr val="FF0000"/>
                 </a:solidFill>
               </a:rPr>
-              <a:t>O</a:t>
+              <a:t>Refactoring</a:t>
             </a:r>
             <a:r>
               <a:rPr lang="da-DK" b="1" smtClean="0"/>
-              <a:t>pen/Closed</a:t>
+              <a:t>?</a:t>
             </a:r>
             <a:endParaRPr lang="da-DK" b="1"/>
           </a:p>
@@ -10297,77 +10331,83 @@
         <p:spPr>
           <a:xfrm>
             <a:off x="838200" y="1825625"/>
-            <a:ext cx="7162800" cy="4351338"/>
+            <a:ext cx="10078995" cy="4754348"/>
           </a:xfrm>
         </p:spPr>
         <p:txBody>
-          <a:bodyPr/>
-          <a:lstStyle/>
-          <a:p>
-            <a:r>
-              <a:rPr lang="da-DK" sz="3200" smtClean="0"/>
-              <a:t>Software entities should be </a:t>
-            </a:r>
-            <a:r>
-              <a:rPr lang="da-DK" sz="3200" b="1" smtClean="0"/>
-              <a:t>open</a:t>
-            </a:r>
-            <a:r>
-              <a:rPr lang="da-DK" sz="3200" smtClean="0"/>
-              <a:t> for </a:t>
-            </a:r>
-            <a:r>
-              <a:rPr lang="da-DK" sz="3200" b="1" smtClean="0"/>
-              <a:t>extension</a:t>
-            </a:r>
-            <a:r>
-              <a:rPr lang="da-DK" sz="3200" smtClean="0"/>
-              <a:t>, but </a:t>
-            </a:r>
-            <a:r>
-              <a:rPr lang="da-DK" sz="3200" b="1" smtClean="0"/>
-              <a:t>closed</a:t>
-            </a:r>
-            <a:r>
-              <a:rPr lang="da-DK" sz="3200" smtClean="0"/>
-              <a:t> for </a:t>
-            </a:r>
-            <a:r>
-              <a:rPr lang="da-DK" sz="3200" b="1" smtClean="0"/>
-              <a:t>modification</a:t>
-            </a:r>
-            <a:r>
-              <a:rPr lang="da-DK" sz="3200" smtClean="0"/>
-              <a:t>.</a:t>
-            </a:r>
-          </a:p>
-          <a:p>
-            <a:r>
-              <a:rPr lang="da-DK" sz="3200" smtClean="0"/>
-              <a:t>Open for extension: behavior can be extended with new behaviors</a:t>
-            </a:r>
-          </a:p>
-          <a:p>
-            <a:r>
-              <a:rPr lang="da-DK" sz="3200" smtClean="0"/>
-              <a:t>Closed for modification: Extension does </a:t>
-            </a:r>
-            <a:r>
-              <a:rPr lang="da-DK" sz="3200" u="sng" smtClean="0"/>
-              <a:t>not</a:t>
-            </a:r>
-            <a:r>
-              <a:rPr lang="da-DK" sz="3200" smtClean="0"/>
-              <a:t> require change in the source code for the entity</a:t>
-            </a:r>
-            <a:endParaRPr lang="da-DK" sz="3200"/>
+          <a:bodyPr>
+            <a:normAutofit/>
+          </a:bodyPr>
+          <a:lstStyle/>
+          <a:p>
+            <a:r>
+              <a:rPr lang="en-US" sz="3200" smtClean="0"/>
+              <a:t>Usually a two-step dance:</a:t>
+            </a:r>
+          </a:p>
+          <a:p>
+            <a:pPr lvl="1"/>
+            <a:r>
+              <a:rPr lang="en-US" sz="2800" smtClean="0"/>
+              <a:t>Identify design/code that needs refactoring (code smells…)</a:t>
+            </a:r>
+          </a:p>
+          <a:p>
+            <a:pPr lvl="1"/>
+            <a:r>
+              <a:rPr lang="en-US" sz="2800" smtClean="0"/>
+              <a:t>Perform the refactoring</a:t>
+            </a:r>
+          </a:p>
+          <a:p>
+            <a:r>
+              <a:rPr lang="en-US" sz="3200" smtClean="0"/>
+              <a:t>Often supported by </a:t>
+            </a:r>
+            <a:r>
+              <a:rPr lang="en-US" sz="3200" b="1" smtClean="0"/>
+              <a:t>tests</a:t>
+            </a:r>
+            <a:r>
+              <a:rPr lang="en-US" sz="3200" smtClean="0"/>
+              <a:t>:</a:t>
+            </a:r>
+          </a:p>
+          <a:p>
+            <a:pPr lvl="1"/>
+            <a:r>
+              <a:rPr lang="en-US" sz="2800" smtClean="0"/>
+              <a:t>Perform a refactoring operation</a:t>
+            </a:r>
+          </a:p>
+          <a:p>
+            <a:pPr lvl="1"/>
+            <a:r>
+              <a:rPr lang="en-US" sz="2800" smtClean="0"/>
+              <a:t>Run the test</a:t>
+            </a:r>
+          </a:p>
+          <a:p>
+            <a:pPr lvl="1"/>
+            <a:r>
+              <a:rPr lang="en-US" sz="2800" smtClean="0"/>
+              <a:t>If test OK, proceed to next refactoring</a:t>
+            </a:r>
+          </a:p>
+          <a:p>
+            <a:pPr lvl="1"/>
+            <a:r>
+              <a:rPr lang="en-US" sz="2800" smtClean="0"/>
+              <a:t>If test fails, roll back refactoring and reconsider…</a:t>
+            </a:r>
+            <a:endParaRPr lang="en-US" smtClean="0"/>
           </a:p>
         </p:txBody>
       </p:sp>
     </p:spTree>
     <p:extLst>
       <p:ext uri="{BB962C8B-B14F-4D97-AF65-F5344CB8AC3E}">
-        <p14:creationId xmlns:p14="http://schemas.microsoft.com/office/powerpoint/2010/main" val="2000243385"/>
+        <p14:creationId xmlns:p14="http://schemas.microsoft.com/office/powerpoint/2010/main" val="4128252924"/>
       </p:ext>
     </p:extLst>
   </p:cSld>
@@ -10411,22 +10451,31 @@
             <p:ph type="title"/>
           </p:nvPr>
         </p:nvSpPr>
-        <p:spPr/>
+        <p:spPr>
+          <a:xfrm>
+            <a:off x="838200" y="407236"/>
+            <a:ext cx="10515600" cy="1325563"/>
+          </a:xfrm>
+        </p:spPr>
         <p:txBody>
           <a:bodyPr/>
           <a:lstStyle/>
           <a:p>
             <a:r>
-              <a:rPr lang="da-DK" b="1">
+              <a:rPr lang="da-DK" b="1" smtClean="0"/>
+              <a:t>What is </a:t>
+            </a:r>
+            <a:r>
+              <a:rPr lang="da-DK" b="1" smtClean="0">
                 <a:solidFill>
                   <a:srgbClr val="FF0000"/>
                 </a:solidFill>
               </a:rPr>
-              <a:t>L</a:t>
+              <a:t>Refactoring</a:t>
             </a:r>
             <a:r>
               <a:rPr lang="da-DK" b="1" smtClean="0"/>
-              <a:t>iskov Substitution</a:t>
+              <a:t>?</a:t>
             </a:r>
             <a:endParaRPr lang="da-DK" b="1"/>
           </a:p>
@@ -10445,55 +10494,93 @@
         <p:spPr>
           <a:xfrm>
             <a:off x="838200" y="1825625"/>
-            <a:ext cx="8441724" cy="4351338"/>
+            <a:ext cx="10078995" cy="4754348"/>
           </a:xfrm>
         </p:spPr>
         <p:txBody>
-          <a:bodyPr/>
-          <a:lstStyle/>
-          <a:p>
-            <a:r>
-              <a:rPr lang="da-DK" sz="3200" smtClean="0"/>
-              <a:t>Principle relating to how to create inheritance hierarchies</a:t>
-            </a:r>
-          </a:p>
-          <a:p>
-            <a:r>
-              <a:rPr lang="da-DK" sz="3200" smtClean="0"/>
-              <a:t>Ensures that a client can </a:t>
-            </a:r>
-            <a:r>
-              <a:rPr lang="da-DK" sz="3200" smtClean="0"/>
-              <a:t>create and use sub-classes </a:t>
-            </a:r>
-            <a:r>
-              <a:rPr lang="da-DK" sz="3200" smtClean="0"/>
-              <a:t>of provided classes without changing the expected </a:t>
-            </a:r>
-            <a:r>
-              <a:rPr lang="da-DK" sz="3200" smtClean="0"/>
-              <a:t>behavior</a:t>
-            </a:r>
-          </a:p>
-          <a:p>
-            <a:r>
-              <a:rPr lang="da-DK" sz="3200" smtClean="0"/>
-              <a:t>Inheritance should not break the original code…</a:t>
-            </a:r>
-            <a:endParaRPr lang="da-DK" sz="3200" smtClean="0"/>
+          <a:bodyPr>
+            <a:normAutofit/>
+          </a:bodyPr>
+          <a:lstStyle/>
+          <a:p>
+            <a:r>
+              <a:rPr lang="en-US" sz="3200" smtClean="0"/>
+              <a:t>Code smells (a.k.a. Anti-Patterns)…</a:t>
+            </a:r>
+          </a:p>
+          <a:p>
+            <a:pPr lvl="1"/>
+            <a:r>
+              <a:rPr lang="en-US" sz="2800" smtClean="0"/>
+              <a:t>Duplicated Code</a:t>
+            </a:r>
+          </a:p>
+          <a:p>
+            <a:pPr lvl="1"/>
+            <a:r>
+              <a:rPr lang="en-US" sz="2800" smtClean="0"/>
+              <a:t>Shotgun Surgery</a:t>
+            </a:r>
+          </a:p>
+          <a:p>
+            <a:pPr lvl="1"/>
+            <a:r>
+              <a:rPr lang="en-US" sz="2800" smtClean="0"/>
+              <a:t>Large class (or God class)</a:t>
+            </a:r>
+          </a:p>
+          <a:p>
+            <a:pPr lvl="1"/>
+            <a:r>
+              <a:rPr lang="en-US" sz="2800" smtClean="0"/>
+              <a:t>Inappropriate Intimacy</a:t>
+            </a:r>
+          </a:p>
+          <a:p>
+            <a:pPr lvl="1"/>
+            <a:r>
+              <a:rPr lang="en-US" sz="2800" smtClean="0"/>
+              <a:t>Feature Envy</a:t>
+            </a:r>
+          </a:p>
+          <a:p>
+            <a:pPr lvl="1"/>
+            <a:r>
+              <a:rPr lang="en-US" sz="2800" smtClean="0"/>
+              <a:t>Comments</a:t>
+            </a:r>
+          </a:p>
+          <a:p>
+            <a:pPr lvl="1"/>
+            <a:r>
+              <a:rPr lang="en-US" sz="2800" smtClean="0"/>
+              <a:t>…</a:t>
+            </a:r>
           </a:p>
         </p:txBody>
       </p:sp>
     </p:spTree>
     <p:extLst>
       <p:ext uri="{BB962C8B-B14F-4D97-AF65-F5344CB8AC3E}">
-        <p14:creationId xmlns:p14="http://schemas.microsoft.com/office/powerpoint/2010/main" val="1841825341"/>
+        <p14:creationId xmlns:p14="http://schemas.microsoft.com/office/powerpoint/2010/main" val="3837009169"/>
       </p:ext>
     </p:extLst>
   </p:cSld>
   <p:clrMapOvr>
     <a:masterClrMapping/>
   </p:clrMapOvr>
+  <mc:AlternateContent xmlns:mc="http://schemas.openxmlformats.org/markup-compatibility/2006" xmlns:p14="http://schemas.microsoft.com/office/powerpoint/2010/main">
+    <mc:Choice Requires="p14">
+      <p:transition spd="med" p14:dur="700">
+        <p:fade/>
+      </p:transition>
+    </mc:Choice>
+    <mc:Fallback xmlns="">
+      <p:transition spd="med">
+        <p:fade/>
+      </p:transition>
+    </mc:Fallback>
+  </mc:AlternateContent>
   <p:timing>
     <p:tnLst>
       <p:par>
@@ -10531,41 +10618,10 @@
             <p:ph type="title"/>
           </p:nvPr>
         </p:nvSpPr>
-        <p:spPr/>
-        <p:txBody>
-          <a:bodyPr/>
-          <a:lstStyle/>
-          <a:p>
-            <a:r>
-              <a:rPr lang="da-DK" b="1" smtClean="0">
-                <a:solidFill>
-                  <a:srgbClr val="FF0000"/>
-                </a:solidFill>
-              </a:rPr>
-              <a:t>I</a:t>
-            </a:r>
-            <a:r>
-              <a:rPr lang="da-DK" b="1" smtClean="0"/>
-              <a:t>nterface Segregation</a:t>
-            </a:r>
-            <a:endParaRPr lang="da-DK" b="1"/>
-          </a:p>
-        </p:txBody>
-      </p:sp>
-      <p:sp>
-        <p:nvSpPr>
-          <p:cNvPr id="3" name="Pladsholder til indhold 2"/>
-          <p:cNvSpPr>
-            <a:spLocks noGrp="1"/>
-          </p:cNvSpPr>
-          <p:nvPr>
-            <p:ph idx="1"/>
-          </p:nvPr>
-        </p:nvSpPr>
         <p:spPr>
           <a:xfrm>
-            <a:off x="838199" y="1825625"/>
-            <a:ext cx="8492289" cy="4351338"/>
+            <a:off x="838200" y="407236"/>
+            <a:ext cx="10515600" cy="1325563"/>
           </a:xfrm>
         </p:spPr>
         <p:txBody>
@@ -10573,83 +10629,126 @@
           <a:lstStyle/>
           <a:p>
             <a:r>
-              <a:rPr lang="da-DK" sz="3200" b="1" smtClean="0"/>
-              <a:t>Interfaces</a:t>
-            </a:r>
-            <a:r>
-              <a:rPr lang="da-DK" sz="3200" smtClean="0"/>
-              <a:t>: abstract definitions of behavior</a:t>
-            </a:r>
-          </a:p>
-          <a:p>
-            <a:r>
-              <a:rPr lang="da-DK" sz="3200" smtClean="0"/>
-              <a:t>Clients should ”see” objects through interfaces</a:t>
-            </a:r>
-          </a:p>
-          <a:p>
-            <a:r>
-              <a:rPr lang="da-DK" sz="3200" smtClean="0"/>
-              <a:t>Smaller interfaces =&gt; </a:t>
-            </a:r>
-            <a:r>
-              <a:rPr lang="da-DK" sz="3200" b="1" smtClean="0"/>
-              <a:t>less dependency </a:t>
-            </a:r>
-            <a:r>
-              <a:rPr lang="da-DK" sz="3200" smtClean="0"/>
-              <a:t>between clients and objects</a:t>
-            </a:r>
-          </a:p>
-          <a:p>
-            <a:r>
-              <a:rPr lang="da-DK" sz="3200" b="1" smtClean="0"/>
-              <a:t>One</a:t>
-            </a:r>
-            <a:r>
-              <a:rPr lang="da-DK" sz="3200" smtClean="0"/>
-              <a:t> object may implement </a:t>
-            </a:r>
-            <a:r>
-              <a:rPr lang="da-DK" sz="3200" b="1" smtClean="0"/>
-              <a:t>many</a:t>
-            </a:r>
-            <a:r>
-              <a:rPr lang="da-DK" sz="3200" smtClean="0"/>
-              <a:t> interfaces</a:t>
-            </a:r>
-          </a:p>
-          <a:p>
-            <a:r>
-              <a:rPr lang="da-DK" sz="3200" smtClean="0"/>
-              <a:t>Keep interfaces </a:t>
-            </a:r>
-            <a:r>
-              <a:rPr lang="da-DK" sz="3200" b="1" smtClean="0"/>
-              <a:t>small</a:t>
-            </a:r>
-            <a:r>
-              <a:rPr lang="da-DK" sz="3200" smtClean="0"/>
-              <a:t> and </a:t>
-            </a:r>
-            <a:r>
-              <a:rPr lang="da-DK" sz="3200" b="1" smtClean="0"/>
-              <a:t>focused</a:t>
-            </a:r>
-            <a:endParaRPr lang="da-DK" sz="3200" b="1"/>
+              <a:rPr lang="da-DK" b="1" smtClean="0"/>
+              <a:t>What is </a:t>
+            </a:r>
+            <a:r>
+              <a:rPr lang="da-DK" b="1" smtClean="0">
+                <a:solidFill>
+                  <a:srgbClr val="FF0000"/>
+                </a:solidFill>
+              </a:rPr>
+              <a:t>Refactoring</a:t>
+            </a:r>
+            <a:r>
+              <a:rPr lang="da-DK" b="1" smtClean="0"/>
+              <a:t>?</a:t>
+            </a:r>
+            <a:endParaRPr lang="da-DK" b="1"/>
+          </a:p>
+        </p:txBody>
+      </p:sp>
+      <p:sp>
+        <p:nvSpPr>
+          <p:cNvPr id="3" name="Pladsholder til indhold 2"/>
+          <p:cNvSpPr>
+            <a:spLocks noGrp="1"/>
+          </p:cNvSpPr>
+          <p:nvPr>
+            <p:ph idx="1"/>
+          </p:nvPr>
+        </p:nvSpPr>
+        <p:spPr>
+          <a:xfrm>
+            <a:off x="838200" y="1825625"/>
+            <a:ext cx="10078995" cy="4754348"/>
+          </a:xfrm>
+        </p:spPr>
+        <p:txBody>
+          <a:bodyPr>
+            <a:normAutofit/>
+          </a:bodyPr>
+          <a:lstStyle/>
+          <a:p>
+            <a:r>
+              <a:rPr lang="en-US" sz="3200" smtClean="0"/>
+              <a:t>Refactoring operations…</a:t>
+            </a:r>
+          </a:p>
+          <a:p>
+            <a:pPr lvl="1"/>
+            <a:r>
+              <a:rPr lang="en-US" sz="2800" smtClean="0"/>
+              <a:t>Rename Method</a:t>
+            </a:r>
+          </a:p>
+          <a:p>
+            <a:pPr lvl="1"/>
+            <a:r>
+              <a:rPr lang="en-US" sz="2800" smtClean="0"/>
+              <a:t>Extract Method</a:t>
+            </a:r>
+          </a:p>
+          <a:p>
+            <a:pPr lvl="1"/>
+            <a:r>
+              <a:rPr lang="en-US" sz="2800" smtClean="0"/>
+              <a:t>Replace Temp with Query</a:t>
+            </a:r>
+          </a:p>
+          <a:p>
+            <a:pPr lvl="1"/>
+            <a:r>
+              <a:rPr lang="en-US" sz="2800" smtClean="0"/>
+              <a:t>Decompose Conditional</a:t>
+            </a:r>
+          </a:p>
+          <a:p>
+            <a:pPr lvl="1"/>
+            <a:r>
+              <a:rPr lang="en-US" sz="2800" smtClean="0"/>
+              <a:t>Replace Type Code with Strategy/State</a:t>
+            </a:r>
+          </a:p>
+          <a:p>
+            <a:pPr lvl="1"/>
+            <a:r>
+              <a:rPr lang="en-US" sz="2800" smtClean="0"/>
+              <a:t>Replace constructor with Factory Method</a:t>
+            </a:r>
+          </a:p>
+          <a:p>
+            <a:pPr lvl="1"/>
+            <a:r>
+              <a:rPr lang="en-US" sz="2800" smtClean="0"/>
+              <a:t>… </a:t>
+            </a:r>
+            <a:endParaRPr lang="en-US" smtClean="0"/>
           </a:p>
         </p:txBody>
       </p:sp>
     </p:spTree>
     <p:extLst>
       <p:ext uri="{BB962C8B-B14F-4D97-AF65-F5344CB8AC3E}">
-        <p14:creationId xmlns:p14="http://schemas.microsoft.com/office/powerpoint/2010/main" val="1389764036"/>
+        <p14:creationId xmlns:p14="http://schemas.microsoft.com/office/powerpoint/2010/main" val="2627148672"/>
       </p:ext>
     </p:extLst>
   </p:cSld>
   <p:clrMapOvr>
     <a:masterClrMapping/>
   </p:clrMapOvr>
+  <mc:AlternateContent xmlns:mc="http://schemas.openxmlformats.org/markup-compatibility/2006" xmlns:p14="http://schemas.microsoft.com/office/powerpoint/2010/main">
+    <mc:Choice Requires="p14">
+      <p:transition spd="med" p14:dur="700">
+        <p:fade/>
+      </p:transition>
+    </mc:Choice>
+    <mc:Fallback xmlns="">
+      <p:transition spd="med">
+        <p:fade/>
+      </p:transition>
+    </mc:Fallback>
+  </mc:AlternateContent>
   <p:timing>
     <p:tnLst>
       <p:par>
@@ -10687,41 +10786,10 @@
             <p:ph type="title"/>
           </p:nvPr>
         </p:nvSpPr>
-        <p:spPr/>
-        <p:txBody>
-          <a:bodyPr/>
-          <a:lstStyle/>
-          <a:p>
-            <a:r>
-              <a:rPr lang="da-DK" b="1" smtClean="0">
-                <a:solidFill>
-                  <a:srgbClr val="FF0000"/>
-                </a:solidFill>
-              </a:rPr>
-              <a:t>D</a:t>
-            </a:r>
-            <a:r>
-              <a:rPr lang="da-DK" b="1" smtClean="0"/>
-              <a:t>ependency Injection</a:t>
-            </a:r>
-            <a:endParaRPr lang="da-DK" b="1"/>
-          </a:p>
-        </p:txBody>
-      </p:sp>
-      <p:sp>
-        <p:nvSpPr>
-          <p:cNvPr id="3" name="Pladsholder til indhold 2"/>
-          <p:cNvSpPr>
-            <a:spLocks noGrp="1"/>
-          </p:cNvSpPr>
-          <p:nvPr>
-            <p:ph idx="1"/>
-          </p:nvPr>
-        </p:nvSpPr>
         <p:spPr>
           <a:xfrm>
-            <a:off x="838199" y="1825625"/>
-            <a:ext cx="8492289" cy="4351338"/>
+            <a:off x="838200" y="407236"/>
+            <a:ext cx="10515600" cy="1325563"/>
           </a:xfrm>
         </p:spPr>
         <p:txBody>
@@ -10729,71 +10797,141 @@
           <a:lstStyle/>
           <a:p>
             <a:r>
-              <a:rPr lang="da-DK" sz="3200" smtClean="0"/>
-              <a:t>A class should </a:t>
-            </a:r>
-            <a:r>
-              <a:rPr lang="da-DK" sz="3200" u="sng" smtClean="0"/>
-              <a:t>not</a:t>
-            </a:r>
-            <a:r>
-              <a:rPr lang="da-DK" sz="3200" smtClean="0"/>
-              <a:t> itself establish (too) tight dependencies to other classes</a:t>
-            </a:r>
-          </a:p>
-          <a:p>
-            <a:r>
-              <a:rPr lang="da-DK" sz="3200" smtClean="0"/>
-              <a:t>Dependencies should be </a:t>
-            </a:r>
-            <a:r>
-              <a:rPr lang="da-DK" sz="3200" b="1" smtClean="0"/>
-              <a:t>injected</a:t>
-            </a:r>
-            <a:r>
-              <a:rPr lang="da-DK" sz="3200" smtClean="0"/>
-              <a:t> by a third party, by means of </a:t>
-            </a:r>
-            <a:r>
-              <a:rPr lang="da-DK" sz="3200" b="1" smtClean="0"/>
-              <a:t>interfaces</a:t>
-            </a:r>
-          </a:p>
-          <a:p>
-            <a:r>
-              <a:rPr lang="da-DK" sz="3200" smtClean="0"/>
-              <a:t>Can also be applied at lower levels</a:t>
-            </a:r>
-          </a:p>
-          <a:p>
-            <a:r>
-              <a:rPr lang="da-DK" sz="3200" smtClean="0"/>
-              <a:t>Look for places in code where </a:t>
-            </a:r>
-            <a:r>
-              <a:rPr lang="da-DK" sz="3200" b="1" smtClean="0"/>
-              <a:t>variation</a:t>
-            </a:r>
-            <a:r>
-              <a:rPr lang="da-DK" sz="3200" smtClean="0"/>
-              <a:t> can occur, and turn them into </a:t>
-            </a:r>
-            <a:r>
-              <a:rPr lang="da-DK" sz="3200" b="1" smtClean="0"/>
-              <a:t>extension </a:t>
-            </a:r>
-            <a:r>
-              <a:rPr lang="da-DK" sz="3200" b="1" smtClean="0"/>
-              <a:t>points</a:t>
-            </a:r>
-            <a:endParaRPr lang="da-DK" sz="3200" b="1" smtClean="0"/>
+              <a:rPr lang="da-DK" b="1" smtClean="0">
+                <a:solidFill>
+                  <a:srgbClr val="FF0000"/>
+                </a:solidFill>
+              </a:rPr>
+              <a:t>When</a:t>
+            </a:r>
+            <a:r>
+              <a:rPr lang="da-DK" b="1" smtClean="0"/>
+              <a:t> to Refactor?</a:t>
+            </a:r>
+            <a:endParaRPr lang="da-DK" b="1"/>
+          </a:p>
+        </p:txBody>
+      </p:sp>
+      <p:sp>
+        <p:nvSpPr>
+          <p:cNvPr id="3" name="Pladsholder til indhold 2"/>
+          <p:cNvSpPr>
+            <a:spLocks noGrp="1"/>
+          </p:cNvSpPr>
+          <p:nvPr>
+            <p:ph idx="1"/>
+          </p:nvPr>
+        </p:nvSpPr>
+        <p:spPr>
+          <a:xfrm>
+            <a:off x="838200" y="1825625"/>
+            <a:ext cx="10078995" cy="4754348"/>
+          </a:xfrm>
+        </p:spPr>
+        <p:txBody>
+          <a:bodyPr>
+            <a:normAutofit/>
+          </a:bodyPr>
+          <a:lstStyle/>
+          <a:p>
+            <a:r>
+              <a:rPr lang="en-US" sz="3200" b="1" smtClean="0"/>
+              <a:t>Example</a:t>
+            </a:r>
+            <a:r>
+              <a:rPr lang="en-US" sz="3200" smtClean="0"/>
+              <a:t>: Test-Driven Development (TDD)</a:t>
+            </a:r>
+          </a:p>
+          <a:p>
+            <a:r>
+              <a:rPr lang="en-US" sz="3200" smtClean="0"/>
+              <a:t>The </a:t>
+            </a:r>
+            <a:r>
+              <a:rPr lang="en-US" sz="3200" b="1" smtClean="0"/>
+              <a:t>Red-Green-Refactor</a:t>
+            </a:r>
+            <a:r>
+              <a:rPr lang="en-US" sz="3200" smtClean="0"/>
+              <a:t> principle</a:t>
+            </a:r>
+          </a:p>
+          <a:p>
+            <a:pPr lvl="1"/>
+            <a:r>
+              <a:rPr lang="en-US" sz="2800" smtClean="0"/>
+              <a:t>Write a unit test for the code you are about to write</a:t>
+            </a:r>
+          </a:p>
+          <a:p>
+            <a:pPr lvl="1"/>
+            <a:r>
+              <a:rPr lang="en-US" sz="2800" smtClean="0"/>
+              <a:t>Run the unit test; it will (obviously) fail </a:t>
+            </a:r>
+            <a:r>
+              <a:rPr lang="en-US" sz="2800" smtClean="0">
+                <a:solidFill>
+                  <a:srgbClr val="FF0000"/>
+                </a:solidFill>
+              </a:rPr>
+              <a:t>[RED]</a:t>
+            </a:r>
+          </a:p>
+          <a:p>
+            <a:pPr lvl="1"/>
+            <a:r>
+              <a:rPr lang="en-US" sz="2800" smtClean="0"/>
+              <a:t>Write the code itself, until the unit test passes </a:t>
+            </a:r>
+            <a:r>
+              <a:rPr lang="en-US" sz="2800" smtClean="0">
+                <a:solidFill>
+                  <a:schemeClr val="accent6">
+                    <a:lumMod val="75000"/>
+                  </a:schemeClr>
+                </a:solidFill>
+              </a:rPr>
+              <a:t>[GREEN]</a:t>
+            </a:r>
+          </a:p>
+          <a:p>
+            <a:pPr lvl="1"/>
+            <a:r>
+              <a:rPr lang="en-US" sz="2800" smtClean="0"/>
+              <a:t>Perform refactorings on your code </a:t>
+            </a:r>
+            <a:r>
+              <a:rPr lang="en-US" sz="2800" smtClean="0">
+                <a:solidFill>
+                  <a:srgbClr val="0070C0"/>
+                </a:solidFill>
+              </a:rPr>
+              <a:t>[REFACTOR]</a:t>
+            </a:r>
+          </a:p>
+          <a:p>
+            <a:r>
+              <a:rPr lang="en-US" sz="3200" smtClean="0"/>
+              <a:t>BUT you can </a:t>
+            </a:r>
+            <a:r>
+              <a:rPr lang="en-US" sz="3200" u="sng" smtClean="0"/>
+              <a:t>always</a:t>
+            </a:r>
+            <a:r>
+              <a:rPr lang="en-US" sz="3200" smtClean="0"/>
+              <a:t> refactor, even in more traditional development processes!</a:t>
+            </a:r>
+            <a:endParaRPr lang="en-US" smtClean="0"/>
           </a:p>
         </p:txBody>
       </p:sp>
     </p:spTree>
     <p:extLst>
       <p:ext uri="{BB962C8B-B14F-4D97-AF65-F5344CB8AC3E}">
-        <p14:creationId xmlns:p14="http://schemas.microsoft.com/office/powerpoint/2010/main" val="1636551111"/>
+        <p14:creationId xmlns:p14="http://schemas.microsoft.com/office/powerpoint/2010/main" val="1303423029"/>
       </p:ext>
     </p:extLst>
   </p:cSld>
@@ -10837,14 +10975,19 @@
             <p:ph type="title"/>
           </p:nvPr>
         </p:nvSpPr>
-        <p:spPr/>
+        <p:spPr>
+          <a:xfrm>
+            <a:off x="838200" y="407236"/>
+            <a:ext cx="10515600" cy="1325563"/>
+          </a:xfrm>
+        </p:spPr>
         <p:txBody>
           <a:bodyPr/>
           <a:lstStyle/>
           <a:p>
             <a:r>
               <a:rPr lang="da-DK" b="1" smtClean="0"/>
-              <a:t>SOLID in this course</a:t>
+              <a:t>Refactoring in this course</a:t>
             </a:r>
             <a:endParaRPr lang="da-DK" b="1"/>
           </a:p>
@@ -10852,7 +10995,7 @@
       </p:sp>
       <p:sp>
         <p:nvSpPr>
-          <p:cNvPr id="4" name="Pladsholder til indhold 3"/>
+          <p:cNvPr id="3" name="Pladsholder til indhold 2"/>
           <p:cNvSpPr>
             <a:spLocks noGrp="1"/>
           </p:cNvSpPr>
@@ -10863,45 +11006,54 @@
         <p:spPr>
           <a:xfrm>
             <a:off x="838200" y="1825625"/>
-            <a:ext cx="5544065" cy="4351338"/>
+            <a:ext cx="6396681" cy="4754348"/>
           </a:xfrm>
         </p:spPr>
         <p:txBody>
-          <a:bodyPr/>
-          <a:lstStyle/>
-          <a:p>
-            <a:r>
-              <a:rPr lang="da-DK" smtClean="0"/>
-              <a:t>We will take a look at all five SOLID principles, BUT with some extra emphasis on:</a:t>
-            </a:r>
-          </a:p>
-          <a:p>
-            <a:pPr lvl="1"/>
-            <a:r>
-              <a:rPr lang="da-DK" smtClean="0"/>
-              <a:t>Dependency Injection</a:t>
-            </a:r>
-          </a:p>
-          <a:p>
-            <a:pPr lvl="1"/>
-            <a:r>
-              <a:rPr lang="da-DK" smtClean="0"/>
-              <a:t>Liskov Substitution</a:t>
-            </a:r>
-            <a:endParaRPr lang="da-DK" smtClean="0"/>
-          </a:p>
-          <a:p>
-            <a:r>
-              <a:rPr lang="da-DK" smtClean="0"/>
-              <a:t>Mostly based on material from this sort-of-canonical book</a:t>
-            </a:r>
-            <a:endParaRPr lang="da-DK"/>
+          <a:bodyPr>
+            <a:normAutofit/>
+          </a:bodyPr>
+          <a:lstStyle/>
+          <a:p>
+            <a:r>
+              <a:rPr lang="en-US" sz="3200" smtClean="0"/>
+              <a:t>Look at selected </a:t>
+            </a:r>
+            <a:r>
+              <a:rPr lang="en-US" sz="3200" b="1" smtClean="0"/>
+              <a:t>Code Smells </a:t>
+            </a:r>
+            <a:r>
+              <a:rPr lang="en-US" sz="3200" smtClean="0"/>
+              <a:t>and </a:t>
+            </a:r>
+            <a:r>
+              <a:rPr lang="en-US" sz="3200" b="1" smtClean="0"/>
+              <a:t>Refactoring Operations </a:t>
+            </a:r>
+            <a:r>
+              <a:rPr lang="en-US" sz="3200" smtClean="0"/>
+              <a:t>from the canonical Refactoring book</a:t>
+            </a:r>
+          </a:p>
+          <a:p>
+            <a:r>
+              <a:rPr lang="en-US" sz="3200" smtClean="0"/>
+              <a:t>Not necessarily use material from the book…</a:t>
+            </a:r>
+          </a:p>
+          <a:p>
+            <a:r>
+              <a:rPr lang="en-US" sz="3200" smtClean="0"/>
+              <a:t>Maybe try it out on our own legacy code…?</a:t>
+            </a:r>
+            <a:endParaRPr lang="en-US" sz="2800" smtClean="0"/>
           </a:p>
         </p:txBody>
       </p:sp>
       <p:pic>
         <p:nvPicPr>
-          <p:cNvPr id="3074" name="Picture 2" descr="https://images-na.ssl-images-amazon.com/images/I/51I13xOnnGL._SX408_BO1,204,203,200_.jpg"/>
+          <p:cNvPr id="6148" name="Picture 4" descr="Billedresultat for refactoring kent beck"/>
           <p:cNvPicPr>
             <a:picLocks noChangeAspect="1" noChangeArrowheads="1"/>
           </p:cNvPicPr>
@@ -10922,8 +11074,8 @@
         </p:blipFill>
         <p:spPr bwMode="auto">
           <a:xfrm>
-            <a:off x="7747502" y="1027906"/>
-            <a:ext cx="3905250" cy="4762500"/>
+            <a:off x="8122193" y="1210962"/>
+            <a:ext cx="3558631" cy="4506998"/>
           </a:xfrm>
           <a:prstGeom prst="rect">
             <a:avLst/>
@@ -10943,25 +11095,13 @@
     </p:spTree>
     <p:extLst>
       <p:ext uri="{BB962C8B-B14F-4D97-AF65-F5344CB8AC3E}">
-        <p14:creationId xmlns:p14="http://schemas.microsoft.com/office/powerpoint/2010/main" val="170628731"/>
+        <p14:creationId xmlns:p14="http://schemas.microsoft.com/office/powerpoint/2010/main" val="1954751824"/>
       </p:ext>
     </p:extLst>
   </p:cSld>
   <p:clrMapOvr>
     <a:masterClrMapping/>
   </p:clrMapOvr>
-  <mc:AlternateContent xmlns:mc="http://schemas.openxmlformats.org/markup-compatibility/2006" xmlns:p14="http://schemas.microsoft.com/office/powerpoint/2010/main">
-    <mc:Choice Requires="p14">
-      <p:transition spd="med" p14:dur="700">
-        <p:fade/>
-      </p:transition>
-    </mc:Choice>
-    <mc:Fallback xmlns="">
-      <p:transition spd="med">
-        <p:fade/>
-      </p:transition>
-    </mc:Fallback>
-  </mc:AlternateContent>
   <p:timing>
     <p:tnLst>
       <p:par>
@@ -10996,74 +11136,91 @@
             <a:spLocks noGrp="1"/>
           </p:cNvSpPr>
           <p:nvPr>
-            <p:ph type="ctrTitle"/>
+            <p:ph type="title"/>
           </p:nvPr>
         </p:nvSpPr>
         <p:spPr>
           <a:xfrm>
-            <a:off x="312822" y="171869"/>
-            <a:ext cx="11534274" cy="4995694"/>
+            <a:off x="838200" y="407236"/>
+            <a:ext cx="10515600" cy="1325563"/>
           </a:xfrm>
         </p:spPr>
         <p:txBody>
-          <a:bodyPr anchor="ctr">
+          <a:bodyPr/>
+          <a:lstStyle/>
+          <a:p>
+            <a:r>
+              <a:rPr lang="da-DK" b="1" smtClean="0"/>
+              <a:t>Refactoring in this course</a:t>
+            </a:r>
+            <a:endParaRPr lang="da-DK" b="1"/>
+          </a:p>
+        </p:txBody>
+      </p:sp>
+      <p:sp>
+        <p:nvSpPr>
+          <p:cNvPr id="3" name="Pladsholder til indhold 2"/>
+          <p:cNvSpPr>
+            <a:spLocks noGrp="1"/>
+          </p:cNvSpPr>
+          <p:nvPr>
+            <p:ph idx="1"/>
+          </p:nvPr>
+        </p:nvSpPr>
+        <p:spPr>
+          <a:xfrm>
+            <a:off x="838200" y="1825625"/>
+            <a:ext cx="6396681" cy="4754348"/>
+          </a:xfrm>
+        </p:spPr>
+        <p:txBody>
+          <a:bodyPr>
             <a:normAutofit/>
           </a:bodyPr>
           <a:lstStyle/>
           <a:p>
             <a:r>
-              <a:rPr lang="da-DK" sz="9600" b="1" smtClean="0"/>
-              <a:t>What </a:t>
-            </a:r>
-            <a:r>
-              <a:rPr lang="da-DK" sz="9600" b="1" smtClean="0"/>
-              <a:t>about</a:t>
-            </a:r>
-            <a:r>
-              <a:rPr lang="da-DK" sz="9600" b="1" smtClean="0"/>
-              <a:t/>
-            </a:r>
-            <a:br>
-              <a:rPr lang="da-DK" sz="9600" b="1" smtClean="0"/>
-            </a:br>
-            <a:r>
-              <a:rPr lang="da-DK" sz="9600" b="1" smtClean="0">
-                <a:solidFill>
-                  <a:srgbClr val="FF0000"/>
-                </a:solidFill>
-              </a:rPr>
-              <a:t>C#</a:t>
-            </a:r>
-            <a:r>
-              <a:rPr lang="da-DK" sz="9600" b="1" smtClean="0"/>
-              <a:t>?</a:t>
-            </a:r>
-            <a:endParaRPr lang="da-DK" sz="9600" b="1"/>
-          </a:p>
-        </p:txBody>
-      </p:sp>
+              <a:rPr lang="en-US" sz="3200" smtClean="0"/>
+              <a:t>Maybe we will also look at some specific refactor-towards-patterns examples…</a:t>
+            </a:r>
+            <a:endParaRPr lang="en-US" sz="2800" smtClean="0"/>
+          </a:p>
+        </p:txBody>
+      </p:sp>
+      <p:pic>
+        <p:nvPicPr>
+          <p:cNvPr id="4" name="Billede 3"/>
+          <p:cNvPicPr>
+            <a:picLocks noChangeAspect="1"/>
+          </p:cNvPicPr>
+          <p:nvPr/>
+        </p:nvPicPr>
+        <p:blipFill>
+          <a:blip r:embed="rId2"/>
+          <a:stretch>
+            <a:fillRect/>
+          </a:stretch>
+        </p:blipFill>
+        <p:spPr>
+          <a:xfrm>
+            <a:off x="7919537" y="1018903"/>
+            <a:ext cx="3768743" cy="5022668"/>
+          </a:xfrm>
+          <a:prstGeom prst="rect">
+            <a:avLst/>
+          </a:prstGeom>
+        </p:spPr>
+      </p:pic>
     </p:spTree>
     <p:extLst>
       <p:ext uri="{BB962C8B-B14F-4D97-AF65-F5344CB8AC3E}">
-        <p14:creationId xmlns:p14="http://schemas.microsoft.com/office/powerpoint/2010/main" val="1299683712"/>
+        <p14:creationId xmlns:p14="http://schemas.microsoft.com/office/powerpoint/2010/main" val="1294335138"/>
       </p:ext>
     </p:extLst>
   </p:cSld>
   <p:clrMapOvr>
     <a:masterClrMapping/>
   </p:clrMapOvr>
-  <mc:AlternateContent xmlns:mc="http://schemas.openxmlformats.org/markup-compatibility/2006">
-    <mc:Choice xmlns:p14="http://schemas.microsoft.com/office/powerpoint/2010/main" Requires="p14">
-      <p:transition spd="med" p14:dur="700">
-        <p:fade/>
-      </p:transition>
-    </mc:Choice>
-    <mc:Fallback>
-      <p:transition spd="med">
-        <p:fade/>
-      </p:transition>
-    </mc:Fallback>
-  </mc:AlternateContent>
   <p:timing>
     <p:tnLst>
       <p:par>
@@ -11304,141 +11461,61 @@
             <a:spLocks noGrp="1"/>
           </p:cNvSpPr>
           <p:nvPr>
-            <p:ph type="title"/>
-          </p:nvPr>
-        </p:nvSpPr>
-        <p:spPr/>
-        <p:txBody>
-          <a:bodyPr/>
-          <a:lstStyle/>
-          <a:p>
-            <a:r>
-              <a:rPr lang="da-DK" b="1" smtClean="0"/>
-              <a:t>Didn’t we do C# on 1. + 2.semester…?</a:t>
-            </a:r>
-            <a:endParaRPr lang="da-DK" b="1"/>
-          </a:p>
-        </p:txBody>
-      </p:sp>
-      <p:sp>
-        <p:nvSpPr>
-          <p:cNvPr id="3" name="Pladsholder til indhold 2"/>
-          <p:cNvSpPr>
-            <a:spLocks noGrp="1"/>
-          </p:cNvSpPr>
-          <p:nvPr>
-            <p:ph idx="1"/>
+            <p:ph type="ctrTitle"/>
           </p:nvPr>
         </p:nvSpPr>
         <p:spPr>
           <a:xfrm>
-            <a:off x="838199" y="1825625"/>
-            <a:ext cx="10251990" cy="4351338"/>
+            <a:off x="312822" y="171869"/>
+            <a:ext cx="11534274" cy="4995694"/>
           </a:xfrm>
         </p:spPr>
         <p:txBody>
-          <a:bodyPr/>
-          <a:lstStyle/>
-          <a:p>
-            <a:r>
-              <a:rPr lang="da-DK" sz="3200" smtClean="0"/>
-              <a:t>Have you heard about</a:t>
-            </a:r>
-          </a:p>
-          <a:p>
-            <a:pPr lvl="1"/>
-            <a:r>
-              <a:rPr lang="da-DK" sz="2800" b="1" smtClean="0"/>
-              <a:t>Iterators</a:t>
-            </a:r>
-            <a:r>
-              <a:rPr lang="da-DK" sz="2800" smtClean="0"/>
-              <a:t> and </a:t>
-            </a:r>
-            <a:r>
-              <a:rPr lang="da-DK" sz="2800" b="1" smtClean="0"/>
-              <a:t>Indexers</a:t>
-            </a:r>
-          </a:p>
-          <a:p>
-            <a:pPr lvl="1"/>
-            <a:r>
-              <a:rPr lang="da-DK" sz="2800" b="1" smtClean="0"/>
-              <a:t>Operator Overloading</a:t>
-            </a:r>
-          </a:p>
-          <a:p>
-            <a:pPr lvl="1"/>
-            <a:r>
-              <a:rPr lang="da-DK" sz="2800" b="1" smtClean="0"/>
-              <a:t>Extension Methods</a:t>
-            </a:r>
-          </a:p>
-          <a:p>
-            <a:pPr lvl="1"/>
-            <a:r>
-              <a:rPr lang="da-DK" sz="2800" b="1" smtClean="0"/>
-              <a:t>Reflection</a:t>
-            </a:r>
-          </a:p>
-          <a:p>
-            <a:pPr lvl="1"/>
-            <a:r>
-              <a:rPr lang="da-DK" sz="2800" b="1" smtClean="0"/>
-              <a:t>Anonymous Types</a:t>
-            </a:r>
-          </a:p>
-          <a:p>
-            <a:pPr lvl="1"/>
-            <a:r>
-              <a:rPr lang="da-DK" sz="2800" b="1" smtClean="0"/>
-              <a:t>Tuples</a:t>
-            </a:r>
-            <a:r>
-              <a:rPr lang="da-DK" sz="2800" smtClean="0"/>
-              <a:t> and </a:t>
-            </a:r>
-            <a:r>
-              <a:rPr lang="da-DK" sz="2800" b="1" smtClean="0"/>
-              <a:t>Local Methods</a:t>
-            </a:r>
-          </a:p>
-          <a:p>
-            <a:pPr lvl="1"/>
-            <a:r>
-              <a:rPr lang="da-DK" sz="2800" b="1" smtClean="0"/>
-              <a:t>Intermediate Language</a:t>
-            </a:r>
-          </a:p>
-          <a:p>
-            <a:pPr lvl="1"/>
-            <a:r>
-              <a:rPr lang="da-DK" sz="2800" b="1" smtClean="0"/>
-              <a:t>…?</a:t>
-            </a:r>
-          </a:p>
-          <a:p>
-            <a:endParaRPr lang="da-DK" sz="3200" smtClean="0"/>
+          <a:bodyPr anchor="ctr">
+            <a:normAutofit/>
+          </a:bodyPr>
+          <a:lstStyle/>
+          <a:p>
+            <a:r>
+              <a:rPr lang="da-DK" sz="9600" b="1" smtClean="0"/>
+              <a:t>What about</a:t>
+            </a:r>
+            <a:br>
+              <a:rPr lang="da-DK" sz="9600" b="1" smtClean="0"/>
+            </a:br>
+            <a:r>
+              <a:rPr lang="da-DK" sz="9600" b="1" smtClean="0">
+                <a:solidFill>
+                  <a:srgbClr val="FF0000"/>
+                </a:solidFill>
+              </a:rPr>
+              <a:t>C#</a:t>
+            </a:r>
+            <a:r>
+              <a:rPr lang="da-DK" sz="9600" b="1" smtClean="0"/>
+              <a:t>?</a:t>
+            </a:r>
+            <a:endParaRPr lang="da-DK" sz="9600" b="1"/>
           </a:p>
         </p:txBody>
       </p:sp>
     </p:spTree>
     <p:extLst>
       <p:ext uri="{BB962C8B-B14F-4D97-AF65-F5344CB8AC3E}">
-        <p14:creationId xmlns:p14="http://schemas.microsoft.com/office/powerpoint/2010/main" val="2446436225"/>
+        <p14:creationId xmlns:p14="http://schemas.microsoft.com/office/powerpoint/2010/main" val="1299683712"/>
       </p:ext>
     </p:extLst>
   </p:cSld>
   <p:clrMapOvr>
     <a:masterClrMapping/>
   </p:clrMapOvr>
-  <mc:AlternateContent xmlns:mc="http://schemas.openxmlformats.org/markup-compatibility/2006">
-    <mc:Choice xmlns:p14="http://schemas.microsoft.com/office/powerpoint/2010/main" Requires="p14">
+  <mc:AlternateContent xmlns:mc="http://schemas.openxmlformats.org/markup-compatibility/2006" xmlns:p14="http://schemas.microsoft.com/office/powerpoint/2010/main">
+    <mc:Choice Requires="p14">
       <p:transition spd="med" p14:dur="700">
         <p:fade/>
       </p:transition>
     </mc:Choice>
-    <mc:Fallback>
+    <mc:Fallback xmlns="">
       <p:transition spd="med">
         <p:fade/>
       </p:transition>
@@ -11507,7 +11584,7 @@
         <p:spPr>
           <a:xfrm>
             <a:off x="838199" y="1825625"/>
-            <a:ext cx="6674709" cy="4351338"/>
+            <a:ext cx="10251990" cy="4351338"/>
           </a:xfrm>
         </p:spPr>
         <p:txBody>
@@ -11516,41 +11593,93 @@
           <a:p>
             <a:r>
               <a:rPr lang="da-DK" sz="3200" smtClean="0"/>
-              <a:t>Also quite important (in my opinion) to know about more sophisticated language elements</a:t>
-            </a:r>
-          </a:p>
-          <a:p>
-            <a:r>
-              <a:rPr lang="da-DK" sz="3200" smtClean="0"/>
-              <a:t>In order to choose the right tools for the job, you need to know what’s in the toolbox </a:t>
-            </a:r>
-            <a:r>
-              <a:rPr lang="da-DK" sz="3200" smtClean="0">
-                <a:sym typeface="Wingdings" panose="05000000000000000000" pitchFamily="2" charset="2"/>
-              </a:rPr>
-              <a:t>.</a:t>
-            </a:r>
-            <a:endParaRPr lang="da-DK" sz="3200" smtClean="0"/>
+              <a:t>Have you heard about</a:t>
+            </a:r>
+          </a:p>
+          <a:p>
+            <a:pPr lvl="1"/>
+            <a:r>
+              <a:rPr lang="da-DK" sz="2800" b="1" smtClean="0"/>
+              <a:t>Iterators</a:t>
+            </a:r>
+            <a:r>
+              <a:rPr lang="da-DK" sz="2800" smtClean="0"/>
+              <a:t> and </a:t>
+            </a:r>
+            <a:r>
+              <a:rPr lang="da-DK" sz="2800" b="1" smtClean="0"/>
+              <a:t>Indexers</a:t>
+            </a:r>
+          </a:p>
+          <a:p>
+            <a:pPr lvl="1"/>
+            <a:r>
+              <a:rPr lang="da-DK" sz="2800" b="1" smtClean="0"/>
+              <a:t>Operator Overloading</a:t>
+            </a:r>
+          </a:p>
+          <a:p>
+            <a:pPr lvl="1"/>
+            <a:r>
+              <a:rPr lang="da-DK" sz="2800" b="1" smtClean="0"/>
+              <a:t>Extension Methods</a:t>
+            </a:r>
+          </a:p>
+          <a:p>
+            <a:pPr lvl="1"/>
+            <a:r>
+              <a:rPr lang="da-DK" sz="2800" b="1" smtClean="0"/>
+              <a:t>Reflection</a:t>
+            </a:r>
+          </a:p>
+          <a:p>
+            <a:pPr lvl="1"/>
+            <a:r>
+              <a:rPr lang="da-DK" sz="2800" b="1" smtClean="0"/>
+              <a:t>Anonymous Types</a:t>
+            </a:r>
+          </a:p>
+          <a:p>
+            <a:pPr lvl="1"/>
+            <a:r>
+              <a:rPr lang="da-DK" sz="2800" b="1" smtClean="0"/>
+              <a:t>Tuples</a:t>
+            </a:r>
+            <a:r>
+              <a:rPr lang="da-DK" sz="2800" smtClean="0"/>
+              <a:t> and </a:t>
+            </a:r>
+            <a:r>
+              <a:rPr lang="da-DK" sz="2800" b="1" smtClean="0"/>
+              <a:t>Local Methods</a:t>
+            </a:r>
+          </a:p>
+          <a:p>
+            <a:pPr lvl="1"/>
+            <a:r>
+              <a:rPr lang="da-DK" sz="2800" b="1" smtClean="0"/>
+              <a:t>…?</a:t>
+            </a:r>
           </a:p>
         </p:txBody>
       </p:sp>
     </p:spTree>
     <p:extLst>
       <p:ext uri="{BB962C8B-B14F-4D97-AF65-F5344CB8AC3E}">
-        <p14:creationId xmlns:p14="http://schemas.microsoft.com/office/powerpoint/2010/main" val="4090909764"/>
+        <p14:creationId xmlns:p14="http://schemas.microsoft.com/office/powerpoint/2010/main" val="2446436225"/>
       </p:ext>
     </p:extLst>
   </p:cSld>
   <p:clrMapOvr>
     <a:masterClrMapping/>
   </p:clrMapOvr>
-  <mc:AlternateContent xmlns:mc="http://schemas.openxmlformats.org/markup-compatibility/2006">
-    <mc:Choice xmlns:p14="http://schemas.microsoft.com/office/powerpoint/2010/main" Requires="p14">
+  <mc:AlternateContent xmlns:mc="http://schemas.openxmlformats.org/markup-compatibility/2006" xmlns:p14="http://schemas.microsoft.com/office/powerpoint/2010/main">
+    <mc:Choice Requires="p14">
       <p:transition spd="med" p14:dur="700">
         <p:fade/>
       </p:transition>
     </mc:Choice>
-    <mc:Fallback>
+    <mc:Fallback xmlns="">
       <p:transition spd="med">
         <p:fade/>
       </p:transition>
@@ -11600,7 +11729,7 @@
           <a:p>
             <a:r>
               <a:rPr lang="da-DK" b="1" smtClean="0"/>
-              <a:t>The Big Picture</a:t>
+              <a:t>Didn’t we do C# on 1. + 2.semester…?</a:t>
             </a:r>
             <a:endParaRPr lang="da-DK" b="1"/>
           </a:p>
@@ -11619,74 +11748,92 @@
         <p:spPr>
           <a:xfrm>
             <a:off x="838199" y="1825625"/>
-            <a:ext cx="9454979" cy="4351338"/>
+            <a:ext cx="10251990" cy="4351338"/>
           </a:xfrm>
         </p:spPr>
         <p:txBody>
-          <a:bodyPr>
-            <a:normAutofit/>
-          </a:bodyPr>
-          <a:lstStyle/>
-          <a:p>
-            <a:r>
-              <a:rPr lang="da-DK" sz="2400" b="1" smtClean="0"/>
-              <a:t>SOLID</a:t>
-            </a:r>
-            <a:r>
-              <a:rPr lang="da-DK" sz="2400" smtClean="0"/>
-              <a:t>: Giving us general, best-practice principles to strive towards when designing/constructing software.</a:t>
-            </a:r>
-          </a:p>
-          <a:p>
-            <a:r>
-              <a:rPr lang="da-DK" sz="2400" b="1" smtClean="0"/>
-              <a:t>Design Patterns</a:t>
-            </a:r>
-            <a:r>
-              <a:rPr lang="da-DK" sz="2400" smtClean="0"/>
-              <a:t>: Giving us more focused solutions for how to implement a certain aspect of our software.</a:t>
-            </a:r>
-          </a:p>
-          <a:p>
-            <a:r>
-              <a:rPr lang="da-DK" sz="2400" b="1" smtClean="0"/>
-              <a:t>Refactoring</a:t>
-            </a:r>
-            <a:r>
-              <a:rPr lang="da-DK" sz="2400" smtClean="0"/>
-              <a:t>: Giving us techniques to recognise low-quality design/code, and to improve the quality in a systematic way. The resulting code will often converge towards the SOLID principles and Design Patterns.</a:t>
-            </a:r>
-          </a:p>
-          <a:p>
-            <a:r>
-              <a:rPr lang="da-DK" sz="2400" b="1" smtClean="0"/>
-              <a:t>Advanced C#: </a:t>
-            </a:r>
-            <a:r>
-              <a:rPr lang="da-DK" sz="2400" smtClean="0"/>
-              <a:t>Giving us an extended C#-toolbox for implementing the designs/code we have created.</a:t>
-            </a:r>
-            <a:endParaRPr lang="da-DK" sz="2400" smtClean="0"/>
+          <a:bodyPr/>
+          <a:lstStyle/>
+          <a:p>
+            <a:r>
+              <a:rPr lang="da-DK" sz="3200" smtClean="0"/>
+              <a:t>Have you used </a:t>
+            </a:r>
+            <a:r>
+              <a:rPr lang="da-DK" sz="3200" b="1" smtClean="0"/>
+              <a:t>LINQ</a:t>
+            </a:r>
+            <a:r>
+              <a:rPr lang="da-DK" sz="3200" smtClean="0"/>
+              <a:t> for</a:t>
+            </a:r>
+          </a:p>
+          <a:p>
+            <a:pPr lvl="1"/>
+            <a:r>
+              <a:rPr lang="da-DK" sz="2800" b="1" smtClean="0"/>
+              <a:t>Data Transformation</a:t>
+            </a:r>
+          </a:p>
+          <a:p>
+            <a:pPr lvl="1"/>
+            <a:r>
+              <a:rPr lang="da-DK" sz="2800" b="1" smtClean="0"/>
+              <a:t>Value aggregation </a:t>
+            </a:r>
+            <a:r>
+              <a:rPr lang="da-DK" sz="2800" smtClean="0"/>
+              <a:t>(beyond </a:t>
+            </a:r>
+            <a:r>
+              <a:rPr lang="da-DK" sz="2800" b="1" smtClean="0"/>
+              <a:t>Sum()</a:t>
+            </a:r>
+            <a:r>
+              <a:rPr lang="da-DK" sz="2800" smtClean="0"/>
+              <a:t>…)</a:t>
+            </a:r>
+          </a:p>
+          <a:p>
+            <a:pPr lvl="1"/>
+            <a:r>
+              <a:rPr lang="da-DK" sz="2800" b="1" smtClean="0"/>
+              <a:t>Set-related operations</a:t>
+            </a:r>
+          </a:p>
+          <a:p>
+            <a:pPr lvl="1"/>
+            <a:r>
+              <a:rPr lang="da-DK" sz="2800" b="1" smtClean="0"/>
+              <a:t>Parallel query execution</a:t>
+            </a:r>
+          </a:p>
+          <a:p>
+            <a:pPr lvl="1"/>
+            <a:r>
+              <a:rPr lang="da-DK" sz="2800" b="1" smtClean="0"/>
+              <a:t>…?</a:t>
+            </a:r>
           </a:p>
         </p:txBody>
       </p:sp>
     </p:spTree>
     <p:extLst>
       <p:ext uri="{BB962C8B-B14F-4D97-AF65-F5344CB8AC3E}">
-        <p14:creationId xmlns:p14="http://schemas.microsoft.com/office/powerpoint/2010/main" val="3518029576"/>
+        <p14:creationId xmlns:p14="http://schemas.microsoft.com/office/powerpoint/2010/main" val="3773233771"/>
       </p:ext>
     </p:extLst>
   </p:cSld>
   <p:clrMapOvr>
     <a:masterClrMapping/>
   </p:clrMapOvr>
-  <mc:AlternateContent xmlns:mc="http://schemas.openxmlformats.org/markup-compatibility/2006">
-    <mc:Choice xmlns:p14="http://schemas.microsoft.com/office/powerpoint/2010/main" Requires="p14">
+  <mc:AlternateContent xmlns:mc="http://schemas.openxmlformats.org/markup-compatibility/2006" xmlns:p14="http://schemas.microsoft.com/office/powerpoint/2010/main">
+    <mc:Choice Requires="p14">
       <p:transition spd="med" p14:dur="700">
         <p:fade/>
       </p:transition>
     </mc:Choice>
-    <mc:Fallback>
+    <mc:Fallback xmlns="">
       <p:transition spd="med">
         <p:fade/>
       </p:transition>
@@ -11736,7 +11883,254 @@
           <a:p>
             <a:r>
               <a:rPr lang="da-DK" b="1" smtClean="0"/>
-              <a:t>Course overview</a:t>
+              <a:t>Didn’t we do C# on 1. + 2.semester…?</a:t>
+            </a:r>
+            <a:endParaRPr lang="da-DK" b="1"/>
+          </a:p>
+        </p:txBody>
+      </p:sp>
+      <p:sp>
+        <p:nvSpPr>
+          <p:cNvPr id="3" name="Pladsholder til indhold 2"/>
+          <p:cNvSpPr>
+            <a:spLocks noGrp="1"/>
+          </p:cNvSpPr>
+          <p:nvPr>
+            <p:ph idx="1"/>
+          </p:nvPr>
+        </p:nvSpPr>
+        <p:spPr>
+          <a:xfrm>
+            <a:off x="838199" y="1825625"/>
+            <a:ext cx="6674709" cy="4351338"/>
+          </a:xfrm>
+        </p:spPr>
+        <p:txBody>
+          <a:bodyPr/>
+          <a:lstStyle/>
+          <a:p>
+            <a:r>
+              <a:rPr lang="da-DK" sz="3200" smtClean="0"/>
+              <a:t>Also quite important (in my opinion) to know about more sophisticated language elements</a:t>
+            </a:r>
+          </a:p>
+          <a:p>
+            <a:r>
+              <a:rPr lang="da-DK" sz="3200" smtClean="0"/>
+              <a:t>In order to choose the right tools for the job, you need to know what’s in the toolbox </a:t>
+            </a:r>
+            <a:r>
+              <a:rPr lang="da-DK" sz="3200" smtClean="0">
+                <a:sym typeface="Wingdings" panose="05000000000000000000" pitchFamily="2" charset="2"/>
+              </a:rPr>
+              <a:t>.</a:t>
+            </a:r>
+            <a:endParaRPr lang="da-DK" sz="3200" smtClean="0"/>
+          </a:p>
+        </p:txBody>
+      </p:sp>
+    </p:spTree>
+    <p:extLst>
+      <p:ext uri="{BB962C8B-B14F-4D97-AF65-F5344CB8AC3E}">
+        <p14:creationId xmlns:p14="http://schemas.microsoft.com/office/powerpoint/2010/main" val="4090909764"/>
+      </p:ext>
+    </p:extLst>
+  </p:cSld>
+  <p:clrMapOvr>
+    <a:masterClrMapping/>
+  </p:clrMapOvr>
+  <mc:AlternateContent xmlns:mc="http://schemas.openxmlformats.org/markup-compatibility/2006" xmlns:p14="http://schemas.microsoft.com/office/powerpoint/2010/main">
+    <mc:Choice Requires="p14">
+      <p:transition spd="med" p14:dur="700">
+        <p:fade/>
+      </p:transition>
+    </mc:Choice>
+    <mc:Fallback xmlns="">
+      <p:transition spd="med">
+        <p:fade/>
+      </p:transition>
+    </mc:Fallback>
+  </mc:AlternateContent>
+  <p:timing>
+    <p:tnLst>
+      <p:par>
+        <p:cTn id="1" dur="indefinite" restart="never" nodeType="tmRoot"/>
+      </p:par>
+    </p:tnLst>
+  </p:timing>
+</p:sld>
+</file>
+
+<file path=ppt/slides/slide64.xml><?xml version="1.0" encoding="utf-8"?>
+<p:sld xmlns:a="http://schemas.openxmlformats.org/drawingml/2006/main" xmlns:r="http://schemas.openxmlformats.org/officeDocument/2006/relationships" xmlns:p="http://schemas.openxmlformats.org/presentationml/2006/main">
+  <p:cSld>
+    <p:spTree>
+      <p:nvGrpSpPr>
+        <p:cNvPr id="1" name=""/>
+        <p:cNvGrpSpPr/>
+        <p:nvPr/>
+      </p:nvGrpSpPr>
+      <p:grpSpPr>
+        <a:xfrm>
+          <a:off x="0" y="0"/>
+          <a:ext cx="0" cy="0"/>
+          <a:chOff x="0" y="0"/>
+          <a:chExt cx="0" cy="0"/>
+        </a:xfrm>
+      </p:grpSpPr>
+      <p:sp>
+        <p:nvSpPr>
+          <p:cNvPr id="2" name="Titel 1"/>
+          <p:cNvSpPr>
+            <a:spLocks noGrp="1"/>
+          </p:cNvSpPr>
+          <p:nvPr>
+            <p:ph type="title"/>
+          </p:nvPr>
+        </p:nvSpPr>
+        <p:spPr/>
+        <p:txBody>
+          <a:bodyPr/>
+          <a:lstStyle/>
+          <a:p>
+            <a:r>
+              <a:rPr lang="da-DK" b="1" smtClean="0"/>
+              <a:t>The Big Picture</a:t>
+            </a:r>
+            <a:endParaRPr lang="da-DK" b="1"/>
+          </a:p>
+        </p:txBody>
+      </p:sp>
+      <p:sp>
+        <p:nvSpPr>
+          <p:cNvPr id="3" name="Pladsholder til indhold 2"/>
+          <p:cNvSpPr>
+            <a:spLocks noGrp="1"/>
+          </p:cNvSpPr>
+          <p:nvPr>
+            <p:ph idx="1"/>
+          </p:nvPr>
+        </p:nvSpPr>
+        <p:spPr>
+          <a:xfrm>
+            <a:off x="838199" y="1825625"/>
+            <a:ext cx="9454979" cy="4351338"/>
+          </a:xfrm>
+        </p:spPr>
+        <p:txBody>
+          <a:bodyPr>
+            <a:normAutofit/>
+          </a:bodyPr>
+          <a:lstStyle/>
+          <a:p>
+            <a:r>
+              <a:rPr lang="da-DK" sz="2400" b="1" smtClean="0"/>
+              <a:t>SOLID</a:t>
+            </a:r>
+            <a:r>
+              <a:rPr lang="da-DK" sz="2400" smtClean="0"/>
+              <a:t>: Giving us general, best-practice principles to strive towards when designing/constructing software.</a:t>
+            </a:r>
+          </a:p>
+          <a:p>
+            <a:r>
+              <a:rPr lang="da-DK" sz="2400" b="1" smtClean="0"/>
+              <a:t>Design Patterns</a:t>
+            </a:r>
+            <a:r>
+              <a:rPr lang="da-DK" sz="2400" smtClean="0"/>
+              <a:t>: Giving us more focused solutions for how to implement a certain aspect of our software.</a:t>
+            </a:r>
+          </a:p>
+          <a:p>
+            <a:r>
+              <a:rPr lang="da-DK" sz="2400" b="1" smtClean="0"/>
+              <a:t>Refactoring</a:t>
+            </a:r>
+            <a:r>
+              <a:rPr lang="da-DK" sz="2400" smtClean="0"/>
+              <a:t>: Giving us techniques to recognise low-quality design/code, and to improve the quality in a systematic way. The resulting code will often converge towards the SOLID principles and Design Patterns.</a:t>
+            </a:r>
+          </a:p>
+          <a:p>
+            <a:r>
+              <a:rPr lang="da-DK" sz="2400" b="1" smtClean="0"/>
+              <a:t>Advanced C#: </a:t>
+            </a:r>
+            <a:r>
+              <a:rPr lang="da-DK" sz="2400" smtClean="0"/>
+              <a:t>Giving us an extended C#-toolbox for implementing the designs/code we have created.</a:t>
+            </a:r>
+          </a:p>
+        </p:txBody>
+      </p:sp>
+    </p:spTree>
+    <p:extLst>
+      <p:ext uri="{BB962C8B-B14F-4D97-AF65-F5344CB8AC3E}">
+        <p14:creationId xmlns:p14="http://schemas.microsoft.com/office/powerpoint/2010/main" val="3518029576"/>
+      </p:ext>
+    </p:extLst>
+  </p:cSld>
+  <p:clrMapOvr>
+    <a:masterClrMapping/>
+  </p:clrMapOvr>
+  <mc:AlternateContent xmlns:mc="http://schemas.openxmlformats.org/markup-compatibility/2006" xmlns:p14="http://schemas.microsoft.com/office/powerpoint/2010/main">
+    <mc:Choice Requires="p14">
+      <p:transition spd="med" p14:dur="700">
+        <p:fade/>
+      </p:transition>
+    </mc:Choice>
+    <mc:Fallback xmlns="">
+      <p:transition spd="med">
+        <p:fade/>
+      </p:transition>
+    </mc:Fallback>
+  </mc:AlternateContent>
+  <p:timing>
+    <p:tnLst>
+      <p:par>
+        <p:cTn id="1" dur="indefinite" restart="never" nodeType="tmRoot"/>
+      </p:par>
+    </p:tnLst>
+  </p:timing>
+</p:sld>
+</file>
+
+<file path=ppt/slides/slide65.xml><?xml version="1.0" encoding="utf-8"?>
+<p:sld xmlns:a="http://schemas.openxmlformats.org/drawingml/2006/main" xmlns:r="http://schemas.openxmlformats.org/officeDocument/2006/relationships" xmlns:p="http://schemas.openxmlformats.org/presentationml/2006/main">
+  <p:cSld>
+    <p:spTree>
+      <p:nvGrpSpPr>
+        <p:cNvPr id="1" name=""/>
+        <p:cNvGrpSpPr/>
+        <p:nvPr/>
+      </p:nvGrpSpPr>
+      <p:grpSpPr>
+        <a:xfrm>
+          <a:off x="0" y="0"/>
+          <a:ext cx="0" cy="0"/>
+          <a:chOff x="0" y="0"/>
+          <a:chExt cx="0" cy="0"/>
+        </a:xfrm>
+      </p:grpSpPr>
+      <p:sp>
+        <p:nvSpPr>
+          <p:cNvPr id="2" name="Titel 1"/>
+          <p:cNvSpPr>
+            <a:spLocks noGrp="1"/>
+          </p:cNvSpPr>
+          <p:nvPr>
+            <p:ph type="title"/>
+          </p:nvPr>
+        </p:nvSpPr>
+        <p:spPr/>
+        <p:txBody>
+          <a:bodyPr/>
+          <a:lstStyle/>
+          <a:p>
+            <a:r>
+              <a:rPr lang="da-DK" b="1" smtClean="0"/>
+              <a:t>Course overview (tentative…)</a:t>
             </a:r>
             <a:endParaRPr lang="da-DK" b="1"/>
           </a:p>
@@ -11751,14 +12145,14 @@
           <p:nvPr>
             <p:extLst>
               <p:ext uri="{D42A27DB-BD31-4B8C-83A1-F6EECF244321}">
-                <p14:modId xmlns:p14="http://schemas.microsoft.com/office/powerpoint/2010/main" val="4176821433"/>
+                <p14:modId xmlns:p14="http://schemas.microsoft.com/office/powerpoint/2010/main" val="1251406328"/>
               </p:ext>
             </p:extLst>
           </p:nvPr>
         </p:nvGraphicFramePr>
         <p:xfrm>
           <a:off x="838200" y="1640245"/>
-          <a:ext cx="8128000" cy="3794760"/>
+          <a:ext cx="8128000" cy="4165600"/>
         </p:xfrm>
         <a:graphic>
           <a:graphicData uri="http://schemas.openxmlformats.org/drawingml/2006/table">
@@ -11983,14 +12377,6 @@
                     <a:p>
                       <a:r>
                         <a:rPr lang="da-DK" b="1" smtClean="0"/>
-                        <a:t>10</a:t>
-                      </a:r>
-                      <a:r>
-                        <a:rPr lang="da-DK" b="1" baseline="0" smtClean="0"/>
-                        <a:t> + </a:t>
-                      </a:r>
-                      <a:r>
-                        <a:rPr lang="da-DK" b="1" smtClean="0"/>
                         <a:t>11</a:t>
                       </a:r>
                       <a:endParaRPr lang="da-DK" b="1"/>
@@ -12179,29 +12565,21 @@
                     <a:p>
                       <a:r>
                         <a:rPr lang="da-DK" b="1" smtClean="0"/>
-                        <a:t>17 +</a:t>
-                      </a:r>
-                      <a:r>
-                        <a:rPr lang="da-DK" b="1" baseline="0" smtClean="0"/>
-                        <a:t> </a:t>
-                      </a:r>
-                      <a:r>
-                        <a:rPr lang="da-DK" b="1" smtClean="0"/>
-                        <a:t>18</a:t>
+                        <a:t>17</a:t>
                       </a:r>
                       <a:endParaRPr lang="da-DK" b="1"/>
                     </a:p>
                   </a:txBody>
                   <a:tcPr/>
                 </a:tc>
-                <a:tc rowSpan="2">
+                <a:tc>
                   <a:txBody>
                     <a:bodyPr/>
                     <a:lstStyle/>
                     <a:p>
                       <a:r>
                         <a:rPr lang="da-DK" smtClean="0"/>
-                        <a:t>Project Work</a:t>
+                        <a:t>Work on Mandatory Project</a:t>
                       </a:r>
                       <a:endParaRPr lang="da-DK"/>
                     </a:p>
@@ -12222,26 +12600,30 @@
                     <a:p>
                       <a:r>
                         <a:rPr lang="da-DK" b="1" smtClean="0"/>
-                        <a:t>19</a:t>
+                        <a:t>18</a:t>
                       </a:r>
                       <a:r>
                         <a:rPr lang="da-DK" b="1" baseline="0" smtClean="0"/>
-                        <a:t> + </a:t>
+                        <a:t> - </a:t>
                       </a:r>
                       <a:r>
                         <a:rPr lang="da-DK" b="1" smtClean="0"/>
-                        <a:t>20</a:t>
+                        <a:t>22</a:t>
                       </a:r>
                       <a:endParaRPr lang="da-DK" b="1"/>
                     </a:p>
                   </a:txBody>
                   <a:tcPr/>
                 </a:tc>
-                <a:tc vMerge="1">
+                <a:tc>
                   <a:txBody>
                     <a:bodyPr/>
                     <a:lstStyle/>
                     <a:p>
+                      <a:r>
+                        <a:rPr lang="da-DK" smtClean="0"/>
+                        <a:t>Work on Synopsis</a:t>
+                      </a:r>
                       <a:endParaRPr lang="da-DK"/>
                     </a:p>
                   </a:txBody>
@@ -12250,6 +12632,41 @@
                 <a:extLst>
                   <a:ext uri="{0D108BD9-81ED-4DB2-BD59-A6C34878D82A}">
                     <a16:rowId xmlns:a16="http://schemas.microsoft.com/office/drawing/2014/main" val="4194214664"/>
+                  </a:ext>
+                </a:extLst>
+              </a:tr>
+              <a:tr h="370840">
+                <a:tc>
+                  <a:txBody>
+                    <a:bodyPr/>
+                    <a:lstStyle/>
+                    <a:p>
+                      <a:r>
+                        <a:rPr lang="da-DK" b="1" smtClean="0"/>
+                        <a:t>25</a:t>
+                      </a:r>
+                      <a:endParaRPr lang="da-DK" b="1"/>
+                    </a:p>
+                  </a:txBody>
+                  <a:tcPr/>
+                </a:tc>
+                <a:tc>
+                  <a:txBody>
+                    <a:bodyPr/>
+                    <a:lstStyle/>
+                    <a:p>
+                      <a:r>
+                        <a:rPr lang="da-DK" smtClean="0"/>
+                        <a:t>Exam (18+19+20+21/6)</a:t>
+                      </a:r>
+                      <a:endParaRPr lang="da-DK"/>
+                    </a:p>
+                  </a:txBody>
+                  <a:tcPr/>
+                </a:tc>
+                <a:extLst>
+                  <a:ext uri="{0D108BD9-81ED-4DB2-BD59-A6C34878D82A}">
+                    <a16:rowId xmlns:a16="http://schemas.microsoft.com/office/drawing/2014/main" val="2713781761"/>
                   </a:ext>
                 </a:extLst>
               </a:tr>
@@ -12267,13 +12684,13 @@
   <p:clrMapOvr>
     <a:masterClrMapping/>
   </p:clrMapOvr>
-  <mc:AlternateContent xmlns:mc="http://schemas.openxmlformats.org/markup-compatibility/2006">
-    <mc:Choice xmlns:p14="http://schemas.microsoft.com/office/powerpoint/2010/main" Requires="p14">
+  <mc:AlternateContent xmlns:mc="http://schemas.openxmlformats.org/markup-compatibility/2006" xmlns:p14="http://schemas.microsoft.com/office/powerpoint/2010/main">
+    <mc:Choice Requires="p14">
       <p:transition spd="med" p14:dur="700">
         <p:fade/>
       </p:transition>
     </mc:Choice>
-    <mc:Fallback>
+    <mc:Fallback xmlns="">
       <p:transition spd="med">
         <p:fade/>
       </p:transition>
@@ -12289,7 +12706,7 @@
 </p:sld>
 </file>
 
-<file path=ppt/slides/slide64.xml><?xml version="1.0" encoding="utf-8"?>
+<file path=ppt/slides/slide66.xml><?xml version="1.0" encoding="utf-8"?>
 <p:sld xmlns:a="http://schemas.openxmlformats.org/drawingml/2006/main" xmlns:r="http://schemas.openxmlformats.org/officeDocument/2006/relationships" xmlns:p="http://schemas.openxmlformats.org/presentationml/2006/main">
   <p:cSld>
     <p:spTree>
@@ -12355,7 +12772,7 @@
             </a:r>
             <a:r>
               <a:rPr lang="da-DK" sz="3200" smtClean="0"/>
-              <a:t>: Short ”lectures” by me, you do small-to-medium-sized exercise, we discuss solutions.</a:t>
+              <a:t>: Short ”lectures” by me, you do small-to-medium-sized exercises, we discuss solutions.</a:t>
             </a:r>
           </a:p>
           <a:p>
@@ -12370,8 +12787,16 @@
           </a:p>
           <a:p>
             <a:r>
+              <a:rPr lang="da-DK" sz="3200" b="1" smtClean="0">
+                <a:solidFill>
+                  <a:srgbClr val="FF0000"/>
+                </a:solidFill>
+              </a:rPr>
+              <a:t>NB</a:t>
+            </a:r>
+            <a:r>
               <a:rPr lang="da-DK" sz="3200" smtClean="0"/>
-              <a:t>NB: Typical, but maybe not always…</a:t>
+              <a:t>: Typical, but maybe not always…</a:t>
             </a:r>
           </a:p>
           <a:p>
@@ -12381,9 +12806,8 @@
             </a:r>
             <a:r>
               <a:rPr lang="da-DK" sz="3200" smtClean="0"/>
-              <a:t>: project work.</a:t>
-            </a:r>
-            <a:endParaRPr lang="da-DK" sz="3200" smtClean="0"/>
+              <a:t>: Mandatory assignment / Synopsis</a:t>
+            </a:r>
           </a:p>
         </p:txBody>
       </p:sp>
@@ -12397,13 +12821,13 @@
   <p:clrMapOvr>
     <a:masterClrMapping/>
   </p:clrMapOvr>
-  <mc:AlternateContent xmlns:mc="http://schemas.openxmlformats.org/markup-compatibility/2006">
-    <mc:Choice xmlns:p14="http://schemas.microsoft.com/office/powerpoint/2010/main" Requires="p14">
+  <mc:AlternateContent xmlns:mc="http://schemas.openxmlformats.org/markup-compatibility/2006" xmlns:p14="http://schemas.microsoft.com/office/powerpoint/2010/main">
+    <mc:Choice Requires="p14">
       <p:transition spd="med" p14:dur="700">
         <p:fade/>
       </p:transition>
     </mc:Choice>
-    <mc:Fallback>
+    <mc:Fallback xmlns="">
       <p:transition spd="med">
         <p:fade/>
       </p:transition>
@@ -12419,7 +12843,199 @@
 </p:sld>
 </file>
 
-<file path=ppt/slides/slide65.xml><?xml version="1.0" encoding="utf-8"?>
+<file path=ppt/slides/slide67.xml><?xml version="1.0" encoding="utf-8"?>
+<p:sld xmlns:a="http://schemas.openxmlformats.org/drawingml/2006/main" xmlns:r="http://schemas.openxmlformats.org/officeDocument/2006/relationships" xmlns:p="http://schemas.openxmlformats.org/presentationml/2006/main">
+  <p:cSld>
+    <p:spTree>
+      <p:nvGrpSpPr>
+        <p:cNvPr id="1" name=""/>
+        <p:cNvGrpSpPr/>
+        <p:nvPr/>
+      </p:nvGrpSpPr>
+      <p:grpSpPr>
+        <a:xfrm>
+          <a:off x="0" y="0"/>
+          <a:ext cx="0" cy="0"/>
+          <a:chOff x="0" y="0"/>
+          <a:chExt cx="0" cy="0"/>
+        </a:xfrm>
+      </p:grpSpPr>
+      <p:sp>
+        <p:nvSpPr>
+          <p:cNvPr id="2" name="Titel 1"/>
+          <p:cNvSpPr>
+            <a:spLocks noGrp="1"/>
+          </p:cNvSpPr>
+          <p:nvPr>
+            <p:ph type="title"/>
+          </p:nvPr>
+        </p:nvSpPr>
+        <p:spPr/>
+        <p:txBody>
+          <a:bodyPr/>
+          <a:lstStyle/>
+          <a:p>
+            <a:r>
+              <a:rPr lang="da-DK" b="1" smtClean="0"/>
+              <a:t>Rules of Engagement (for exercises)</a:t>
+            </a:r>
+            <a:endParaRPr lang="da-DK" b="1"/>
+          </a:p>
+        </p:txBody>
+      </p:sp>
+      <p:sp>
+        <p:nvSpPr>
+          <p:cNvPr id="3" name="Pladsholder til indhold 2"/>
+          <p:cNvSpPr>
+            <a:spLocks noGrp="1"/>
+          </p:cNvSpPr>
+          <p:nvPr>
+            <p:ph idx="1"/>
+          </p:nvPr>
+        </p:nvSpPr>
+        <p:spPr>
+          <a:xfrm>
+            <a:off x="838199" y="1825625"/>
+            <a:ext cx="10251990" cy="4351338"/>
+          </a:xfrm>
+        </p:spPr>
+        <p:txBody>
+          <a:bodyPr/>
+          <a:lstStyle/>
+          <a:p>
+            <a:r>
+              <a:rPr lang="da-DK" sz="3200" smtClean="0"/>
+              <a:t>I prefer – but do not insist – that you work in pairs.</a:t>
+            </a:r>
+          </a:p>
+          <a:p>
+            <a:r>
+              <a:rPr lang="da-DK" sz="3200" b="1" smtClean="0"/>
+              <a:t>Two</a:t>
+            </a:r>
+            <a:r>
+              <a:rPr lang="da-DK" sz="3200" smtClean="0"/>
+              <a:t>: best, </a:t>
+            </a:r>
+            <a:r>
+              <a:rPr lang="da-DK" sz="3200" b="1" smtClean="0"/>
+              <a:t>one</a:t>
+            </a:r>
+            <a:r>
+              <a:rPr lang="da-DK" sz="3200" smtClean="0"/>
+              <a:t>: OK, </a:t>
+            </a:r>
+            <a:r>
+              <a:rPr lang="da-DK" sz="3200" b="1" smtClean="0"/>
+              <a:t>three</a:t>
+            </a:r>
+            <a:r>
+              <a:rPr lang="da-DK" sz="3200" smtClean="0"/>
+              <a:t>: naahhh…</a:t>
+            </a:r>
+          </a:p>
+          <a:p>
+            <a:r>
+              <a:rPr lang="da-DK" sz="3200" smtClean="0"/>
+              <a:t>Sit where you like (</a:t>
+            </a:r>
+            <a:r>
+              <a:rPr lang="da-DK" sz="3200" smtClean="0"/>
+              <a:t>classroom</a:t>
+            </a:r>
+            <a:r>
+              <a:rPr lang="da-DK" sz="3200" smtClean="0"/>
+              <a:t>, group rooms, …)</a:t>
+            </a:r>
+          </a:p>
+          <a:p>
+            <a:r>
+              <a:rPr lang="da-DK" sz="3200" smtClean="0"/>
+              <a:t>No policing; </a:t>
+            </a:r>
+            <a:r>
+              <a:rPr lang="da-DK" sz="3200" i="1" smtClean="0"/>
+              <a:t>you’re here to learn, right…?</a:t>
+            </a:r>
+          </a:p>
+          <a:p>
+            <a:r>
+              <a:rPr lang="da-DK" sz="3200" b="1" smtClean="0">
+                <a:solidFill>
+                  <a:srgbClr val="FF0000"/>
+                </a:solidFill>
+              </a:rPr>
+              <a:t>BUT</a:t>
+            </a:r>
+            <a:r>
+              <a:rPr lang="da-DK" sz="3200" smtClean="0"/>
+              <a:t>: classroom itself is ”business-only”</a:t>
+            </a:r>
+          </a:p>
+          <a:p>
+            <a:pPr lvl="1"/>
+            <a:r>
+              <a:rPr lang="da-DK" sz="2800" smtClean="0"/>
+              <a:t>In the classroom we </a:t>
+            </a:r>
+            <a:r>
+              <a:rPr lang="da-DK" sz="2800" u="sng" smtClean="0"/>
+              <a:t>work</a:t>
+            </a:r>
+            <a:r>
+              <a:rPr lang="da-DK" sz="2800" smtClean="0"/>
+              <a:t> on exercises</a:t>
+            </a:r>
+          </a:p>
+          <a:p>
+            <a:pPr lvl="1"/>
+            <a:r>
+              <a:rPr lang="da-DK" sz="2800" smtClean="0"/>
+              <a:t>If you’re not working: keep it quiet</a:t>
+            </a:r>
+          </a:p>
+          <a:p>
+            <a:pPr lvl="1"/>
+            <a:r>
+              <a:rPr lang="da-DK" sz="2800" smtClean="0"/>
+              <a:t>Take a break when you need a break. </a:t>
+            </a:r>
+          </a:p>
+        </p:txBody>
+      </p:sp>
+    </p:spTree>
+    <p:extLst>
+      <p:ext uri="{BB962C8B-B14F-4D97-AF65-F5344CB8AC3E}">
+        <p14:creationId xmlns:p14="http://schemas.microsoft.com/office/powerpoint/2010/main" val="2988450815"/>
+      </p:ext>
+    </p:extLst>
+  </p:cSld>
+  <p:clrMapOvr>
+    <a:masterClrMapping/>
+  </p:clrMapOvr>
+  <mc:AlternateContent xmlns:mc="http://schemas.openxmlformats.org/markup-compatibility/2006" xmlns:p14="http://schemas.microsoft.com/office/powerpoint/2010/main">
+    <mc:Choice Requires="p14">
+      <p:transition spd="med" p14:dur="700">
+        <p:fade/>
+      </p:transition>
+    </mc:Choice>
+    <mc:Fallback xmlns="">
+      <p:transition spd="med">
+        <p:fade/>
+      </p:transition>
+    </mc:Fallback>
+  </mc:AlternateContent>
+  <p:timing>
+    <p:tnLst>
+      <p:par>
+        <p:cTn id="1" dur="indefinite" restart="never" nodeType="tmRoot"/>
+      </p:par>
+    </p:tnLst>
+  </p:timing>
+</p:sld>
+</file>
+
+<file path=ppt/slides/slide68.xml><?xml version="1.0" encoding="utf-8"?>
 <p:sld xmlns:a="http://schemas.openxmlformats.org/drawingml/2006/main" xmlns:r="http://schemas.openxmlformats.org/officeDocument/2006/relationships" xmlns:p="http://schemas.openxmlformats.org/presentationml/2006/main">
   <p:cSld>
     <p:spTree>
@@ -12713,13 +13329,13 @@
   <p:clrMapOvr>
     <a:masterClrMapping/>
   </p:clrMapOvr>
-  <mc:AlternateContent xmlns:mc="http://schemas.openxmlformats.org/markup-compatibility/2006">
-    <mc:Choice xmlns:p14="http://schemas.microsoft.com/office/powerpoint/2010/main" Requires="p14">
+  <mc:AlternateContent xmlns:mc="http://schemas.openxmlformats.org/markup-compatibility/2006" xmlns:p14="http://schemas.microsoft.com/office/powerpoint/2010/main">
+    <mc:Choice Requires="p14">
       <p:transition spd="med" p14:dur="700">
         <p:fade/>
       </p:transition>
     </mc:Choice>
-    <mc:Fallback>
+    <mc:Fallback xmlns="">
       <p:transition spd="med">
         <p:fade/>
       </p:transition>
@@ -12891,13 +13507,13 @@
   <p:clrMapOvr>
     <a:masterClrMapping/>
   </p:clrMapOvr>
-  <mc:AlternateContent xmlns:mc="http://schemas.openxmlformats.org/markup-compatibility/2006">
-    <mc:Choice xmlns:p14="http://schemas.microsoft.com/office/powerpoint/2010/main" Requires="p14">
+  <mc:AlternateContent xmlns:mc="http://schemas.openxmlformats.org/markup-compatibility/2006" xmlns:p14="http://schemas.microsoft.com/office/powerpoint/2010/main">
+    <mc:Choice Requires="p14">
       <p:transition spd="med" p14:dur="700">
         <p:fade/>
       </p:transition>
     </mc:Choice>
-    <mc:Fallback>
+    <mc:Fallback xmlns="">
       <p:transition spd="med">
         <p:fade/>
       </p:transition>
